--- a/Matches/USPSA - Renton - October 2020 - Trigger Treat/Bay 3 - I Had Friends On That Star.pptx
+++ b/Matches/USPSA - Renton - October 2020 - Trigger Treat/Bay 3 - I Had Friends On That Star.pptx
@@ -8,7 +8,7 @@
     <p:notesMasterId r:id="rId3"/>
   </p:notesMasterIdLst>
   <p:sldIdLst>
-    <p:sldId id="300" r:id="rId2"/>
+    <p:sldId id="274" r:id="rId2"/>
   </p:sldIdLst>
   <p:sldSz cx="7315200" cy="9601200"/>
   <p:notesSz cx="7315200" cy="9601200"/>
@@ -156,716 +156,2668 @@
 </p:presentation>
 </file>
 
+<file path=ppt/revisionInfo.xml><?xml version="1.0" encoding="utf-8"?>
+<p1510:revInfo xmlns:a="http://schemas.openxmlformats.org/drawingml/2006/main" xmlns:r="http://schemas.openxmlformats.org/officeDocument/2006/relationships" xmlns:p1510="http://schemas.microsoft.com/office/powerpoint/2015/10/main">
+  <p1510:revLst>
+    <p1510:client id="{2D4E0981-9019-43D3-8141-F35E0F3B5B45}" v="6" dt="2020-10-24T10:51:56.101"/>
+    <p1510:client id="{560E01DB-C0ED-43C1-8B3A-367CBEC07B1F}" v="59" dt="2020-10-24T10:17:52.327"/>
+    <p1510:client id="{57106D21-825D-4CE8-B8CD-90541349203C}" v="3" dt="2020-10-24T09:06:21.255"/>
+  </p1510:revLst>
+</p1510:revInfo>
+</file>
+
 <file path=ppt/changesInfos/changesInfo1.xml><?xml version="1.0" encoding="utf-8"?>
 <pc:chgInfo xmlns:a="http://schemas.openxmlformats.org/drawingml/2006/main" xmlns:r="http://schemas.openxmlformats.org/officeDocument/2006/relationships" xmlns:ac="http://schemas.microsoft.com/office/drawing/2013/main/command" xmlns:pc="http://schemas.microsoft.com/office/powerpoint/2013/main/command">
   <pc:docChgLst>
-    <pc:chgData name="Matt Carlson" userId="0e792f37f00095d9" providerId="LiveId" clId="{5CFCC283-3760-4963-8178-2319E33C76D7}"/>
-    <pc:docChg chg="undo modSld">
-      <pc:chgData name="Matt Carlson" userId="0e792f37f00095d9" providerId="LiveId" clId="{5CFCC283-3760-4963-8178-2319E33C76D7}" dt="2019-04-27T04:48:25.269" v="38" actId="1076"/>
+    <pc:chgData name="Matt Carlson" userId="0e792f37f00095d9" providerId="LiveId" clId="{2D4E0981-9019-43D3-8141-F35E0F3B5B45}"/>
+    <pc:docChg chg="addSld delSld modSld sldOrd">
+      <pc:chgData name="Matt Carlson" userId="0e792f37f00095d9" providerId="LiveId" clId="{2D4E0981-9019-43D3-8141-F35E0F3B5B45}" dt="2020-10-24T10:52:37.263" v="16" actId="20577"/>
       <pc:docMkLst>
         <pc:docMk/>
       </pc:docMkLst>
-      <pc:sldChg chg="addSp delSp modSp">
-        <pc:chgData name="Matt Carlson" userId="0e792f37f00095d9" providerId="LiveId" clId="{5CFCC283-3760-4963-8178-2319E33C76D7}" dt="2019-04-27T04:48:25.269" v="38" actId="1076"/>
+      <pc:sldChg chg="modSp add mod setBg">
+        <pc:chgData name="Matt Carlson" userId="0e792f37f00095d9" providerId="LiveId" clId="{2D4E0981-9019-43D3-8141-F35E0F3B5B45}" dt="2020-10-24T10:52:37.263" v="16" actId="20577"/>
         <pc:sldMkLst>
           <pc:docMk/>
           <pc:sldMk cId="0" sldId="274"/>
         </pc:sldMkLst>
-        <pc:spChg chg="add del">
-          <ac:chgData name="Matt Carlson" userId="0e792f37f00095d9" providerId="LiveId" clId="{5CFCC283-3760-4963-8178-2319E33C76D7}" dt="2019-04-27T04:48:24.867" v="37" actId="478"/>
-          <ac:spMkLst>
-            <pc:docMk/>
-            <pc:sldMk cId="0" sldId="274"/>
-            <ac:spMk id="3094" creationId="{00000000-0000-0000-0000-000000000000}"/>
-          </ac:spMkLst>
-        </pc:spChg>
-        <pc:spChg chg="add del">
-          <ac:chgData name="Matt Carlson" userId="0e792f37f00095d9" providerId="LiveId" clId="{5CFCC283-3760-4963-8178-2319E33C76D7}" dt="2019-04-27T04:48:24.867" v="37" actId="478"/>
-          <ac:spMkLst>
-            <pc:docMk/>
-            <pc:sldMk cId="0" sldId="274"/>
-            <ac:spMk id="3095" creationId="{00000000-0000-0000-0000-000000000000}"/>
-          </ac:spMkLst>
-        </pc:spChg>
-        <pc:spChg chg="add del">
-          <ac:chgData name="Matt Carlson" userId="0e792f37f00095d9" providerId="LiveId" clId="{5CFCC283-3760-4963-8178-2319E33C76D7}" dt="2019-04-27T04:48:24.867" v="37" actId="478"/>
-          <ac:spMkLst>
-            <pc:docMk/>
-            <pc:sldMk cId="0" sldId="274"/>
-            <ac:spMk id="3096" creationId="{00000000-0000-0000-0000-000000000000}"/>
-          </ac:spMkLst>
-        </pc:spChg>
-        <pc:grpChg chg="add del">
-          <ac:chgData name="Matt Carlson" userId="0e792f37f00095d9" providerId="LiveId" clId="{5CFCC283-3760-4963-8178-2319E33C76D7}" dt="2019-04-27T04:48:24.867" v="37" actId="478"/>
-          <ac:grpSpMkLst>
-            <pc:docMk/>
-            <pc:sldMk cId="0" sldId="274"/>
-            <ac:grpSpMk id="3090" creationId="{00000000-0000-0000-0000-000000000000}"/>
-          </ac:grpSpMkLst>
-        </pc:grpChg>
-        <pc:grpChg chg="add del">
-          <ac:chgData name="Matt Carlson" userId="0e792f37f00095d9" providerId="LiveId" clId="{5CFCC283-3760-4963-8178-2319E33C76D7}" dt="2019-04-27T04:48:24.867" v="37" actId="478"/>
-          <ac:grpSpMkLst>
-            <pc:docMk/>
-            <pc:sldMk cId="0" sldId="274"/>
-            <ac:grpSpMk id="3091" creationId="{00000000-0000-0000-0000-000000000000}"/>
-          </ac:grpSpMkLst>
-        </pc:grpChg>
-        <pc:grpChg chg="add del">
-          <ac:chgData name="Matt Carlson" userId="0e792f37f00095d9" providerId="LiveId" clId="{5CFCC283-3760-4963-8178-2319E33C76D7}" dt="2019-04-27T04:48:24.867" v="37" actId="478"/>
-          <ac:grpSpMkLst>
-            <pc:docMk/>
-            <pc:sldMk cId="0" sldId="274"/>
-            <ac:grpSpMk id="3092" creationId="{00000000-0000-0000-0000-000000000000}"/>
-          </ac:grpSpMkLst>
-        </pc:grpChg>
-        <pc:grpChg chg="add del">
-          <ac:chgData name="Matt Carlson" userId="0e792f37f00095d9" providerId="LiveId" clId="{5CFCC283-3760-4963-8178-2319E33C76D7}" dt="2019-04-27T04:48:24.867" v="37" actId="478"/>
-          <ac:grpSpMkLst>
-            <pc:docMk/>
-            <pc:sldMk cId="0" sldId="274"/>
-            <ac:grpSpMk id="3093" creationId="{00000000-0000-0000-0000-000000000000}"/>
-          </ac:grpSpMkLst>
-        </pc:grpChg>
-        <pc:grpChg chg="add del">
-          <ac:chgData name="Matt Carlson" userId="0e792f37f00095d9" providerId="LiveId" clId="{5CFCC283-3760-4963-8178-2319E33C76D7}" dt="2019-04-27T04:48:24.867" v="37" actId="478"/>
-          <ac:grpSpMkLst>
-            <pc:docMk/>
-            <pc:sldMk cId="0" sldId="274"/>
-            <ac:grpSpMk id="3101" creationId="{00000000-0000-0000-0000-000000000000}"/>
-          </ac:grpSpMkLst>
-        </pc:grpChg>
-        <pc:grpChg chg="add del">
-          <ac:chgData name="Matt Carlson" userId="0e792f37f00095d9" providerId="LiveId" clId="{5CFCC283-3760-4963-8178-2319E33C76D7}" dt="2019-04-27T04:48:24.867" v="37" actId="478"/>
-          <ac:grpSpMkLst>
-            <pc:docMk/>
-            <pc:sldMk cId="0" sldId="274"/>
-            <ac:grpSpMk id="3102" creationId="{00000000-0000-0000-0000-000000000000}"/>
-          </ac:grpSpMkLst>
-        </pc:grpChg>
-        <pc:grpChg chg="add del">
-          <ac:chgData name="Matt Carlson" userId="0e792f37f00095d9" providerId="LiveId" clId="{5CFCC283-3760-4963-8178-2319E33C76D7}" dt="2019-04-27T04:48:24.867" v="37" actId="478"/>
-          <ac:grpSpMkLst>
-            <pc:docMk/>
-            <pc:sldMk cId="0" sldId="274"/>
-            <ac:grpSpMk id="3103" creationId="{00000000-0000-0000-0000-000000000000}"/>
-          </ac:grpSpMkLst>
-        </pc:grpChg>
-        <pc:grpChg chg="add del">
-          <ac:chgData name="Matt Carlson" userId="0e792f37f00095d9" providerId="LiveId" clId="{5CFCC283-3760-4963-8178-2319E33C76D7}" dt="2019-04-27T04:48:24.867" v="37" actId="478"/>
-          <ac:grpSpMkLst>
-            <pc:docMk/>
-            <pc:sldMk cId="0" sldId="274"/>
-            <ac:grpSpMk id="3104" creationId="{00000000-0000-0000-0000-000000000000}"/>
-          </ac:grpSpMkLst>
-        </pc:grpChg>
-        <pc:grpChg chg="add del">
-          <ac:chgData name="Matt Carlson" userId="0e792f37f00095d9" providerId="LiveId" clId="{5CFCC283-3760-4963-8178-2319E33C76D7}" dt="2019-04-27T04:48:24.867" v="37" actId="478"/>
-          <ac:grpSpMkLst>
-            <pc:docMk/>
-            <pc:sldMk cId="0" sldId="274"/>
-            <ac:grpSpMk id="3105" creationId="{00000000-0000-0000-0000-000000000000}"/>
-          </ac:grpSpMkLst>
-        </pc:grpChg>
-        <pc:grpChg chg="add del">
-          <ac:chgData name="Matt Carlson" userId="0e792f37f00095d9" providerId="LiveId" clId="{5CFCC283-3760-4963-8178-2319E33C76D7}" dt="2019-04-27T04:48:24.867" v="37" actId="478"/>
-          <ac:grpSpMkLst>
-            <pc:docMk/>
-            <pc:sldMk cId="0" sldId="274"/>
-            <ac:grpSpMk id="3106" creationId="{00000000-0000-0000-0000-000000000000}"/>
-          </ac:grpSpMkLst>
-        </pc:grpChg>
-        <pc:grpChg chg="add del">
-          <ac:chgData name="Matt Carlson" userId="0e792f37f00095d9" providerId="LiveId" clId="{5CFCC283-3760-4963-8178-2319E33C76D7}" dt="2019-04-27T04:48:24.867" v="37" actId="478"/>
-          <ac:grpSpMkLst>
-            <pc:docMk/>
-            <pc:sldMk cId="0" sldId="274"/>
-            <ac:grpSpMk id="3107" creationId="{00000000-0000-0000-0000-000000000000}"/>
-          </ac:grpSpMkLst>
-        </pc:grpChg>
-        <pc:grpChg chg="add del">
-          <ac:chgData name="Matt Carlson" userId="0e792f37f00095d9" providerId="LiveId" clId="{5CFCC283-3760-4963-8178-2319E33C76D7}" dt="2019-04-27T04:48:24.867" v="37" actId="478"/>
-          <ac:grpSpMkLst>
-            <pc:docMk/>
-            <pc:sldMk cId="0" sldId="274"/>
-            <ac:grpSpMk id="3108" creationId="{00000000-0000-0000-0000-000000000000}"/>
-          </ac:grpSpMkLst>
-        </pc:grpChg>
-        <pc:grpChg chg="add del">
-          <ac:chgData name="Matt Carlson" userId="0e792f37f00095d9" providerId="LiveId" clId="{5CFCC283-3760-4963-8178-2319E33C76D7}" dt="2019-04-27T04:48:24.867" v="37" actId="478"/>
-          <ac:grpSpMkLst>
-            <pc:docMk/>
-            <pc:sldMk cId="0" sldId="274"/>
-            <ac:grpSpMk id="3109" creationId="{00000000-0000-0000-0000-000000000000}"/>
-          </ac:grpSpMkLst>
-        </pc:grpChg>
-        <pc:grpChg chg="add del">
-          <ac:chgData name="Matt Carlson" userId="0e792f37f00095d9" providerId="LiveId" clId="{5CFCC283-3760-4963-8178-2319E33C76D7}" dt="2019-04-27T04:48:24.867" v="37" actId="478"/>
-          <ac:grpSpMkLst>
-            <pc:docMk/>
-            <pc:sldMk cId="0" sldId="274"/>
-            <ac:grpSpMk id="3110" creationId="{00000000-0000-0000-0000-000000000000}"/>
-          </ac:grpSpMkLst>
-        </pc:grpChg>
-        <pc:grpChg chg="mod">
-          <ac:chgData name="Matt Carlson" userId="0e792f37f00095d9" providerId="LiveId" clId="{5CFCC283-3760-4963-8178-2319E33C76D7}" dt="2019-04-27T04:48:25.269" v="38" actId="1076"/>
-          <ac:grpSpMkLst>
-            <pc:docMk/>
-            <pc:sldMk cId="0" sldId="274"/>
-            <ac:grpSpMk id="3111" creationId="{00000000-0000-0000-0000-000000000000}"/>
-          </ac:grpSpMkLst>
-        </pc:grpChg>
-        <pc:graphicFrameChg chg="mod modGraphic">
-          <ac:chgData name="Matt Carlson" userId="0e792f37f00095d9" providerId="LiveId" clId="{5CFCC283-3760-4963-8178-2319E33C76D7}" dt="2019-04-27T04:47:45.993" v="34" actId="20577"/>
+        <pc:graphicFrameChg chg="modGraphic">
+          <ac:chgData name="Matt Carlson" userId="0e792f37f00095d9" providerId="LiveId" clId="{2D4E0981-9019-43D3-8141-F35E0F3B5B45}" dt="2020-10-24T10:52:37.263" v="16" actId="20577"/>
           <ac:graphicFrameMkLst>
             <pc:docMk/>
             <pc:sldMk cId="0" sldId="274"/>
             <ac:graphicFrameMk id="110" creationId="{00000000-0000-0000-0000-000000000000}"/>
           </ac:graphicFrameMkLst>
         </pc:graphicFrameChg>
-        <pc:cxnChg chg="add del">
-          <ac:chgData name="Matt Carlson" userId="0e792f37f00095d9" providerId="LiveId" clId="{5CFCC283-3760-4963-8178-2319E33C76D7}" dt="2019-04-27T04:48:24.867" v="37" actId="478"/>
+      </pc:sldChg>
+      <pc:sldChg chg="add">
+        <pc:chgData name="Matt Carlson" userId="0e792f37f00095d9" providerId="LiveId" clId="{2D4E0981-9019-43D3-8141-F35E0F3B5B45}" dt="2020-10-24T10:51:16.606" v="0"/>
+        <pc:sldMkLst>
+          <pc:docMk/>
+          <pc:sldMk cId="842639663" sldId="283"/>
+        </pc:sldMkLst>
+      </pc:sldChg>
+      <pc:sldChg chg="add del setBg">
+        <pc:chgData name="Matt Carlson" userId="0e792f37f00095d9" providerId="LiveId" clId="{2D4E0981-9019-43D3-8141-F35E0F3B5B45}" dt="2020-10-24T10:51:41.403" v="4" actId="47"/>
+        <pc:sldMkLst>
+          <pc:docMk/>
+          <pc:sldMk cId="0" sldId="284"/>
+        </pc:sldMkLst>
+      </pc:sldChg>
+      <pc:sldChg chg="add setBg">
+        <pc:chgData name="Matt Carlson" userId="0e792f37f00095d9" providerId="LiveId" clId="{2D4E0981-9019-43D3-8141-F35E0F3B5B45}" dt="2020-10-24T10:51:35.309" v="3"/>
+        <pc:sldMkLst>
+          <pc:docMk/>
+          <pc:sldMk cId="0" sldId="285"/>
+        </pc:sldMkLst>
+      </pc:sldChg>
+      <pc:sldChg chg="add setBg">
+        <pc:chgData name="Matt Carlson" userId="0e792f37f00095d9" providerId="LiveId" clId="{2D4E0981-9019-43D3-8141-F35E0F3B5B45}" dt="2020-10-24T10:51:47.356" v="5"/>
+        <pc:sldMkLst>
+          <pc:docMk/>
+          <pc:sldMk cId="0" sldId="286"/>
+        </pc:sldMkLst>
+      </pc:sldChg>
+      <pc:sldChg chg="add ord setBg">
+        <pc:chgData name="Matt Carlson" userId="0e792f37f00095d9" providerId="LiveId" clId="{2D4E0981-9019-43D3-8141-F35E0F3B5B45}" dt="2020-10-24T10:52:00.846" v="12"/>
+        <pc:sldMkLst>
+          <pc:docMk/>
+          <pc:sldMk cId="0" sldId="287"/>
+        </pc:sldMkLst>
+      </pc:sldChg>
+    </pc:docChg>
+  </pc:docChgLst>
+  <pc:docChgLst>
+    <pc:chgData name="Matt Carlson" userId="0e792f37f00095d9" providerId="LiveId" clId="{074E2B56-2790-443E-B5EA-A74523936823}"/>
+    <pc:docChg chg="undo custSel modSld">
+      <pc:chgData name="Matt Carlson" userId="0e792f37f00095d9" providerId="LiveId" clId="{074E2B56-2790-443E-B5EA-A74523936823}" dt="2020-09-26T08:20:03.794" v="298" actId="1076"/>
+      <pc:docMkLst>
+        <pc:docMk/>
+      </pc:docMkLst>
+      <pc:sldChg chg="addSp delSp modSp mod">
+        <pc:chgData name="Matt Carlson" userId="0e792f37f00095d9" providerId="LiveId" clId="{074E2B56-2790-443E-B5EA-A74523936823}" dt="2020-09-26T08:20:03.794" v="298" actId="1076"/>
+        <pc:sldMkLst>
+          <pc:docMk/>
+          <pc:sldMk cId="0" sldId="274"/>
+        </pc:sldMkLst>
+        <pc:spChg chg="add mod">
+          <ac:chgData name="Matt Carlson" userId="0e792f37f00095d9" providerId="LiveId" clId="{074E2B56-2790-443E-B5EA-A74523936823}" dt="2020-09-26T08:20:03.794" v="298" actId="1076"/>
+          <ac:spMkLst>
+            <pc:docMk/>
+            <pc:sldMk cId="0" sldId="274"/>
+            <ac:spMk id="4" creationId="{FE9D3208-5A09-41A6-9159-CAB01028C533}"/>
+          </ac:spMkLst>
+        </pc:spChg>
+        <pc:spChg chg="add mod">
+          <ac:chgData name="Matt Carlson" userId="0e792f37f00095d9" providerId="LiveId" clId="{074E2B56-2790-443E-B5EA-A74523936823}" dt="2020-09-26T08:20:03.794" v="298" actId="1076"/>
+          <ac:spMkLst>
+            <pc:docMk/>
+            <pc:sldMk cId="0" sldId="274"/>
+            <ac:spMk id="5" creationId="{CA2C4368-286F-4D65-9079-5F932E7AAC2E}"/>
+          </ac:spMkLst>
+        </pc:spChg>
+        <pc:spChg chg="add mod">
+          <ac:chgData name="Matt Carlson" userId="0e792f37f00095d9" providerId="LiveId" clId="{074E2B56-2790-443E-B5EA-A74523936823}" dt="2020-09-26T08:20:03.794" v="298" actId="1076"/>
+          <ac:spMkLst>
+            <pc:docMk/>
+            <pc:sldMk cId="0" sldId="274"/>
+            <ac:spMk id="6" creationId="{B0BCD061-8C2B-4C1A-981C-AEC64F61EC79}"/>
+          </ac:spMkLst>
+        </pc:spChg>
+        <pc:spChg chg="add mod">
+          <ac:chgData name="Matt Carlson" userId="0e792f37f00095d9" providerId="LiveId" clId="{074E2B56-2790-443E-B5EA-A74523936823}" dt="2020-09-26T08:20:03.794" v="298" actId="1076"/>
+          <ac:spMkLst>
+            <pc:docMk/>
+            <pc:sldMk cId="0" sldId="274"/>
+            <ac:spMk id="19" creationId="{16F48128-CC0C-49CE-9F73-5765C5C406D8}"/>
+          </ac:spMkLst>
+        </pc:spChg>
+        <pc:spChg chg="add mod">
+          <ac:chgData name="Matt Carlson" userId="0e792f37f00095d9" providerId="LiveId" clId="{074E2B56-2790-443E-B5EA-A74523936823}" dt="2020-09-26T08:20:03.794" v="298" actId="1076"/>
+          <ac:spMkLst>
+            <pc:docMk/>
+            <pc:sldMk cId="0" sldId="274"/>
+            <ac:spMk id="20" creationId="{43D54E13-A055-4294-81C0-C191A44186A5}"/>
+          </ac:spMkLst>
+        </pc:spChg>
+        <pc:spChg chg="add mod">
+          <ac:chgData name="Matt Carlson" userId="0e792f37f00095d9" providerId="LiveId" clId="{074E2B56-2790-443E-B5EA-A74523936823}" dt="2020-09-26T08:20:03.794" v="298" actId="1076"/>
+          <ac:spMkLst>
+            <pc:docMk/>
+            <pc:sldMk cId="0" sldId="274"/>
+            <ac:spMk id="21" creationId="{A23BAFBD-B86E-4A39-B9BE-9BFAD6EB5047}"/>
+          </ac:spMkLst>
+        </pc:spChg>
+        <pc:spChg chg="add mod ord">
+          <ac:chgData name="Matt Carlson" userId="0e792f37f00095d9" providerId="LiveId" clId="{074E2B56-2790-443E-B5EA-A74523936823}" dt="2020-09-26T08:20:03.794" v="298" actId="1076"/>
+          <ac:spMkLst>
+            <pc:docMk/>
+            <pc:sldMk cId="0" sldId="274"/>
+            <ac:spMk id="22" creationId="{019780B0-1801-4F00-9982-9D046A337DF7}"/>
+          </ac:spMkLst>
+        </pc:spChg>
+        <pc:spChg chg="add mod">
+          <ac:chgData name="Matt Carlson" userId="0e792f37f00095d9" providerId="LiveId" clId="{074E2B56-2790-443E-B5EA-A74523936823}" dt="2020-09-26T08:20:03.794" v="298" actId="1076"/>
+          <ac:spMkLst>
+            <pc:docMk/>
+            <pc:sldMk cId="0" sldId="274"/>
+            <ac:spMk id="23" creationId="{C31F158A-4D8D-4313-9E42-EA397829CFC2}"/>
+          </ac:spMkLst>
+        </pc:spChg>
+        <pc:spChg chg="add mod">
+          <ac:chgData name="Matt Carlson" userId="0e792f37f00095d9" providerId="LiveId" clId="{074E2B56-2790-443E-B5EA-A74523936823}" dt="2020-09-26T08:20:03.794" v="298" actId="1076"/>
+          <ac:spMkLst>
+            <pc:docMk/>
+            <pc:sldMk cId="0" sldId="274"/>
+            <ac:spMk id="24" creationId="{443BF047-8799-4564-9703-1521F23B3703}"/>
+          </ac:spMkLst>
+        </pc:spChg>
+        <pc:spChg chg="del">
+          <ac:chgData name="Matt Carlson" userId="0e792f37f00095d9" providerId="LiveId" clId="{074E2B56-2790-443E-B5EA-A74523936823}" dt="2020-09-26T07:40:29.416" v="13" actId="478"/>
+          <ac:spMkLst>
+            <pc:docMk/>
+            <pc:sldMk cId="0" sldId="274"/>
+            <ac:spMk id="118" creationId="{E9657081-D875-45AB-B0A7-30FF72C745A0}"/>
+          </ac:spMkLst>
+        </pc:spChg>
+        <pc:spChg chg="del">
+          <ac:chgData name="Matt Carlson" userId="0e792f37f00095d9" providerId="LiveId" clId="{074E2B56-2790-443E-B5EA-A74523936823}" dt="2020-09-26T07:40:29.416" v="13" actId="478"/>
+          <ac:spMkLst>
+            <pc:docMk/>
+            <pc:sldMk cId="0" sldId="274"/>
+            <ac:spMk id="119" creationId="{7FC3AE37-2EA0-4685-B2E8-909CCE367F2B}"/>
+          </ac:spMkLst>
+        </pc:spChg>
+        <pc:spChg chg="del">
+          <ac:chgData name="Matt Carlson" userId="0e792f37f00095d9" providerId="LiveId" clId="{074E2B56-2790-443E-B5EA-A74523936823}" dt="2020-09-26T07:40:29.416" v="13" actId="478"/>
+          <ac:spMkLst>
+            <pc:docMk/>
+            <pc:sldMk cId="0" sldId="274"/>
+            <ac:spMk id="120" creationId="{87944975-712A-4246-85B4-7D3D5AB1986A}"/>
+          </ac:spMkLst>
+        </pc:spChg>
+        <pc:spChg chg="mod">
+          <ac:chgData name="Matt Carlson" userId="0e792f37f00095d9" providerId="LiveId" clId="{074E2B56-2790-443E-B5EA-A74523936823}" dt="2020-09-26T08:20:03.794" v="298" actId="1076"/>
+          <ac:spMkLst>
+            <pc:docMk/>
+            <pc:sldMk cId="0" sldId="274"/>
+            <ac:spMk id="136" creationId="{00A5F534-C8E3-416C-9AD7-C2B68FDECDE9}"/>
+          </ac:spMkLst>
+        </pc:spChg>
+        <pc:spChg chg="del">
+          <ac:chgData name="Matt Carlson" userId="0e792f37f00095d9" providerId="LiveId" clId="{074E2B56-2790-443E-B5EA-A74523936823}" dt="2020-09-26T07:40:29.416" v="13" actId="478"/>
+          <ac:spMkLst>
+            <pc:docMk/>
+            <pc:sldMk cId="0" sldId="274"/>
+            <ac:spMk id="151" creationId="{CCCB2A0D-3183-49B0-A049-CEFD6AEA49F9}"/>
+          </ac:spMkLst>
+        </pc:spChg>
+        <pc:spChg chg="del">
+          <ac:chgData name="Matt Carlson" userId="0e792f37f00095d9" providerId="LiveId" clId="{074E2B56-2790-443E-B5EA-A74523936823}" dt="2020-09-26T07:40:29.416" v="13" actId="478"/>
+          <ac:spMkLst>
+            <pc:docMk/>
+            <pc:sldMk cId="0" sldId="274"/>
+            <ac:spMk id="152" creationId="{6B8A7F71-2C5C-4112-8383-21676019C80A}"/>
+          </ac:spMkLst>
+        </pc:spChg>
+        <pc:spChg chg="del">
+          <ac:chgData name="Matt Carlson" userId="0e792f37f00095d9" providerId="LiveId" clId="{074E2B56-2790-443E-B5EA-A74523936823}" dt="2020-09-26T07:40:29.416" v="13" actId="478"/>
+          <ac:spMkLst>
+            <pc:docMk/>
+            <pc:sldMk cId="0" sldId="274"/>
+            <ac:spMk id="153" creationId="{1D41B59E-19E1-4D25-B179-55E400DA43EC}"/>
+          </ac:spMkLst>
+        </pc:spChg>
+        <pc:spChg chg="del">
+          <ac:chgData name="Matt Carlson" userId="0e792f37f00095d9" providerId="LiveId" clId="{074E2B56-2790-443E-B5EA-A74523936823}" dt="2020-09-26T07:40:29.416" v="13" actId="478"/>
+          <ac:spMkLst>
+            <pc:docMk/>
+            <pc:sldMk cId="0" sldId="274"/>
+            <ac:spMk id="155" creationId="{21895EC6-2A93-4685-8A34-78F67FBD1338}"/>
+          </ac:spMkLst>
+        </pc:spChg>
+        <pc:spChg chg="del">
+          <ac:chgData name="Matt Carlson" userId="0e792f37f00095d9" providerId="LiveId" clId="{074E2B56-2790-443E-B5EA-A74523936823}" dt="2020-09-26T07:40:29.416" v="13" actId="478"/>
+          <ac:spMkLst>
+            <pc:docMk/>
+            <pc:sldMk cId="0" sldId="274"/>
+            <ac:spMk id="164" creationId="{9937EA5F-A543-4CC2-BD8B-80938E657CBE}"/>
+          </ac:spMkLst>
+        </pc:spChg>
+        <pc:spChg chg="mod">
+          <ac:chgData name="Matt Carlson" userId="0e792f37f00095d9" providerId="LiveId" clId="{074E2B56-2790-443E-B5EA-A74523936823}" dt="2020-09-26T07:43:56.414" v="28"/>
+          <ac:spMkLst>
+            <pc:docMk/>
+            <pc:sldMk cId="0" sldId="274"/>
+            <ac:spMk id="192" creationId="{54137797-A3AE-4CAB-BF6B-438D8E99F7AB}"/>
+          </ac:spMkLst>
+        </pc:spChg>
+        <pc:spChg chg="mod">
+          <ac:chgData name="Matt Carlson" userId="0e792f37f00095d9" providerId="LiveId" clId="{074E2B56-2790-443E-B5EA-A74523936823}" dt="2020-09-26T07:43:56.414" v="28"/>
+          <ac:spMkLst>
+            <pc:docMk/>
+            <pc:sldMk cId="0" sldId="274"/>
+            <ac:spMk id="193" creationId="{8171B4F4-B063-4C45-A9D1-CBE2EB36190F}"/>
+          </ac:spMkLst>
+        </pc:spChg>
+        <pc:spChg chg="mod">
+          <ac:chgData name="Matt Carlson" userId="0e792f37f00095d9" providerId="LiveId" clId="{074E2B56-2790-443E-B5EA-A74523936823}" dt="2020-09-26T07:43:56.414" v="28"/>
+          <ac:spMkLst>
+            <pc:docMk/>
+            <pc:sldMk cId="0" sldId="274"/>
+            <ac:spMk id="194" creationId="{437B57C2-459A-4DB8-B638-68849A90A29E}"/>
+          </ac:spMkLst>
+        </pc:spChg>
+        <pc:spChg chg="mod">
+          <ac:chgData name="Matt Carlson" userId="0e792f37f00095d9" providerId="LiveId" clId="{074E2B56-2790-443E-B5EA-A74523936823}" dt="2020-09-26T07:44:23.306" v="29"/>
+          <ac:spMkLst>
+            <pc:docMk/>
+            <pc:sldMk cId="0" sldId="274"/>
+            <ac:spMk id="196" creationId="{0D2E7EE1-DDAC-43C4-AF2A-C3140E2A9D46}"/>
+          </ac:spMkLst>
+        </pc:spChg>
+        <pc:spChg chg="mod">
+          <ac:chgData name="Matt Carlson" userId="0e792f37f00095d9" providerId="LiveId" clId="{074E2B56-2790-443E-B5EA-A74523936823}" dt="2020-09-26T07:44:23.306" v="29"/>
+          <ac:spMkLst>
+            <pc:docMk/>
+            <pc:sldMk cId="0" sldId="274"/>
+            <ac:spMk id="197" creationId="{B1B8040A-2D25-4F46-938B-3C3E1C7499D5}"/>
+          </ac:spMkLst>
+        </pc:spChg>
+        <pc:spChg chg="mod">
+          <ac:chgData name="Matt Carlson" userId="0e792f37f00095d9" providerId="LiveId" clId="{074E2B56-2790-443E-B5EA-A74523936823}" dt="2020-09-26T07:44:23.306" v="29"/>
+          <ac:spMkLst>
+            <pc:docMk/>
+            <pc:sldMk cId="0" sldId="274"/>
+            <ac:spMk id="198" creationId="{E75749EF-D52E-427D-8D61-5FE45BABD76D}"/>
+          </ac:spMkLst>
+        </pc:spChg>
+        <pc:spChg chg="mod">
+          <ac:chgData name="Matt Carlson" userId="0e792f37f00095d9" providerId="LiveId" clId="{074E2B56-2790-443E-B5EA-A74523936823}" dt="2020-09-26T08:20:03.794" v="298" actId="1076"/>
+          <ac:spMkLst>
+            <pc:docMk/>
+            <pc:sldMk cId="0" sldId="274"/>
+            <ac:spMk id="208" creationId="{75C2F497-0234-4FB1-B49D-4557F81FA5DC}"/>
+          </ac:spMkLst>
+        </pc:spChg>
+        <pc:spChg chg="mod">
+          <ac:chgData name="Matt Carlson" userId="0e792f37f00095d9" providerId="LiveId" clId="{074E2B56-2790-443E-B5EA-A74523936823}" dt="2020-09-26T08:20:03.794" v="298" actId="1076"/>
+          <ac:spMkLst>
+            <pc:docMk/>
+            <pc:sldMk cId="0" sldId="274"/>
+            <ac:spMk id="209" creationId="{5309B3C4-19D7-49DA-8F56-B3993C482974}"/>
+          </ac:spMkLst>
+        </pc:spChg>
+        <pc:spChg chg="mod">
+          <ac:chgData name="Matt Carlson" userId="0e792f37f00095d9" providerId="LiveId" clId="{074E2B56-2790-443E-B5EA-A74523936823}" dt="2020-09-26T08:20:03.794" v="298" actId="1076"/>
+          <ac:spMkLst>
+            <pc:docMk/>
+            <pc:sldMk cId="0" sldId="274"/>
+            <ac:spMk id="210" creationId="{3E79E8D7-5AD7-42C2-BB89-8E911380E6A6}"/>
+          </ac:spMkLst>
+        </pc:spChg>
+        <pc:spChg chg="mod">
+          <ac:chgData name="Matt Carlson" userId="0e792f37f00095d9" providerId="LiveId" clId="{074E2B56-2790-443E-B5EA-A74523936823}" dt="2020-09-26T08:20:03.794" v="298" actId="1076"/>
+          <ac:spMkLst>
+            <pc:docMk/>
+            <pc:sldMk cId="0" sldId="274"/>
+            <ac:spMk id="213" creationId="{EC7ED0A7-8762-46B4-9B35-13271DB7CD80}"/>
+          </ac:spMkLst>
+        </pc:spChg>
+        <pc:spChg chg="mod">
+          <ac:chgData name="Matt Carlson" userId="0e792f37f00095d9" providerId="LiveId" clId="{074E2B56-2790-443E-B5EA-A74523936823}" dt="2020-09-26T08:20:03.794" v="298" actId="1076"/>
+          <ac:spMkLst>
+            <pc:docMk/>
+            <pc:sldMk cId="0" sldId="274"/>
+            <ac:spMk id="214" creationId="{F0088CFA-2077-4BC6-88B5-807F07CDAFCD}"/>
+          </ac:spMkLst>
+        </pc:spChg>
+        <pc:spChg chg="mod">
+          <ac:chgData name="Matt Carlson" userId="0e792f37f00095d9" providerId="LiveId" clId="{074E2B56-2790-443E-B5EA-A74523936823}" dt="2020-09-26T08:20:03.794" v="298" actId="1076"/>
+          <ac:spMkLst>
+            <pc:docMk/>
+            <pc:sldMk cId="0" sldId="274"/>
+            <ac:spMk id="215" creationId="{6EBF1455-233B-4727-A5E3-5BADC1D9DF4E}"/>
+          </ac:spMkLst>
+        </pc:spChg>
+        <pc:spChg chg="mod">
+          <ac:chgData name="Matt Carlson" userId="0e792f37f00095d9" providerId="LiveId" clId="{074E2B56-2790-443E-B5EA-A74523936823}" dt="2020-09-26T08:20:03.794" v="298" actId="1076"/>
+          <ac:spMkLst>
+            <pc:docMk/>
+            <pc:sldMk cId="0" sldId="274"/>
+            <ac:spMk id="217" creationId="{573641D9-E919-4639-A33B-A5E73982F2B5}"/>
+          </ac:spMkLst>
+        </pc:spChg>
+        <pc:spChg chg="mod">
+          <ac:chgData name="Matt Carlson" userId="0e792f37f00095d9" providerId="LiveId" clId="{074E2B56-2790-443E-B5EA-A74523936823}" dt="2020-09-26T08:20:03.794" v="298" actId="1076"/>
+          <ac:spMkLst>
+            <pc:docMk/>
+            <pc:sldMk cId="0" sldId="274"/>
+            <ac:spMk id="218" creationId="{5CB5D010-322F-405A-8A7C-8D95B6C4BB7F}"/>
+          </ac:spMkLst>
+        </pc:spChg>
+        <pc:spChg chg="mod">
+          <ac:chgData name="Matt Carlson" userId="0e792f37f00095d9" providerId="LiveId" clId="{074E2B56-2790-443E-B5EA-A74523936823}" dt="2020-09-26T08:20:03.794" v="298" actId="1076"/>
+          <ac:spMkLst>
+            <pc:docMk/>
+            <pc:sldMk cId="0" sldId="274"/>
+            <ac:spMk id="219" creationId="{57B73BF4-D58A-4344-A9DA-58E5FB4AE0AA}"/>
+          </ac:spMkLst>
+        </pc:spChg>
+        <pc:spChg chg="mod">
+          <ac:chgData name="Matt Carlson" userId="0e792f37f00095d9" providerId="LiveId" clId="{074E2B56-2790-443E-B5EA-A74523936823}" dt="2020-09-26T08:20:03.794" v="298" actId="1076"/>
+          <ac:spMkLst>
+            <pc:docMk/>
+            <pc:sldMk cId="0" sldId="274"/>
+            <ac:spMk id="221" creationId="{718939AC-17E3-416A-B3C4-0E25384A8234}"/>
+          </ac:spMkLst>
+        </pc:spChg>
+        <pc:spChg chg="mod">
+          <ac:chgData name="Matt Carlson" userId="0e792f37f00095d9" providerId="LiveId" clId="{074E2B56-2790-443E-B5EA-A74523936823}" dt="2020-09-26T08:20:03.794" v="298" actId="1076"/>
+          <ac:spMkLst>
+            <pc:docMk/>
+            <pc:sldMk cId="0" sldId="274"/>
+            <ac:spMk id="222" creationId="{FF7253B8-4A1C-400D-A329-A50FAABA3795}"/>
+          </ac:spMkLst>
+        </pc:spChg>
+        <pc:spChg chg="mod">
+          <ac:chgData name="Matt Carlson" userId="0e792f37f00095d9" providerId="LiveId" clId="{074E2B56-2790-443E-B5EA-A74523936823}" dt="2020-09-26T08:20:03.794" v="298" actId="1076"/>
+          <ac:spMkLst>
+            <pc:docMk/>
+            <pc:sldMk cId="0" sldId="274"/>
+            <ac:spMk id="223" creationId="{D884AF41-5DFD-4395-8A31-CC3E703B374B}"/>
+          </ac:spMkLst>
+        </pc:spChg>
+        <pc:spChg chg="mod">
+          <ac:chgData name="Matt Carlson" userId="0e792f37f00095d9" providerId="LiveId" clId="{074E2B56-2790-443E-B5EA-A74523936823}" dt="2020-09-26T08:20:03.794" v="298" actId="1076"/>
+          <ac:spMkLst>
+            <pc:docMk/>
+            <pc:sldMk cId="0" sldId="274"/>
+            <ac:spMk id="225" creationId="{BB521E6F-2A2C-46A7-A874-735BE413D480}"/>
+          </ac:spMkLst>
+        </pc:spChg>
+        <pc:spChg chg="mod">
+          <ac:chgData name="Matt Carlson" userId="0e792f37f00095d9" providerId="LiveId" clId="{074E2B56-2790-443E-B5EA-A74523936823}" dt="2020-09-26T08:20:03.794" v="298" actId="1076"/>
+          <ac:spMkLst>
+            <pc:docMk/>
+            <pc:sldMk cId="0" sldId="274"/>
+            <ac:spMk id="226" creationId="{90D7C0CA-4224-4384-98CE-14F5707A493C}"/>
+          </ac:spMkLst>
+        </pc:spChg>
+        <pc:spChg chg="mod">
+          <ac:chgData name="Matt Carlson" userId="0e792f37f00095d9" providerId="LiveId" clId="{074E2B56-2790-443E-B5EA-A74523936823}" dt="2020-09-26T08:20:03.794" v="298" actId="1076"/>
+          <ac:spMkLst>
+            <pc:docMk/>
+            <pc:sldMk cId="0" sldId="274"/>
+            <ac:spMk id="227" creationId="{9F4BFDDA-6F25-495F-89C2-FE9DCA460584}"/>
+          </ac:spMkLst>
+        </pc:spChg>
+        <pc:spChg chg="mod">
+          <ac:chgData name="Matt Carlson" userId="0e792f37f00095d9" providerId="LiveId" clId="{074E2B56-2790-443E-B5EA-A74523936823}" dt="2020-09-26T08:20:03.794" v="298" actId="1076"/>
+          <ac:spMkLst>
+            <pc:docMk/>
+            <pc:sldMk cId="0" sldId="274"/>
+            <ac:spMk id="232" creationId="{89870500-3E6C-4113-8E72-BBC524753667}"/>
+          </ac:spMkLst>
+        </pc:spChg>
+        <pc:spChg chg="mod">
+          <ac:chgData name="Matt Carlson" userId="0e792f37f00095d9" providerId="LiveId" clId="{074E2B56-2790-443E-B5EA-A74523936823}" dt="2020-09-26T08:20:03.794" v="298" actId="1076"/>
+          <ac:spMkLst>
+            <pc:docMk/>
+            <pc:sldMk cId="0" sldId="274"/>
+            <ac:spMk id="233" creationId="{D9196D5D-9047-4B34-A28C-EE72A8235C84}"/>
+          </ac:spMkLst>
+        </pc:spChg>
+        <pc:spChg chg="mod">
+          <ac:chgData name="Matt Carlson" userId="0e792f37f00095d9" providerId="LiveId" clId="{074E2B56-2790-443E-B5EA-A74523936823}" dt="2020-09-26T08:20:03.794" v="298" actId="1076"/>
+          <ac:spMkLst>
+            <pc:docMk/>
+            <pc:sldMk cId="0" sldId="274"/>
+            <ac:spMk id="234" creationId="{C309BA82-B05D-468E-AF30-E12491CC5B7E}"/>
+          </ac:spMkLst>
+        </pc:spChg>
+        <pc:spChg chg="mod">
+          <ac:chgData name="Matt Carlson" userId="0e792f37f00095d9" providerId="LiveId" clId="{074E2B56-2790-443E-B5EA-A74523936823}" dt="2020-09-26T08:20:03.794" v="298" actId="1076"/>
+          <ac:spMkLst>
+            <pc:docMk/>
+            <pc:sldMk cId="0" sldId="274"/>
+            <ac:spMk id="236" creationId="{0EBEF709-787D-49A8-921F-04949FA9B594}"/>
+          </ac:spMkLst>
+        </pc:spChg>
+        <pc:spChg chg="mod">
+          <ac:chgData name="Matt Carlson" userId="0e792f37f00095d9" providerId="LiveId" clId="{074E2B56-2790-443E-B5EA-A74523936823}" dt="2020-09-26T08:20:03.794" v="298" actId="1076"/>
+          <ac:spMkLst>
+            <pc:docMk/>
+            <pc:sldMk cId="0" sldId="274"/>
+            <ac:spMk id="237" creationId="{FC91DC49-2DC0-4389-8616-9BA2D2E4A2AD}"/>
+          </ac:spMkLst>
+        </pc:spChg>
+        <pc:spChg chg="mod">
+          <ac:chgData name="Matt Carlson" userId="0e792f37f00095d9" providerId="LiveId" clId="{074E2B56-2790-443E-B5EA-A74523936823}" dt="2020-09-26T08:20:03.794" v="298" actId="1076"/>
+          <ac:spMkLst>
+            <pc:docMk/>
+            <pc:sldMk cId="0" sldId="274"/>
+            <ac:spMk id="238" creationId="{1C14D718-96D4-4DD8-9BA2-530D17EE01C3}"/>
+          </ac:spMkLst>
+        </pc:spChg>
+        <pc:spChg chg="mod">
+          <ac:chgData name="Matt Carlson" userId="0e792f37f00095d9" providerId="LiveId" clId="{074E2B56-2790-443E-B5EA-A74523936823}" dt="2020-09-26T08:20:03.794" v="298" actId="1076"/>
+          <ac:spMkLst>
+            <pc:docMk/>
+            <pc:sldMk cId="0" sldId="274"/>
+            <ac:spMk id="241" creationId="{3B5B2135-B939-4F29-BC22-ADD0492E549C}"/>
+          </ac:spMkLst>
+        </pc:spChg>
+        <pc:spChg chg="mod">
+          <ac:chgData name="Matt Carlson" userId="0e792f37f00095d9" providerId="LiveId" clId="{074E2B56-2790-443E-B5EA-A74523936823}" dt="2020-09-26T08:20:03.794" v="298" actId="1076"/>
+          <ac:spMkLst>
+            <pc:docMk/>
+            <pc:sldMk cId="0" sldId="274"/>
+            <ac:spMk id="242" creationId="{D69C16CA-43D9-4620-B2ED-E361DC80A360}"/>
+          </ac:spMkLst>
+        </pc:spChg>
+        <pc:spChg chg="mod">
+          <ac:chgData name="Matt Carlson" userId="0e792f37f00095d9" providerId="LiveId" clId="{074E2B56-2790-443E-B5EA-A74523936823}" dt="2020-09-26T08:20:03.794" v="298" actId="1076"/>
+          <ac:spMkLst>
+            <pc:docMk/>
+            <pc:sldMk cId="0" sldId="274"/>
+            <ac:spMk id="243" creationId="{C84765E4-0ECE-49E3-BC33-2A6593C1A14C}"/>
+          </ac:spMkLst>
+        </pc:spChg>
+        <pc:spChg chg="mod">
+          <ac:chgData name="Matt Carlson" userId="0e792f37f00095d9" providerId="LiveId" clId="{074E2B56-2790-443E-B5EA-A74523936823}" dt="2020-09-26T08:20:03.794" v="298" actId="1076"/>
+          <ac:spMkLst>
+            <pc:docMk/>
+            <pc:sldMk cId="0" sldId="274"/>
+            <ac:spMk id="245" creationId="{F3FC2FCD-C8DD-4CBD-A40B-7E83ABBCCBA9}"/>
+          </ac:spMkLst>
+        </pc:spChg>
+        <pc:spChg chg="mod">
+          <ac:chgData name="Matt Carlson" userId="0e792f37f00095d9" providerId="LiveId" clId="{074E2B56-2790-443E-B5EA-A74523936823}" dt="2020-09-26T08:20:03.794" v="298" actId="1076"/>
+          <ac:spMkLst>
+            <pc:docMk/>
+            <pc:sldMk cId="0" sldId="274"/>
+            <ac:spMk id="246" creationId="{37296882-38AC-4E91-A5C4-1F789C61292C}"/>
+          </ac:spMkLst>
+        </pc:spChg>
+        <pc:spChg chg="mod">
+          <ac:chgData name="Matt Carlson" userId="0e792f37f00095d9" providerId="LiveId" clId="{074E2B56-2790-443E-B5EA-A74523936823}" dt="2020-09-26T08:20:03.794" v="298" actId="1076"/>
+          <ac:spMkLst>
+            <pc:docMk/>
+            <pc:sldMk cId="0" sldId="274"/>
+            <ac:spMk id="247" creationId="{ADE13DE8-71BF-4780-B7C2-1472D6DCB4E7}"/>
+          </ac:spMkLst>
+        </pc:spChg>
+        <pc:spChg chg="mod">
+          <ac:chgData name="Matt Carlson" userId="0e792f37f00095d9" providerId="LiveId" clId="{074E2B56-2790-443E-B5EA-A74523936823}" dt="2020-09-26T08:04:48.562" v="145"/>
+          <ac:spMkLst>
+            <pc:docMk/>
+            <pc:sldMk cId="0" sldId="274"/>
+            <ac:spMk id="249" creationId="{9F1ED45E-259B-409E-B9CE-ECBE5C8B7A25}"/>
+          </ac:spMkLst>
+        </pc:spChg>
+        <pc:spChg chg="mod">
+          <ac:chgData name="Matt Carlson" userId="0e792f37f00095d9" providerId="LiveId" clId="{074E2B56-2790-443E-B5EA-A74523936823}" dt="2020-09-26T08:04:48.562" v="145"/>
+          <ac:spMkLst>
+            <pc:docMk/>
+            <pc:sldMk cId="0" sldId="274"/>
+            <ac:spMk id="250" creationId="{C59EEF90-E352-4AB4-832B-A2A8189A4719}"/>
+          </ac:spMkLst>
+        </pc:spChg>
+        <pc:spChg chg="mod">
+          <ac:chgData name="Matt Carlson" userId="0e792f37f00095d9" providerId="LiveId" clId="{074E2B56-2790-443E-B5EA-A74523936823}" dt="2020-09-26T08:04:48.562" v="145"/>
+          <ac:spMkLst>
+            <pc:docMk/>
+            <pc:sldMk cId="0" sldId="274"/>
+            <ac:spMk id="251" creationId="{CB91E2E6-63BA-4AFA-AA06-5B4FF23B111D}"/>
+          </ac:spMkLst>
+        </pc:spChg>
+        <pc:spChg chg="mod">
+          <ac:chgData name="Matt Carlson" userId="0e792f37f00095d9" providerId="LiveId" clId="{074E2B56-2790-443E-B5EA-A74523936823}" dt="2020-09-26T08:20:03.794" v="298" actId="1076"/>
+          <ac:spMkLst>
+            <pc:docMk/>
+            <pc:sldMk cId="0" sldId="274"/>
+            <ac:spMk id="253" creationId="{4C4D9E8A-EBD7-40C4-8579-FAE85F345982}"/>
+          </ac:spMkLst>
+        </pc:spChg>
+        <pc:spChg chg="mod">
+          <ac:chgData name="Matt Carlson" userId="0e792f37f00095d9" providerId="LiveId" clId="{074E2B56-2790-443E-B5EA-A74523936823}" dt="2020-09-26T08:20:03.794" v="298" actId="1076"/>
+          <ac:spMkLst>
+            <pc:docMk/>
+            <pc:sldMk cId="0" sldId="274"/>
+            <ac:spMk id="254" creationId="{B6E6A170-06B6-4CB6-9FCA-819C73F88674}"/>
+          </ac:spMkLst>
+        </pc:spChg>
+        <pc:spChg chg="mod">
+          <ac:chgData name="Matt Carlson" userId="0e792f37f00095d9" providerId="LiveId" clId="{074E2B56-2790-443E-B5EA-A74523936823}" dt="2020-09-26T08:20:03.794" v="298" actId="1076"/>
+          <ac:spMkLst>
+            <pc:docMk/>
+            <pc:sldMk cId="0" sldId="274"/>
+            <ac:spMk id="255" creationId="{E41F3FF3-708C-419F-A0E6-90C54A58618F}"/>
+          </ac:spMkLst>
+        </pc:spChg>
+        <pc:spChg chg="mod">
+          <ac:chgData name="Matt Carlson" userId="0e792f37f00095d9" providerId="LiveId" clId="{074E2B56-2790-443E-B5EA-A74523936823}" dt="2020-09-26T08:20:03.794" v="298" actId="1076"/>
+          <ac:spMkLst>
+            <pc:docMk/>
+            <pc:sldMk cId="0" sldId="274"/>
+            <ac:spMk id="257" creationId="{BF76B33A-A440-44C3-9AA2-4A54C4C27D81}"/>
+          </ac:spMkLst>
+        </pc:spChg>
+        <pc:spChg chg="mod">
+          <ac:chgData name="Matt Carlson" userId="0e792f37f00095d9" providerId="LiveId" clId="{074E2B56-2790-443E-B5EA-A74523936823}" dt="2020-09-26T08:20:03.794" v="298" actId="1076"/>
+          <ac:spMkLst>
+            <pc:docMk/>
+            <pc:sldMk cId="0" sldId="274"/>
+            <ac:spMk id="258" creationId="{06C7B0C6-8F96-48CE-B5A2-C2DC770BDF16}"/>
+          </ac:spMkLst>
+        </pc:spChg>
+        <pc:spChg chg="mod">
+          <ac:chgData name="Matt Carlson" userId="0e792f37f00095d9" providerId="LiveId" clId="{074E2B56-2790-443E-B5EA-A74523936823}" dt="2020-09-26T08:20:03.794" v="298" actId="1076"/>
+          <ac:spMkLst>
+            <pc:docMk/>
+            <pc:sldMk cId="0" sldId="274"/>
+            <ac:spMk id="259" creationId="{AA679EA8-2750-4C7E-A1B5-03225215161A}"/>
+          </ac:spMkLst>
+        </pc:spChg>
+        <pc:spChg chg="mod">
+          <ac:chgData name="Matt Carlson" userId="0e792f37f00095d9" providerId="LiveId" clId="{074E2B56-2790-443E-B5EA-A74523936823}" dt="2020-09-26T08:20:03.794" v="298" actId="1076"/>
+          <ac:spMkLst>
+            <pc:docMk/>
+            <pc:sldMk cId="0" sldId="274"/>
+            <ac:spMk id="261" creationId="{2B9F3714-A56A-402E-84A7-5237BE187126}"/>
+          </ac:spMkLst>
+        </pc:spChg>
+        <pc:spChg chg="mod">
+          <ac:chgData name="Matt Carlson" userId="0e792f37f00095d9" providerId="LiveId" clId="{074E2B56-2790-443E-B5EA-A74523936823}" dt="2020-09-26T08:20:03.794" v="298" actId="1076"/>
+          <ac:spMkLst>
+            <pc:docMk/>
+            <pc:sldMk cId="0" sldId="274"/>
+            <ac:spMk id="262" creationId="{C6291ECD-86B7-4B67-AE44-8D5D6C2793E1}"/>
+          </ac:spMkLst>
+        </pc:spChg>
+        <pc:spChg chg="mod">
+          <ac:chgData name="Matt Carlson" userId="0e792f37f00095d9" providerId="LiveId" clId="{074E2B56-2790-443E-B5EA-A74523936823}" dt="2020-09-26T08:20:03.794" v="298" actId="1076"/>
+          <ac:spMkLst>
+            <pc:docMk/>
+            <pc:sldMk cId="0" sldId="274"/>
+            <ac:spMk id="263" creationId="{C339B1B1-D0FD-462C-B559-C45FA4D02358}"/>
+          </ac:spMkLst>
+        </pc:spChg>
+        <pc:spChg chg="mod">
+          <ac:chgData name="Matt Carlson" userId="0e792f37f00095d9" providerId="LiveId" clId="{074E2B56-2790-443E-B5EA-A74523936823}" dt="2020-09-26T08:20:03.794" v="298" actId="1076"/>
+          <ac:spMkLst>
+            <pc:docMk/>
+            <pc:sldMk cId="0" sldId="274"/>
+            <ac:spMk id="265" creationId="{FBEA199A-7E35-41BB-A8C2-E759B92B0496}"/>
+          </ac:spMkLst>
+        </pc:spChg>
+        <pc:spChg chg="mod">
+          <ac:chgData name="Matt Carlson" userId="0e792f37f00095d9" providerId="LiveId" clId="{074E2B56-2790-443E-B5EA-A74523936823}" dt="2020-09-26T08:20:03.794" v="298" actId="1076"/>
+          <ac:spMkLst>
+            <pc:docMk/>
+            <pc:sldMk cId="0" sldId="274"/>
+            <ac:spMk id="266" creationId="{090CAF54-9EDF-4133-8F5C-2F8A55B94697}"/>
+          </ac:spMkLst>
+        </pc:spChg>
+        <pc:spChg chg="mod">
+          <ac:chgData name="Matt Carlson" userId="0e792f37f00095d9" providerId="LiveId" clId="{074E2B56-2790-443E-B5EA-A74523936823}" dt="2020-09-26T08:20:03.794" v="298" actId="1076"/>
+          <ac:spMkLst>
+            <pc:docMk/>
+            <pc:sldMk cId="0" sldId="274"/>
+            <ac:spMk id="267" creationId="{07751B88-038E-4681-AF34-99A9F6E83560}"/>
+          </ac:spMkLst>
+        </pc:spChg>
+        <pc:spChg chg="mod">
+          <ac:chgData name="Matt Carlson" userId="0e792f37f00095d9" providerId="LiveId" clId="{074E2B56-2790-443E-B5EA-A74523936823}" dt="2020-09-26T08:20:03.794" v="298" actId="1076"/>
+          <ac:spMkLst>
+            <pc:docMk/>
+            <pc:sldMk cId="0" sldId="274"/>
+            <ac:spMk id="269" creationId="{EBFE3EA3-70C5-4E5E-A4E6-9A08B0BC6BE5}"/>
+          </ac:spMkLst>
+        </pc:spChg>
+        <pc:spChg chg="mod">
+          <ac:chgData name="Matt Carlson" userId="0e792f37f00095d9" providerId="LiveId" clId="{074E2B56-2790-443E-B5EA-A74523936823}" dt="2020-09-26T08:20:03.794" v="298" actId="1076"/>
+          <ac:spMkLst>
+            <pc:docMk/>
+            <pc:sldMk cId="0" sldId="274"/>
+            <ac:spMk id="270" creationId="{ED2DF1EF-38D4-40BD-AD0A-4136D2536BFB}"/>
+          </ac:spMkLst>
+        </pc:spChg>
+        <pc:spChg chg="mod">
+          <ac:chgData name="Matt Carlson" userId="0e792f37f00095d9" providerId="LiveId" clId="{074E2B56-2790-443E-B5EA-A74523936823}" dt="2020-09-26T08:20:03.794" v="298" actId="1076"/>
+          <ac:spMkLst>
+            <pc:docMk/>
+            <pc:sldMk cId="0" sldId="274"/>
+            <ac:spMk id="271" creationId="{5F3635F8-0FA7-4683-BB22-8E0EEDC081BB}"/>
+          </ac:spMkLst>
+        </pc:spChg>
+        <pc:spChg chg="mod">
+          <ac:chgData name="Matt Carlson" userId="0e792f37f00095d9" providerId="LiveId" clId="{074E2B56-2790-443E-B5EA-A74523936823}" dt="2020-09-26T08:05:57.222" v="162"/>
+          <ac:spMkLst>
+            <pc:docMk/>
+            <pc:sldMk cId="0" sldId="274"/>
+            <ac:spMk id="273" creationId="{74FF1897-50BF-48BF-B30B-6FC8A5CE60CD}"/>
+          </ac:spMkLst>
+        </pc:spChg>
+        <pc:spChg chg="mod">
+          <ac:chgData name="Matt Carlson" userId="0e792f37f00095d9" providerId="LiveId" clId="{074E2B56-2790-443E-B5EA-A74523936823}" dt="2020-09-26T08:05:57.222" v="162"/>
+          <ac:spMkLst>
+            <pc:docMk/>
+            <pc:sldMk cId="0" sldId="274"/>
+            <ac:spMk id="274" creationId="{1649AFC0-6296-4C80-BA46-B1D0CE99F77E}"/>
+          </ac:spMkLst>
+        </pc:spChg>
+        <pc:spChg chg="mod">
+          <ac:chgData name="Matt Carlson" userId="0e792f37f00095d9" providerId="LiveId" clId="{074E2B56-2790-443E-B5EA-A74523936823}" dt="2020-09-26T08:05:57.222" v="162"/>
+          <ac:spMkLst>
+            <pc:docMk/>
+            <pc:sldMk cId="0" sldId="274"/>
+            <ac:spMk id="275" creationId="{C708FB6E-495D-45BC-9C9A-B16D5B963C5C}"/>
+          </ac:spMkLst>
+        </pc:spChg>
+        <pc:spChg chg="mod">
+          <ac:chgData name="Matt Carlson" userId="0e792f37f00095d9" providerId="LiveId" clId="{074E2B56-2790-443E-B5EA-A74523936823}" dt="2020-09-26T08:20:03.794" v="298" actId="1076"/>
+          <ac:spMkLst>
+            <pc:docMk/>
+            <pc:sldMk cId="0" sldId="274"/>
+            <ac:spMk id="277" creationId="{DA2A72A7-2597-4FCC-ABA9-1B768AD55BB4}"/>
+          </ac:spMkLst>
+        </pc:spChg>
+        <pc:spChg chg="mod">
+          <ac:chgData name="Matt Carlson" userId="0e792f37f00095d9" providerId="LiveId" clId="{074E2B56-2790-443E-B5EA-A74523936823}" dt="2020-09-26T08:20:03.794" v="298" actId="1076"/>
+          <ac:spMkLst>
+            <pc:docMk/>
+            <pc:sldMk cId="0" sldId="274"/>
+            <ac:spMk id="278" creationId="{6DDB5CA7-C47A-479E-80D7-6887A55EA721}"/>
+          </ac:spMkLst>
+        </pc:spChg>
+        <pc:spChg chg="mod">
+          <ac:chgData name="Matt Carlson" userId="0e792f37f00095d9" providerId="LiveId" clId="{074E2B56-2790-443E-B5EA-A74523936823}" dt="2020-09-26T08:20:03.794" v="298" actId="1076"/>
+          <ac:spMkLst>
+            <pc:docMk/>
+            <pc:sldMk cId="0" sldId="274"/>
+            <ac:spMk id="279" creationId="{4FD8B5F2-A22E-4430-A995-010A951F4AC5}"/>
+          </ac:spMkLst>
+        </pc:spChg>
+        <pc:spChg chg="mod">
+          <ac:chgData name="Matt Carlson" userId="0e792f37f00095d9" providerId="LiveId" clId="{074E2B56-2790-443E-B5EA-A74523936823}" dt="2020-09-26T08:20:03.794" v="298" actId="1076"/>
+          <ac:spMkLst>
+            <pc:docMk/>
+            <pc:sldMk cId="0" sldId="274"/>
+            <ac:spMk id="281" creationId="{CFA9BB85-04EE-4233-A4E1-492094DB51B4}"/>
+          </ac:spMkLst>
+        </pc:spChg>
+        <pc:spChg chg="mod">
+          <ac:chgData name="Matt Carlson" userId="0e792f37f00095d9" providerId="LiveId" clId="{074E2B56-2790-443E-B5EA-A74523936823}" dt="2020-09-26T08:20:03.794" v="298" actId="1076"/>
+          <ac:spMkLst>
+            <pc:docMk/>
+            <pc:sldMk cId="0" sldId="274"/>
+            <ac:spMk id="282" creationId="{FF6A2A48-EF90-4671-A2F4-00200D2387C9}"/>
+          </ac:spMkLst>
+        </pc:spChg>
+        <pc:spChg chg="mod">
+          <ac:chgData name="Matt Carlson" userId="0e792f37f00095d9" providerId="LiveId" clId="{074E2B56-2790-443E-B5EA-A74523936823}" dt="2020-09-26T08:20:03.794" v="298" actId="1076"/>
+          <ac:spMkLst>
+            <pc:docMk/>
+            <pc:sldMk cId="0" sldId="274"/>
+            <ac:spMk id="284" creationId="{68D0124A-6458-414A-9E54-4EB7946C25A3}"/>
+          </ac:spMkLst>
+        </pc:spChg>
+        <pc:spChg chg="mod">
+          <ac:chgData name="Matt Carlson" userId="0e792f37f00095d9" providerId="LiveId" clId="{074E2B56-2790-443E-B5EA-A74523936823}" dt="2020-09-26T08:20:03.794" v="298" actId="1076"/>
+          <ac:spMkLst>
+            <pc:docMk/>
+            <pc:sldMk cId="0" sldId="274"/>
+            <ac:spMk id="285" creationId="{E048BE91-23FF-4FD5-8C96-609907549AE5}"/>
+          </ac:spMkLst>
+        </pc:spChg>
+        <pc:spChg chg="mod">
+          <ac:chgData name="Matt Carlson" userId="0e792f37f00095d9" providerId="LiveId" clId="{074E2B56-2790-443E-B5EA-A74523936823}" dt="2020-09-26T08:20:03.794" v="298" actId="1076"/>
+          <ac:spMkLst>
+            <pc:docMk/>
+            <pc:sldMk cId="0" sldId="274"/>
+            <ac:spMk id="286" creationId="{69014F6D-722D-418D-9A19-7D725237D246}"/>
+          </ac:spMkLst>
+        </pc:spChg>
+        <pc:grpChg chg="del">
+          <ac:chgData name="Matt Carlson" userId="0e792f37f00095d9" providerId="LiveId" clId="{074E2B56-2790-443E-B5EA-A74523936823}" dt="2020-09-26T07:40:29.416" v="13" actId="478"/>
+          <ac:grpSpMkLst>
+            <pc:docMk/>
+            <pc:sldMk cId="0" sldId="274"/>
+            <ac:grpSpMk id="94" creationId="{27790BD9-BEEA-418B-B1A2-AF823F41474A}"/>
+          </ac:grpSpMkLst>
+        </pc:grpChg>
+        <pc:grpChg chg="del">
+          <ac:chgData name="Matt Carlson" userId="0e792f37f00095d9" providerId="LiveId" clId="{074E2B56-2790-443E-B5EA-A74523936823}" dt="2020-09-26T07:40:29.416" v="13" actId="478"/>
+          <ac:grpSpMkLst>
+            <pc:docMk/>
+            <pc:sldMk cId="0" sldId="274"/>
+            <ac:grpSpMk id="99" creationId="{1088E2CB-38C0-42E2-9CA7-82AB912EBC97}"/>
+          </ac:grpSpMkLst>
+        </pc:grpChg>
+        <pc:grpChg chg="del">
+          <ac:chgData name="Matt Carlson" userId="0e792f37f00095d9" providerId="LiveId" clId="{074E2B56-2790-443E-B5EA-A74523936823}" dt="2020-09-26T07:40:29.416" v="13" actId="478"/>
+          <ac:grpSpMkLst>
+            <pc:docMk/>
+            <pc:sldMk cId="0" sldId="274"/>
+            <ac:grpSpMk id="103" creationId="{72EA427E-9FCD-48D2-9CC5-B08471D0A8B5}"/>
+          </ac:grpSpMkLst>
+        </pc:grpChg>
+        <pc:grpChg chg="del">
+          <ac:chgData name="Matt Carlson" userId="0e792f37f00095d9" providerId="LiveId" clId="{074E2B56-2790-443E-B5EA-A74523936823}" dt="2020-09-26T07:40:29.416" v="13" actId="478"/>
+          <ac:grpSpMkLst>
+            <pc:docMk/>
+            <pc:sldMk cId="0" sldId="274"/>
+            <ac:grpSpMk id="107" creationId="{50B46513-00B9-4BEB-8D78-DFC58D5E010E}"/>
+          </ac:grpSpMkLst>
+        </pc:grpChg>
+        <pc:grpChg chg="del">
+          <ac:chgData name="Matt Carlson" userId="0e792f37f00095d9" providerId="LiveId" clId="{074E2B56-2790-443E-B5EA-A74523936823}" dt="2020-09-26T07:40:29.416" v="13" actId="478"/>
+          <ac:grpSpMkLst>
+            <pc:docMk/>
+            <pc:sldMk cId="0" sldId="274"/>
+            <ac:grpSpMk id="121" creationId="{FA30A923-5ACD-49BB-A232-64641C44B1B6}"/>
+          </ac:grpSpMkLst>
+        </pc:grpChg>
+        <pc:grpChg chg="del">
+          <ac:chgData name="Matt Carlson" userId="0e792f37f00095d9" providerId="LiveId" clId="{074E2B56-2790-443E-B5EA-A74523936823}" dt="2020-09-26T07:40:29.416" v="13" actId="478"/>
+          <ac:grpSpMkLst>
+            <pc:docMk/>
+            <pc:sldMk cId="0" sldId="274"/>
+            <ac:grpSpMk id="131" creationId="{93B55ABA-C5B9-4765-BC5F-79DE62D8D2B0}"/>
+          </ac:grpSpMkLst>
+        </pc:grpChg>
+        <pc:grpChg chg="del">
+          <ac:chgData name="Matt Carlson" userId="0e792f37f00095d9" providerId="LiveId" clId="{074E2B56-2790-443E-B5EA-A74523936823}" dt="2020-09-26T07:40:29.416" v="13" actId="478"/>
+          <ac:grpSpMkLst>
+            <pc:docMk/>
+            <pc:sldMk cId="0" sldId="274"/>
+            <ac:grpSpMk id="137" creationId="{EBF2C90A-4BF2-4DB0-A873-F95967F48BF5}"/>
+          </ac:grpSpMkLst>
+        </pc:grpChg>
+        <pc:grpChg chg="add del mod">
+          <ac:chgData name="Matt Carlson" userId="0e792f37f00095d9" providerId="LiveId" clId="{074E2B56-2790-443E-B5EA-A74523936823}" dt="2020-09-26T08:05:16.401" v="155" actId="478"/>
+          <ac:grpSpMkLst>
+            <pc:docMk/>
+            <pc:sldMk cId="0" sldId="274"/>
+            <ac:grpSpMk id="146" creationId="{8343CD00-221F-4114-BE0E-9879164CE77C}"/>
+          </ac:grpSpMkLst>
+        </pc:grpChg>
+        <pc:grpChg chg="del">
+          <ac:chgData name="Matt Carlson" userId="0e792f37f00095d9" providerId="LiveId" clId="{074E2B56-2790-443E-B5EA-A74523936823}" dt="2020-09-26T07:40:29.416" v="13" actId="478"/>
+          <ac:grpSpMkLst>
+            <pc:docMk/>
+            <pc:sldMk cId="0" sldId="274"/>
+            <ac:grpSpMk id="156" creationId="{89631BCC-1521-4006-A23C-61BA39FD6070}"/>
+          </ac:grpSpMkLst>
+        </pc:grpChg>
+        <pc:grpChg chg="del">
+          <ac:chgData name="Matt Carlson" userId="0e792f37f00095d9" providerId="LiveId" clId="{074E2B56-2790-443E-B5EA-A74523936823}" dt="2020-09-26T07:40:29.416" v="13" actId="478"/>
+          <ac:grpSpMkLst>
+            <pc:docMk/>
+            <pc:sldMk cId="0" sldId="274"/>
+            <ac:grpSpMk id="160" creationId="{9611A534-015E-4201-ABA0-78D6D38955A7}"/>
+          </ac:grpSpMkLst>
+        </pc:grpChg>
+        <pc:grpChg chg="del">
+          <ac:chgData name="Matt Carlson" userId="0e792f37f00095d9" providerId="LiveId" clId="{074E2B56-2790-443E-B5EA-A74523936823}" dt="2020-09-26T07:40:29.416" v="13" actId="478"/>
+          <ac:grpSpMkLst>
+            <pc:docMk/>
+            <pc:sldMk cId="0" sldId="274"/>
+            <ac:grpSpMk id="165" creationId="{25146144-9949-4D9F-8A72-9B05037883D1}"/>
+          </ac:grpSpMkLst>
+        </pc:grpChg>
+        <pc:grpChg chg="del">
+          <ac:chgData name="Matt Carlson" userId="0e792f37f00095d9" providerId="LiveId" clId="{074E2B56-2790-443E-B5EA-A74523936823}" dt="2020-09-26T07:40:29.416" v="13" actId="478"/>
+          <ac:grpSpMkLst>
+            <pc:docMk/>
+            <pc:sldMk cId="0" sldId="274"/>
+            <ac:grpSpMk id="171" creationId="{176051A8-1624-4380-8DCC-DCE4FC159E43}"/>
+          </ac:grpSpMkLst>
+        </pc:grpChg>
+        <pc:grpChg chg="del">
+          <ac:chgData name="Matt Carlson" userId="0e792f37f00095d9" providerId="LiveId" clId="{074E2B56-2790-443E-B5EA-A74523936823}" dt="2020-09-26T07:40:29.416" v="13" actId="478"/>
+          <ac:grpSpMkLst>
+            <pc:docMk/>
+            <pc:sldMk cId="0" sldId="274"/>
+            <ac:grpSpMk id="175" creationId="{79E4790B-9D76-4406-A346-36758CC95AAA}"/>
+          </ac:grpSpMkLst>
+        </pc:grpChg>
+        <pc:grpChg chg="del">
+          <ac:chgData name="Matt Carlson" userId="0e792f37f00095d9" providerId="LiveId" clId="{074E2B56-2790-443E-B5EA-A74523936823}" dt="2020-09-26T07:40:29.416" v="13" actId="478"/>
+          <ac:grpSpMkLst>
+            <pc:docMk/>
+            <pc:sldMk cId="0" sldId="274"/>
+            <ac:grpSpMk id="178" creationId="{84FA9450-BAB7-4533-817B-E5C759EA8725}"/>
+          </ac:grpSpMkLst>
+        </pc:grpChg>
+        <pc:grpChg chg="del">
+          <ac:chgData name="Matt Carlson" userId="0e792f37f00095d9" providerId="LiveId" clId="{074E2B56-2790-443E-B5EA-A74523936823}" dt="2020-09-26T07:40:29.416" v="13" actId="478"/>
+          <ac:grpSpMkLst>
+            <pc:docMk/>
+            <pc:sldMk cId="0" sldId="274"/>
+            <ac:grpSpMk id="181" creationId="{E6B74595-3CBF-48D5-A7E6-0C78137A4D84}"/>
+          </ac:grpSpMkLst>
+        </pc:grpChg>
+        <pc:grpChg chg="del">
+          <ac:chgData name="Matt Carlson" userId="0e792f37f00095d9" providerId="LiveId" clId="{074E2B56-2790-443E-B5EA-A74523936823}" dt="2020-09-26T07:40:29.416" v="13" actId="478"/>
+          <ac:grpSpMkLst>
+            <pc:docMk/>
+            <pc:sldMk cId="0" sldId="274"/>
+            <ac:grpSpMk id="184" creationId="{359A6503-66E1-4262-B52C-1AA3783DEF63}"/>
+          </ac:grpSpMkLst>
+        </pc:grpChg>
+        <pc:grpChg chg="del">
+          <ac:chgData name="Matt Carlson" userId="0e792f37f00095d9" providerId="LiveId" clId="{074E2B56-2790-443E-B5EA-A74523936823}" dt="2020-09-26T07:40:29.416" v="13" actId="478"/>
+          <ac:grpSpMkLst>
+            <pc:docMk/>
+            <pc:sldMk cId="0" sldId="274"/>
+            <ac:grpSpMk id="189" creationId="{ED1E0927-4A50-4C5B-8215-3FF70B6CECF6}"/>
+          </ac:grpSpMkLst>
+        </pc:grpChg>
+        <pc:grpChg chg="add del mod">
+          <ac:chgData name="Matt Carlson" userId="0e792f37f00095d9" providerId="LiveId" clId="{074E2B56-2790-443E-B5EA-A74523936823}" dt="2020-09-26T08:05:16.401" v="155" actId="478"/>
+          <ac:grpSpMkLst>
+            <pc:docMk/>
+            <pc:sldMk cId="0" sldId="274"/>
+            <ac:grpSpMk id="195" creationId="{B0C36058-0C09-4260-A4B6-1258686B38EC}"/>
+          </ac:grpSpMkLst>
+        </pc:grpChg>
+        <pc:grpChg chg="add mod">
+          <ac:chgData name="Matt Carlson" userId="0e792f37f00095d9" providerId="LiveId" clId="{074E2B56-2790-443E-B5EA-A74523936823}" dt="2020-09-26T08:20:03.794" v="298" actId="1076"/>
+          <ac:grpSpMkLst>
+            <pc:docMk/>
+            <pc:sldMk cId="0" sldId="274"/>
+            <ac:grpSpMk id="207" creationId="{631053A3-2EE5-42FE-94AF-7AAD36EC5908}"/>
+          </ac:grpSpMkLst>
+        </pc:grpChg>
+        <pc:grpChg chg="add mod">
+          <ac:chgData name="Matt Carlson" userId="0e792f37f00095d9" providerId="LiveId" clId="{074E2B56-2790-443E-B5EA-A74523936823}" dt="2020-09-26T08:20:03.794" v="298" actId="1076"/>
+          <ac:grpSpMkLst>
+            <pc:docMk/>
+            <pc:sldMk cId="0" sldId="274"/>
+            <ac:grpSpMk id="212" creationId="{5826866E-9815-4FFB-9965-E9795A89593F}"/>
+          </ac:grpSpMkLst>
+        </pc:grpChg>
+        <pc:grpChg chg="add mod ord">
+          <ac:chgData name="Matt Carlson" userId="0e792f37f00095d9" providerId="LiveId" clId="{074E2B56-2790-443E-B5EA-A74523936823}" dt="2020-09-26T08:20:03.794" v="298" actId="1076"/>
+          <ac:grpSpMkLst>
+            <pc:docMk/>
+            <pc:sldMk cId="0" sldId="274"/>
+            <ac:grpSpMk id="216" creationId="{89471F71-F5BE-4BB4-AE55-34A0CBB6C4D9}"/>
+          </ac:grpSpMkLst>
+        </pc:grpChg>
+        <pc:grpChg chg="add mod ord">
+          <ac:chgData name="Matt Carlson" userId="0e792f37f00095d9" providerId="LiveId" clId="{074E2B56-2790-443E-B5EA-A74523936823}" dt="2020-09-26T08:20:03.794" v="298" actId="1076"/>
+          <ac:grpSpMkLst>
+            <pc:docMk/>
+            <pc:sldMk cId="0" sldId="274"/>
+            <ac:grpSpMk id="220" creationId="{200D3AA7-2306-4411-9CD6-AAA7A018330B}"/>
+          </ac:grpSpMkLst>
+        </pc:grpChg>
+        <pc:grpChg chg="add mod ord">
+          <ac:chgData name="Matt Carlson" userId="0e792f37f00095d9" providerId="LiveId" clId="{074E2B56-2790-443E-B5EA-A74523936823}" dt="2020-09-26T08:20:03.794" v="298" actId="1076"/>
+          <ac:grpSpMkLst>
+            <pc:docMk/>
+            <pc:sldMk cId="0" sldId="274"/>
+            <ac:grpSpMk id="224" creationId="{47BEF17B-7909-4A7D-9A95-A7741E2A6DF7}"/>
+          </ac:grpSpMkLst>
+        </pc:grpChg>
+        <pc:grpChg chg="add mod">
+          <ac:chgData name="Matt Carlson" userId="0e792f37f00095d9" providerId="LiveId" clId="{074E2B56-2790-443E-B5EA-A74523936823}" dt="2020-09-26T08:20:03.794" v="298" actId="1076"/>
+          <ac:grpSpMkLst>
+            <pc:docMk/>
+            <pc:sldMk cId="0" sldId="274"/>
+            <ac:grpSpMk id="231" creationId="{31444C3C-49DF-4863-B7B6-422D38FDC31B}"/>
+          </ac:grpSpMkLst>
+        </pc:grpChg>
+        <pc:grpChg chg="add mod">
+          <ac:chgData name="Matt Carlson" userId="0e792f37f00095d9" providerId="LiveId" clId="{074E2B56-2790-443E-B5EA-A74523936823}" dt="2020-09-26T08:20:03.794" v="298" actId="1076"/>
+          <ac:grpSpMkLst>
+            <pc:docMk/>
+            <pc:sldMk cId="0" sldId="274"/>
+            <ac:grpSpMk id="235" creationId="{9133B348-45E7-49B5-B183-75D7028F320D}"/>
+          </ac:grpSpMkLst>
+        </pc:grpChg>
+        <pc:grpChg chg="add mod">
+          <ac:chgData name="Matt Carlson" userId="0e792f37f00095d9" providerId="LiveId" clId="{074E2B56-2790-443E-B5EA-A74523936823}" dt="2020-09-26T08:20:03.794" v="298" actId="1076"/>
+          <ac:grpSpMkLst>
+            <pc:docMk/>
+            <pc:sldMk cId="0" sldId="274"/>
+            <ac:grpSpMk id="240" creationId="{8637D463-A302-41A0-9BA7-1E7A5BF5F388}"/>
+          </ac:grpSpMkLst>
+        </pc:grpChg>
+        <pc:grpChg chg="add mod ord">
+          <ac:chgData name="Matt Carlson" userId="0e792f37f00095d9" providerId="LiveId" clId="{074E2B56-2790-443E-B5EA-A74523936823}" dt="2020-09-26T08:20:03.794" v="298" actId="1076"/>
+          <ac:grpSpMkLst>
+            <pc:docMk/>
+            <pc:sldMk cId="0" sldId="274"/>
+            <ac:grpSpMk id="244" creationId="{1C2DC5E4-42D1-40E1-A179-50493A6E9A2C}"/>
+          </ac:grpSpMkLst>
+        </pc:grpChg>
+        <pc:grpChg chg="add del mod">
+          <ac:chgData name="Matt Carlson" userId="0e792f37f00095d9" providerId="LiveId" clId="{074E2B56-2790-443E-B5EA-A74523936823}" dt="2020-09-26T08:04:49.982" v="146"/>
+          <ac:grpSpMkLst>
+            <pc:docMk/>
+            <pc:sldMk cId="0" sldId="274"/>
+            <ac:grpSpMk id="248" creationId="{6BD21D7D-4494-4F9D-A6CC-7B37F7103A1C}"/>
+          </ac:grpSpMkLst>
+        </pc:grpChg>
+        <pc:grpChg chg="add mod ord">
+          <ac:chgData name="Matt Carlson" userId="0e792f37f00095d9" providerId="LiveId" clId="{074E2B56-2790-443E-B5EA-A74523936823}" dt="2020-09-26T08:20:03.794" v="298" actId="1076"/>
+          <ac:grpSpMkLst>
+            <pc:docMk/>
+            <pc:sldMk cId="0" sldId="274"/>
+            <ac:grpSpMk id="252" creationId="{7BC4007C-0CF0-49FD-8340-4D553580B98C}"/>
+          </ac:grpSpMkLst>
+        </pc:grpChg>
+        <pc:grpChg chg="add mod">
+          <ac:chgData name="Matt Carlson" userId="0e792f37f00095d9" providerId="LiveId" clId="{074E2B56-2790-443E-B5EA-A74523936823}" dt="2020-09-26T08:20:03.794" v="298" actId="1076"/>
+          <ac:grpSpMkLst>
+            <pc:docMk/>
+            <pc:sldMk cId="0" sldId="274"/>
+            <ac:grpSpMk id="256" creationId="{D84F6F70-D376-4F2F-B06F-DC80A58CEC53}"/>
+          </ac:grpSpMkLst>
+        </pc:grpChg>
+        <pc:grpChg chg="add mod">
+          <ac:chgData name="Matt Carlson" userId="0e792f37f00095d9" providerId="LiveId" clId="{074E2B56-2790-443E-B5EA-A74523936823}" dt="2020-09-26T08:20:03.794" v="298" actId="1076"/>
+          <ac:grpSpMkLst>
+            <pc:docMk/>
+            <pc:sldMk cId="0" sldId="274"/>
+            <ac:grpSpMk id="260" creationId="{33277367-29FF-4334-A7FD-C32EB1227576}"/>
+          </ac:grpSpMkLst>
+        </pc:grpChg>
+        <pc:grpChg chg="add mod">
+          <ac:chgData name="Matt Carlson" userId="0e792f37f00095d9" providerId="LiveId" clId="{074E2B56-2790-443E-B5EA-A74523936823}" dt="2020-09-26T08:20:03.794" v="298" actId="1076"/>
+          <ac:grpSpMkLst>
+            <pc:docMk/>
+            <pc:sldMk cId="0" sldId="274"/>
+            <ac:grpSpMk id="264" creationId="{3A720F8D-F8EB-4BA2-9DB0-3F1CD9AAD020}"/>
+          </ac:grpSpMkLst>
+        </pc:grpChg>
+        <pc:grpChg chg="add mod">
+          <ac:chgData name="Matt Carlson" userId="0e792f37f00095d9" providerId="LiveId" clId="{074E2B56-2790-443E-B5EA-A74523936823}" dt="2020-09-26T08:20:03.794" v="298" actId="1076"/>
+          <ac:grpSpMkLst>
+            <pc:docMk/>
+            <pc:sldMk cId="0" sldId="274"/>
+            <ac:grpSpMk id="268" creationId="{FDF1D763-7C90-4984-909B-9466E028A08D}"/>
+          </ac:grpSpMkLst>
+        </pc:grpChg>
+        <pc:grpChg chg="add del mod">
+          <ac:chgData name="Matt Carlson" userId="0e792f37f00095d9" providerId="LiveId" clId="{074E2B56-2790-443E-B5EA-A74523936823}" dt="2020-09-26T08:06:09.796" v="166" actId="478"/>
+          <ac:grpSpMkLst>
+            <pc:docMk/>
+            <pc:sldMk cId="0" sldId="274"/>
+            <ac:grpSpMk id="272" creationId="{62825A7A-1FED-4066-8D5F-6B31EEF65254}"/>
+          </ac:grpSpMkLst>
+        </pc:grpChg>
+        <pc:grpChg chg="add mod">
+          <ac:chgData name="Matt Carlson" userId="0e792f37f00095d9" providerId="LiveId" clId="{074E2B56-2790-443E-B5EA-A74523936823}" dt="2020-09-26T08:20:03.794" v="298" actId="1076"/>
+          <ac:grpSpMkLst>
+            <pc:docMk/>
+            <pc:sldMk cId="0" sldId="274"/>
+            <ac:grpSpMk id="276" creationId="{100F7E9C-E429-4145-B2C0-7785547B3B48}"/>
+          </ac:grpSpMkLst>
+        </pc:grpChg>
+        <pc:grpChg chg="add mod ord">
+          <ac:chgData name="Matt Carlson" userId="0e792f37f00095d9" providerId="LiveId" clId="{074E2B56-2790-443E-B5EA-A74523936823}" dt="2020-09-26T08:20:03.794" v="298" actId="1076"/>
+          <ac:grpSpMkLst>
+            <pc:docMk/>
+            <pc:sldMk cId="0" sldId="274"/>
+            <ac:grpSpMk id="280" creationId="{240BBFA4-29E8-44DC-B9A8-C056EA8FFDA8}"/>
+          </ac:grpSpMkLst>
+        </pc:grpChg>
+        <pc:grpChg chg="add mod">
+          <ac:chgData name="Matt Carlson" userId="0e792f37f00095d9" providerId="LiveId" clId="{074E2B56-2790-443E-B5EA-A74523936823}" dt="2020-09-26T08:20:03.794" v="298" actId="1076"/>
+          <ac:grpSpMkLst>
+            <pc:docMk/>
+            <pc:sldMk cId="0" sldId="274"/>
+            <ac:grpSpMk id="283" creationId="{C0AEA172-5D02-4C4B-A762-224C3574B1E8}"/>
+          </ac:grpSpMkLst>
+        </pc:grpChg>
+        <pc:graphicFrameChg chg="mod modGraphic">
+          <ac:chgData name="Matt Carlson" userId="0e792f37f00095d9" providerId="LiveId" clId="{074E2B56-2790-443E-B5EA-A74523936823}" dt="2020-09-26T08:19:22.799" v="297" actId="20577"/>
+          <ac:graphicFrameMkLst>
+            <pc:docMk/>
+            <pc:sldMk cId="0" sldId="274"/>
+            <ac:graphicFrameMk id="110" creationId="{00000000-0000-0000-0000-000000000000}"/>
+          </ac:graphicFrameMkLst>
+        </pc:graphicFrameChg>
+        <pc:picChg chg="add mod">
+          <ac:chgData name="Matt Carlson" userId="0e792f37f00095d9" providerId="LiveId" clId="{074E2B56-2790-443E-B5EA-A74523936823}" dt="2020-09-26T07:23:25.191" v="4" actId="1076"/>
+          <ac:picMkLst>
+            <pc:docMk/>
+            <pc:sldMk cId="0" sldId="274"/>
+            <ac:picMk id="2" creationId="{92BF1C95-0D7F-4BCD-89C6-094F59FF8EA8}"/>
+          </ac:picMkLst>
+        </pc:picChg>
+        <pc:picChg chg="add mod">
+          <ac:chgData name="Matt Carlson" userId="0e792f37f00095d9" providerId="LiveId" clId="{074E2B56-2790-443E-B5EA-A74523936823}" dt="2020-09-26T07:23:36.035" v="10" actId="1037"/>
+          <ac:picMkLst>
+            <pc:docMk/>
+            <pc:sldMk cId="0" sldId="274"/>
+            <ac:picMk id="3" creationId="{9383CB45-2241-4F66-BB24-9A1FF6EBA2DE}"/>
+          </ac:picMkLst>
+        </pc:picChg>
+        <pc:picChg chg="del">
+          <ac:chgData name="Matt Carlson" userId="0e792f37f00095d9" providerId="LiveId" clId="{074E2B56-2790-443E-B5EA-A74523936823}" dt="2020-09-26T07:17:47.418" v="0" actId="478"/>
+          <ac:picMkLst>
+            <pc:docMk/>
+            <pc:sldMk cId="0" sldId="274"/>
+            <ac:picMk id="3113" creationId="{00000000-0000-0000-0000-000000000000}"/>
+          </ac:picMkLst>
+        </pc:picChg>
+        <pc:picChg chg="del">
+          <ac:chgData name="Matt Carlson" userId="0e792f37f00095d9" providerId="LiveId" clId="{074E2B56-2790-443E-B5EA-A74523936823}" dt="2020-09-26T07:17:47.418" v="0" actId="478"/>
+          <ac:picMkLst>
+            <pc:docMk/>
+            <pc:sldMk cId="0" sldId="274"/>
+            <ac:picMk id="3114" creationId="{00000000-0000-0000-0000-000000000000}"/>
+          </ac:picMkLst>
+        </pc:picChg>
+        <pc:cxnChg chg="del">
+          <ac:chgData name="Matt Carlson" userId="0e792f37f00095d9" providerId="LiveId" clId="{074E2B56-2790-443E-B5EA-A74523936823}" dt="2020-09-26T07:40:29.416" v="13" actId="478"/>
           <ac:cxnSpMkLst>
             <pc:docMk/>
             <pc:sldMk cId="0" sldId="274"/>
-            <ac:cxnSpMk id="144" creationId="{00000000-0000-0000-0000-000000000000}"/>
+            <ac:cxnSpMk id="93" creationId="{4CA13B8B-FBEE-4DA3-A2C2-BFEE77F343D1}"/>
+          </ac:cxnSpMkLst>
+        </pc:cxnChg>
+        <pc:cxnChg chg="del">
+          <ac:chgData name="Matt Carlson" userId="0e792f37f00095d9" providerId="LiveId" clId="{074E2B56-2790-443E-B5EA-A74523936823}" dt="2020-09-26T07:40:29.416" v="13" actId="478"/>
+          <ac:cxnSpMkLst>
+            <pc:docMk/>
+            <pc:sldMk cId="0" sldId="274"/>
+            <ac:cxnSpMk id="98" creationId="{B022AECC-6754-452B-9826-962B405325A6}"/>
+          </ac:cxnSpMkLst>
+        </pc:cxnChg>
+        <pc:cxnChg chg="del mod">
+          <ac:chgData name="Matt Carlson" userId="0e792f37f00095d9" providerId="LiveId" clId="{074E2B56-2790-443E-B5EA-A74523936823}" dt="2020-09-26T07:40:29.416" v="13" actId="478"/>
+          <ac:cxnSpMkLst>
+            <pc:docMk/>
+            <pc:sldMk cId="0" sldId="274"/>
+            <ac:cxnSpMk id="135" creationId="{B731693E-57F4-475D-804A-020F165BEB8A}"/>
+          </ac:cxnSpMkLst>
+        </pc:cxnChg>
+        <pc:cxnChg chg="del">
+          <ac:chgData name="Matt Carlson" userId="0e792f37f00095d9" providerId="LiveId" clId="{074E2B56-2790-443E-B5EA-A74523936823}" dt="2020-09-26T07:40:29.416" v="13" actId="478"/>
+          <ac:cxnSpMkLst>
+            <pc:docMk/>
+            <pc:sldMk cId="0" sldId="274"/>
+            <ac:cxnSpMk id="154" creationId="{9EECBF10-222B-4ADA-BA36-7E6717419433}"/>
+          </ac:cxnSpMkLst>
+        </pc:cxnChg>
+        <pc:cxnChg chg="del">
+          <ac:chgData name="Matt Carlson" userId="0e792f37f00095d9" providerId="LiveId" clId="{074E2B56-2790-443E-B5EA-A74523936823}" dt="2020-09-26T07:40:29.416" v="13" actId="478"/>
+          <ac:cxnSpMkLst>
+            <pc:docMk/>
+            <pc:sldMk cId="0" sldId="274"/>
+            <ac:cxnSpMk id="159" creationId="{51ED4D8B-6D94-4D6C-A96D-88913AF4C883}"/>
+          </ac:cxnSpMkLst>
+        </pc:cxnChg>
+        <pc:cxnChg chg="del">
+          <ac:chgData name="Matt Carlson" userId="0e792f37f00095d9" providerId="LiveId" clId="{074E2B56-2790-443E-B5EA-A74523936823}" dt="2020-09-26T07:40:29.416" v="13" actId="478"/>
+          <ac:cxnSpMkLst>
+            <pc:docMk/>
+            <pc:sldMk cId="0" sldId="274"/>
+            <ac:cxnSpMk id="169" creationId="{04D30676-D9A3-41EB-AE2C-3D16CA412107}"/>
+          </ac:cxnSpMkLst>
+        </pc:cxnChg>
+        <pc:cxnChg chg="del">
+          <ac:chgData name="Matt Carlson" userId="0e792f37f00095d9" providerId="LiveId" clId="{074E2B56-2790-443E-B5EA-A74523936823}" dt="2020-09-26T07:40:29.416" v="13" actId="478"/>
+          <ac:cxnSpMkLst>
+            <pc:docMk/>
+            <pc:sldMk cId="0" sldId="274"/>
+            <ac:cxnSpMk id="170" creationId="{E7DB753B-40A9-4C8C-9304-C858FB1A8325}"/>
+          </ac:cxnSpMkLst>
+        </pc:cxnChg>
+        <pc:cxnChg chg="mod">
+          <ac:chgData name="Matt Carlson" userId="0e792f37f00095d9" providerId="LiveId" clId="{074E2B56-2790-443E-B5EA-A74523936823}" dt="2020-09-26T08:20:03.794" v="298" actId="1076"/>
+          <ac:cxnSpMkLst>
+            <pc:docMk/>
+            <pc:sldMk cId="0" sldId="274"/>
+            <ac:cxnSpMk id="188" creationId="{8C0264D6-1235-4CE6-9B44-00C2431614F8}"/>
+          </ac:cxnSpMkLst>
+        </pc:cxnChg>
+        <pc:cxnChg chg="add mod">
+          <ac:chgData name="Matt Carlson" userId="0e792f37f00095d9" providerId="LiveId" clId="{074E2B56-2790-443E-B5EA-A74523936823}" dt="2020-09-26T08:20:03.794" v="298" actId="1076"/>
+          <ac:cxnSpMkLst>
+            <pc:docMk/>
+            <pc:sldMk cId="0" sldId="274"/>
+            <ac:cxnSpMk id="199" creationId="{2CA99E20-2095-4EEF-946B-AB05F0856B0F}"/>
+          </ac:cxnSpMkLst>
+        </pc:cxnChg>
+        <pc:cxnChg chg="add mod">
+          <ac:chgData name="Matt Carlson" userId="0e792f37f00095d9" providerId="LiveId" clId="{074E2B56-2790-443E-B5EA-A74523936823}" dt="2020-09-26T08:20:03.794" v="298" actId="1076"/>
+          <ac:cxnSpMkLst>
+            <pc:docMk/>
+            <pc:sldMk cId="0" sldId="274"/>
+            <ac:cxnSpMk id="200" creationId="{8BE9CA0C-3C21-455A-849F-A58B5D3B2211}"/>
+          </ac:cxnSpMkLst>
+        </pc:cxnChg>
+        <pc:cxnChg chg="add mod">
+          <ac:chgData name="Matt Carlson" userId="0e792f37f00095d9" providerId="LiveId" clId="{074E2B56-2790-443E-B5EA-A74523936823}" dt="2020-09-26T08:20:03.794" v="298" actId="1076"/>
+          <ac:cxnSpMkLst>
+            <pc:docMk/>
+            <pc:sldMk cId="0" sldId="274"/>
+            <ac:cxnSpMk id="201" creationId="{3E56B92E-844A-4614-9A1A-054F84F46610}"/>
+          </ac:cxnSpMkLst>
+        </pc:cxnChg>
+        <pc:cxnChg chg="add mod">
+          <ac:chgData name="Matt Carlson" userId="0e792f37f00095d9" providerId="LiveId" clId="{074E2B56-2790-443E-B5EA-A74523936823}" dt="2020-09-26T08:20:03.794" v="298" actId="1076"/>
+          <ac:cxnSpMkLst>
+            <pc:docMk/>
+            <pc:sldMk cId="0" sldId="274"/>
+            <ac:cxnSpMk id="202" creationId="{555F92E3-C861-4B4B-BB20-D7058AB79966}"/>
+          </ac:cxnSpMkLst>
+        </pc:cxnChg>
+        <pc:cxnChg chg="add mod">
+          <ac:chgData name="Matt Carlson" userId="0e792f37f00095d9" providerId="LiveId" clId="{074E2B56-2790-443E-B5EA-A74523936823}" dt="2020-09-26T08:20:03.794" v="298" actId="1076"/>
+          <ac:cxnSpMkLst>
+            <pc:docMk/>
+            <pc:sldMk cId="0" sldId="274"/>
+            <ac:cxnSpMk id="203" creationId="{39AD62B9-321A-4253-8792-6ADDC9ECAF12}"/>
+          </ac:cxnSpMkLst>
+        </pc:cxnChg>
+        <pc:cxnChg chg="add mod ord">
+          <ac:chgData name="Matt Carlson" userId="0e792f37f00095d9" providerId="LiveId" clId="{074E2B56-2790-443E-B5EA-A74523936823}" dt="2020-09-26T08:20:03.794" v="298" actId="1076"/>
+          <ac:cxnSpMkLst>
+            <pc:docMk/>
+            <pc:sldMk cId="0" sldId="274"/>
+            <ac:cxnSpMk id="204" creationId="{5FB62FBD-E17B-4862-B916-F883F1F547C8}"/>
+          </ac:cxnSpMkLst>
+        </pc:cxnChg>
+        <pc:cxnChg chg="add mod ord">
+          <ac:chgData name="Matt Carlson" userId="0e792f37f00095d9" providerId="LiveId" clId="{074E2B56-2790-443E-B5EA-A74523936823}" dt="2020-09-26T08:20:03.794" v="298" actId="1076"/>
+          <ac:cxnSpMkLst>
+            <pc:docMk/>
+            <pc:sldMk cId="0" sldId="274"/>
+            <ac:cxnSpMk id="205" creationId="{BAB2DE11-AC16-478F-9A72-0D84C22DB193}"/>
           </ac:cxnSpMkLst>
         </pc:cxnChg>
       </pc:sldChg>
     </pc:docChg>
   </pc:docChgLst>
   <pc:docChgLst>
-    <pc:chgData name="Matt Carlson" userId="0e792f37f00095d9" providerId="LiveId" clId="{8DC949DC-8723-459A-93E0-F38992DC6CF5}"/>
-    <pc:docChg chg="undo modSld">
-      <pc:chgData name="Matt Carlson" userId="0e792f37f00095d9" providerId="LiveId" clId="{8DC949DC-8723-459A-93E0-F38992DC6CF5}" dt="2019-05-26T05:50:36.707" v="27" actId="1076"/>
+    <pc:chgData name="Matt Carlson" userId="0e792f37f00095d9" providerId="LiveId" clId="{57106D21-825D-4CE8-B8CD-90541349203C}"/>
+    <pc:docChg chg="modSld">
+      <pc:chgData name="Matt Carlson" userId="0e792f37f00095d9" providerId="LiveId" clId="{57106D21-825D-4CE8-B8CD-90541349203C}" dt="2020-10-24T09:06:22.435" v="5" actId="6549"/>
       <pc:docMkLst>
         <pc:docMk/>
       </pc:docMkLst>
-      <pc:sldChg chg="addSp delSp modSp">
-        <pc:chgData name="Matt Carlson" userId="0e792f37f00095d9" providerId="LiveId" clId="{8DC949DC-8723-459A-93E0-F38992DC6CF5}" dt="2019-05-26T05:49:56.975" v="21"/>
+      <pc:sldChg chg="addSp delSp modSp mod">
+        <pc:chgData name="Matt Carlson" userId="0e792f37f00095d9" providerId="LiveId" clId="{57106D21-825D-4CE8-B8CD-90541349203C}" dt="2020-10-24T09:06:22.435" v="5" actId="6549"/>
         <pc:sldMkLst>
           <pc:docMk/>
           <pc:sldMk cId="0" sldId="274"/>
         </pc:sldMkLst>
-        <pc:spChg chg="add">
-          <ac:chgData name="Matt Carlson" userId="0e792f37f00095d9" providerId="LiveId" clId="{8DC949DC-8723-459A-93E0-F38992DC6CF5}" dt="2019-05-26T05:49:56.975" v="21"/>
-          <ac:spMkLst>
-            <pc:docMk/>
-            <pc:sldMk cId="0" sldId="274"/>
-            <ac:spMk id="118" creationId="{E9657081-D875-45AB-B0A7-30FF72C745A0}"/>
-          </ac:spMkLst>
-        </pc:spChg>
-        <pc:spChg chg="add">
-          <ac:chgData name="Matt Carlson" userId="0e792f37f00095d9" providerId="LiveId" clId="{8DC949DC-8723-459A-93E0-F38992DC6CF5}" dt="2019-05-26T05:49:56.975" v="21"/>
-          <ac:spMkLst>
-            <pc:docMk/>
-            <pc:sldMk cId="0" sldId="274"/>
-            <ac:spMk id="119" creationId="{7FC3AE37-2EA0-4685-B2E8-909CCE367F2B}"/>
-          </ac:spMkLst>
-        </pc:spChg>
-        <pc:spChg chg="add">
-          <ac:chgData name="Matt Carlson" userId="0e792f37f00095d9" providerId="LiveId" clId="{8DC949DC-8723-459A-93E0-F38992DC6CF5}" dt="2019-05-26T05:49:56.975" v="21"/>
-          <ac:spMkLst>
-            <pc:docMk/>
-            <pc:sldMk cId="0" sldId="274"/>
-            <ac:spMk id="120" creationId="{87944975-712A-4246-85B4-7D3D5AB1986A}"/>
-          </ac:spMkLst>
-        </pc:spChg>
-        <pc:spChg chg="add">
-          <ac:chgData name="Matt Carlson" userId="0e792f37f00095d9" providerId="LiveId" clId="{8DC949DC-8723-459A-93E0-F38992DC6CF5}" dt="2019-05-26T05:49:56.975" v="21"/>
-          <ac:spMkLst>
-            <pc:docMk/>
-            <pc:sldMk cId="0" sldId="274"/>
-            <ac:spMk id="136" creationId="{00A5F534-C8E3-416C-9AD7-C2B68FDECDE9}"/>
-          </ac:spMkLst>
-        </pc:spChg>
-        <pc:spChg chg="add">
-          <ac:chgData name="Matt Carlson" userId="0e792f37f00095d9" providerId="LiveId" clId="{8DC949DC-8723-459A-93E0-F38992DC6CF5}" dt="2019-05-26T05:49:56.975" v="21"/>
-          <ac:spMkLst>
-            <pc:docMk/>
-            <pc:sldMk cId="0" sldId="274"/>
-            <ac:spMk id="151" creationId="{CCCB2A0D-3183-49B0-A049-CEFD6AEA49F9}"/>
-          </ac:spMkLst>
-        </pc:spChg>
-        <pc:spChg chg="add">
-          <ac:chgData name="Matt Carlson" userId="0e792f37f00095d9" providerId="LiveId" clId="{8DC949DC-8723-459A-93E0-F38992DC6CF5}" dt="2019-05-26T05:49:56.975" v="21"/>
-          <ac:spMkLst>
-            <pc:docMk/>
-            <pc:sldMk cId="0" sldId="274"/>
-            <ac:spMk id="152" creationId="{6B8A7F71-2C5C-4112-8383-21676019C80A}"/>
-          </ac:spMkLst>
-        </pc:spChg>
-        <pc:spChg chg="add">
-          <ac:chgData name="Matt Carlson" userId="0e792f37f00095d9" providerId="LiveId" clId="{8DC949DC-8723-459A-93E0-F38992DC6CF5}" dt="2019-05-26T05:49:56.975" v="21"/>
-          <ac:spMkLst>
-            <pc:docMk/>
-            <pc:sldMk cId="0" sldId="274"/>
-            <ac:spMk id="153" creationId="{1D41B59E-19E1-4D25-B179-55E400DA43EC}"/>
-          </ac:spMkLst>
-        </pc:spChg>
-        <pc:spChg chg="add">
-          <ac:chgData name="Matt Carlson" userId="0e792f37f00095d9" providerId="LiveId" clId="{8DC949DC-8723-459A-93E0-F38992DC6CF5}" dt="2019-05-26T05:49:56.975" v="21"/>
-          <ac:spMkLst>
-            <pc:docMk/>
-            <pc:sldMk cId="0" sldId="274"/>
-            <ac:spMk id="155" creationId="{21895EC6-2A93-4685-8A34-78F67FBD1338}"/>
-          </ac:spMkLst>
-        </pc:spChg>
-        <pc:spChg chg="add">
-          <ac:chgData name="Matt Carlson" userId="0e792f37f00095d9" providerId="LiveId" clId="{8DC949DC-8723-459A-93E0-F38992DC6CF5}" dt="2019-05-26T05:49:56.975" v="21"/>
-          <ac:spMkLst>
-            <pc:docMk/>
-            <pc:sldMk cId="0" sldId="274"/>
-            <ac:spMk id="164" creationId="{9937EA5F-A543-4CC2-BD8B-80938E657CBE}"/>
-          </ac:spMkLst>
-        </pc:spChg>
-        <pc:spChg chg="del">
-          <ac:chgData name="Matt Carlson" userId="0e792f37f00095d9" providerId="LiveId" clId="{8DC949DC-8723-459A-93E0-F38992DC6CF5}" dt="2019-05-26T05:49:42.609" v="19" actId="478"/>
-          <ac:spMkLst>
-            <pc:docMk/>
-            <pc:sldMk cId="0" sldId="274"/>
-            <ac:spMk id="3094" creationId="{00000000-0000-0000-0000-000000000000}"/>
-          </ac:spMkLst>
-        </pc:spChg>
-        <pc:spChg chg="del">
-          <ac:chgData name="Matt Carlson" userId="0e792f37f00095d9" providerId="LiveId" clId="{8DC949DC-8723-459A-93E0-F38992DC6CF5}" dt="2019-05-26T05:49:42.609" v="19" actId="478"/>
-          <ac:spMkLst>
-            <pc:docMk/>
-            <pc:sldMk cId="0" sldId="274"/>
-            <ac:spMk id="3095" creationId="{00000000-0000-0000-0000-000000000000}"/>
-          </ac:spMkLst>
-        </pc:spChg>
-        <pc:spChg chg="del">
-          <ac:chgData name="Matt Carlson" userId="0e792f37f00095d9" providerId="LiveId" clId="{8DC949DC-8723-459A-93E0-F38992DC6CF5}" dt="2019-05-26T05:49:42.609" v="19" actId="478"/>
-          <ac:spMkLst>
-            <pc:docMk/>
-            <pc:sldMk cId="0" sldId="274"/>
-            <ac:spMk id="3096" creationId="{00000000-0000-0000-0000-000000000000}"/>
-          </ac:spMkLst>
-        </pc:spChg>
-        <pc:spChg chg="del">
-          <ac:chgData name="Matt Carlson" userId="0e792f37f00095d9" providerId="LiveId" clId="{8DC949DC-8723-459A-93E0-F38992DC6CF5}" dt="2019-05-26T05:49:55.744" v="20" actId="478"/>
-          <ac:spMkLst>
-            <pc:docMk/>
-            <pc:sldMk cId="0" sldId="274"/>
-            <ac:spMk id="3112" creationId="{00000000-0000-0000-0000-000000000000}"/>
-          </ac:spMkLst>
-        </pc:spChg>
-        <pc:grpChg chg="add">
-          <ac:chgData name="Matt Carlson" userId="0e792f37f00095d9" providerId="LiveId" clId="{8DC949DC-8723-459A-93E0-F38992DC6CF5}" dt="2019-05-26T05:49:56.975" v="21"/>
-          <ac:grpSpMkLst>
-            <pc:docMk/>
-            <pc:sldMk cId="0" sldId="274"/>
-            <ac:grpSpMk id="94" creationId="{27790BD9-BEEA-418B-B1A2-AF823F41474A}"/>
-          </ac:grpSpMkLst>
-        </pc:grpChg>
-        <pc:grpChg chg="add">
-          <ac:chgData name="Matt Carlson" userId="0e792f37f00095d9" providerId="LiveId" clId="{8DC949DC-8723-459A-93E0-F38992DC6CF5}" dt="2019-05-26T05:49:56.975" v="21"/>
-          <ac:grpSpMkLst>
-            <pc:docMk/>
-            <pc:sldMk cId="0" sldId="274"/>
-            <ac:grpSpMk id="99" creationId="{1088E2CB-38C0-42E2-9CA7-82AB912EBC97}"/>
-          </ac:grpSpMkLst>
-        </pc:grpChg>
-        <pc:grpChg chg="add">
-          <ac:chgData name="Matt Carlson" userId="0e792f37f00095d9" providerId="LiveId" clId="{8DC949DC-8723-459A-93E0-F38992DC6CF5}" dt="2019-05-26T05:49:56.975" v="21"/>
-          <ac:grpSpMkLst>
-            <pc:docMk/>
-            <pc:sldMk cId="0" sldId="274"/>
-            <ac:grpSpMk id="103" creationId="{72EA427E-9FCD-48D2-9CC5-B08471D0A8B5}"/>
-          </ac:grpSpMkLst>
-        </pc:grpChg>
-        <pc:grpChg chg="add">
-          <ac:chgData name="Matt Carlson" userId="0e792f37f00095d9" providerId="LiveId" clId="{8DC949DC-8723-459A-93E0-F38992DC6CF5}" dt="2019-05-26T05:49:56.975" v="21"/>
-          <ac:grpSpMkLst>
-            <pc:docMk/>
-            <pc:sldMk cId="0" sldId="274"/>
-            <ac:grpSpMk id="107" creationId="{50B46513-00B9-4BEB-8D78-DFC58D5E010E}"/>
-          </ac:grpSpMkLst>
-        </pc:grpChg>
-        <pc:grpChg chg="add">
-          <ac:chgData name="Matt Carlson" userId="0e792f37f00095d9" providerId="LiveId" clId="{8DC949DC-8723-459A-93E0-F38992DC6CF5}" dt="2019-05-26T05:49:56.975" v="21"/>
-          <ac:grpSpMkLst>
-            <pc:docMk/>
-            <pc:sldMk cId="0" sldId="274"/>
-            <ac:grpSpMk id="121" creationId="{FA30A923-5ACD-49BB-A232-64641C44B1B6}"/>
-          </ac:grpSpMkLst>
-        </pc:grpChg>
-        <pc:grpChg chg="add">
-          <ac:chgData name="Matt Carlson" userId="0e792f37f00095d9" providerId="LiveId" clId="{8DC949DC-8723-459A-93E0-F38992DC6CF5}" dt="2019-05-26T05:49:56.975" v="21"/>
-          <ac:grpSpMkLst>
-            <pc:docMk/>
-            <pc:sldMk cId="0" sldId="274"/>
-            <ac:grpSpMk id="131" creationId="{93B55ABA-C5B9-4765-BC5F-79DE62D8D2B0}"/>
-          </ac:grpSpMkLst>
-        </pc:grpChg>
-        <pc:grpChg chg="add">
-          <ac:chgData name="Matt Carlson" userId="0e792f37f00095d9" providerId="LiveId" clId="{8DC949DC-8723-459A-93E0-F38992DC6CF5}" dt="2019-05-26T05:49:56.975" v="21"/>
-          <ac:grpSpMkLst>
-            <pc:docMk/>
-            <pc:sldMk cId="0" sldId="274"/>
-            <ac:grpSpMk id="137" creationId="{EBF2C90A-4BF2-4DB0-A873-F95967F48BF5}"/>
-          </ac:grpSpMkLst>
-        </pc:grpChg>
-        <pc:grpChg chg="add">
-          <ac:chgData name="Matt Carlson" userId="0e792f37f00095d9" providerId="LiveId" clId="{8DC949DC-8723-459A-93E0-F38992DC6CF5}" dt="2019-05-26T05:49:56.975" v="21"/>
-          <ac:grpSpMkLst>
-            <pc:docMk/>
-            <pc:sldMk cId="0" sldId="274"/>
-            <ac:grpSpMk id="156" creationId="{89631BCC-1521-4006-A23C-61BA39FD6070}"/>
-          </ac:grpSpMkLst>
-        </pc:grpChg>
-        <pc:grpChg chg="add">
-          <ac:chgData name="Matt Carlson" userId="0e792f37f00095d9" providerId="LiveId" clId="{8DC949DC-8723-459A-93E0-F38992DC6CF5}" dt="2019-05-26T05:49:56.975" v="21"/>
-          <ac:grpSpMkLst>
-            <pc:docMk/>
-            <pc:sldMk cId="0" sldId="274"/>
-            <ac:grpSpMk id="160" creationId="{9611A534-015E-4201-ABA0-78D6D38955A7}"/>
-          </ac:grpSpMkLst>
-        </pc:grpChg>
-        <pc:grpChg chg="add">
-          <ac:chgData name="Matt Carlson" userId="0e792f37f00095d9" providerId="LiveId" clId="{8DC949DC-8723-459A-93E0-F38992DC6CF5}" dt="2019-05-26T05:49:56.975" v="21"/>
-          <ac:grpSpMkLst>
-            <pc:docMk/>
-            <pc:sldMk cId="0" sldId="274"/>
-            <ac:grpSpMk id="165" creationId="{25146144-9949-4D9F-8A72-9B05037883D1}"/>
-          </ac:grpSpMkLst>
-        </pc:grpChg>
-        <pc:grpChg chg="add">
-          <ac:chgData name="Matt Carlson" userId="0e792f37f00095d9" providerId="LiveId" clId="{8DC949DC-8723-459A-93E0-F38992DC6CF5}" dt="2019-05-26T05:49:56.975" v="21"/>
-          <ac:grpSpMkLst>
-            <pc:docMk/>
-            <pc:sldMk cId="0" sldId="274"/>
-            <ac:grpSpMk id="171" creationId="{176051A8-1624-4380-8DCC-DCE4FC159E43}"/>
-          </ac:grpSpMkLst>
-        </pc:grpChg>
-        <pc:grpChg chg="add">
-          <ac:chgData name="Matt Carlson" userId="0e792f37f00095d9" providerId="LiveId" clId="{8DC949DC-8723-459A-93E0-F38992DC6CF5}" dt="2019-05-26T05:49:56.975" v="21"/>
-          <ac:grpSpMkLst>
-            <pc:docMk/>
-            <pc:sldMk cId="0" sldId="274"/>
-            <ac:grpSpMk id="175" creationId="{79E4790B-9D76-4406-A346-36758CC95AAA}"/>
-          </ac:grpSpMkLst>
-        </pc:grpChg>
-        <pc:grpChg chg="add">
-          <ac:chgData name="Matt Carlson" userId="0e792f37f00095d9" providerId="LiveId" clId="{8DC949DC-8723-459A-93E0-F38992DC6CF5}" dt="2019-05-26T05:49:56.975" v="21"/>
-          <ac:grpSpMkLst>
-            <pc:docMk/>
-            <pc:sldMk cId="0" sldId="274"/>
-            <ac:grpSpMk id="178" creationId="{84FA9450-BAB7-4533-817B-E5C759EA8725}"/>
-          </ac:grpSpMkLst>
-        </pc:grpChg>
-        <pc:grpChg chg="add">
-          <ac:chgData name="Matt Carlson" userId="0e792f37f00095d9" providerId="LiveId" clId="{8DC949DC-8723-459A-93E0-F38992DC6CF5}" dt="2019-05-26T05:49:56.975" v="21"/>
-          <ac:grpSpMkLst>
-            <pc:docMk/>
-            <pc:sldMk cId="0" sldId="274"/>
-            <ac:grpSpMk id="181" creationId="{E6B74595-3CBF-48D5-A7E6-0C78137A4D84}"/>
-          </ac:grpSpMkLst>
-        </pc:grpChg>
-        <pc:grpChg chg="add">
-          <ac:chgData name="Matt Carlson" userId="0e792f37f00095d9" providerId="LiveId" clId="{8DC949DC-8723-459A-93E0-F38992DC6CF5}" dt="2019-05-26T05:49:56.975" v="21"/>
-          <ac:grpSpMkLst>
-            <pc:docMk/>
-            <pc:sldMk cId="0" sldId="274"/>
-            <ac:grpSpMk id="184" creationId="{359A6503-66E1-4262-B52C-1AA3783DEF63}"/>
-          </ac:grpSpMkLst>
-        </pc:grpChg>
-        <pc:grpChg chg="add">
-          <ac:chgData name="Matt Carlson" userId="0e792f37f00095d9" providerId="LiveId" clId="{8DC949DC-8723-459A-93E0-F38992DC6CF5}" dt="2019-05-26T05:49:56.975" v="21"/>
-          <ac:grpSpMkLst>
-            <pc:docMk/>
-            <pc:sldMk cId="0" sldId="274"/>
-            <ac:grpSpMk id="189" creationId="{ED1E0927-4A50-4C5B-8215-3FF70B6CECF6}"/>
-          </ac:grpSpMkLst>
-        </pc:grpChg>
-        <pc:grpChg chg="del">
-          <ac:chgData name="Matt Carlson" userId="0e792f37f00095d9" providerId="LiveId" clId="{8DC949DC-8723-459A-93E0-F38992DC6CF5}" dt="2019-05-26T05:49:42.609" v="19" actId="478"/>
-          <ac:grpSpMkLst>
-            <pc:docMk/>
-            <pc:sldMk cId="0" sldId="274"/>
-            <ac:grpSpMk id="3090" creationId="{00000000-0000-0000-0000-000000000000}"/>
-          </ac:grpSpMkLst>
-        </pc:grpChg>
-        <pc:grpChg chg="del">
-          <ac:chgData name="Matt Carlson" userId="0e792f37f00095d9" providerId="LiveId" clId="{8DC949DC-8723-459A-93E0-F38992DC6CF5}" dt="2019-05-26T05:49:42.609" v="19" actId="478"/>
-          <ac:grpSpMkLst>
-            <pc:docMk/>
-            <pc:sldMk cId="0" sldId="274"/>
-            <ac:grpSpMk id="3091" creationId="{00000000-0000-0000-0000-000000000000}"/>
-          </ac:grpSpMkLst>
-        </pc:grpChg>
-        <pc:grpChg chg="del">
-          <ac:chgData name="Matt Carlson" userId="0e792f37f00095d9" providerId="LiveId" clId="{8DC949DC-8723-459A-93E0-F38992DC6CF5}" dt="2019-05-26T05:49:42.609" v="19" actId="478"/>
-          <ac:grpSpMkLst>
-            <pc:docMk/>
-            <pc:sldMk cId="0" sldId="274"/>
-            <ac:grpSpMk id="3092" creationId="{00000000-0000-0000-0000-000000000000}"/>
-          </ac:grpSpMkLst>
-        </pc:grpChg>
-        <pc:grpChg chg="del">
-          <ac:chgData name="Matt Carlson" userId="0e792f37f00095d9" providerId="LiveId" clId="{8DC949DC-8723-459A-93E0-F38992DC6CF5}" dt="2019-05-26T05:49:42.609" v="19" actId="478"/>
-          <ac:grpSpMkLst>
-            <pc:docMk/>
-            <pc:sldMk cId="0" sldId="274"/>
-            <ac:grpSpMk id="3093" creationId="{00000000-0000-0000-0000-000000000000}"/>
-          </ac:grpSpMkLst>
-        </pc:grpChg>
-        <pc:grpChg chg="del">
-          <ac:chgData name="Matt Carlson" userId="0e792f37f00095d9" providerId="LiveId" clId="{8DC949DC-8723-459A-93E0-F38992DC6CF5}" dt="2019-05-26T05:49:42.609" v="19" actId="478"/>
-          <ac:grpSpMkLst>
-            <pc:docMk/>
-            <pc:sldMk cId="0" sldId="274"/>
-            <ac:grpSpMk id="3101" creationId="{00000000-0000-0000-0000-000000000000}"/>
-          </ac:grpSpMkLst>
-        </pc:grpChg>
-        <pc:grpChg chg="del">
-          <ac:chgData name="Matt Carlson" userId="0e792f37f00095d9" providerId="LiveId" clId="{8DC949DC-8723-459A-93E0-F38992DC6CF5}" dt="2019-05-26T05:49:42.609" v="19" actId="478"/>
-          <ac:grpSpMkLst>
-            <pc:docMk/>
-            <pc:sldMk cId="0" sldId="274"/>
-            <ac:grpSpMk id="3102" creationId="{00000000-0000-0000-0000-000000000000}"/>
-          </ac:grpSpMkLst>
-        </pc:grpChg>
-        <pc:grpChg chg="del">
-          <ac:chgData name="Matt Carlson" userId="0e792f37f00095d9" providerId="LiveId" clId="{8DC949DC-8723-459A-93E0-F38992DC6CF5}" dt="2019-05-26T05:49:42.609" v="19" actId="478"/>
-          <ac:grpSpMkLst>
-            <pc:docMk/>
-            <pc:sldMk cId="0" sldId="274"/>
-            <ac:grpSpMk id="3103" creationId="{00000000-0000-0000-0000-000000000000}"/>
-          </ac:grpSpMkLst>
-        </pc:grpChg>
-        <pc:grpChg chg="del">
-          <ac:chgData name="Matt Carlson" userId="0e792f37f00095d9" providerId="LiveId" clId="{8DC949DC-8723-459A-93E0-F38992DC6CF5}" dt="2019-05-26T05:49:42.609" v="19" actId="478"/>
-          <ac:grpSpMkLst>
-            <pc:docMk/>
-            <pc:sldMk cId="0" sldId="274"/>
-            <ac:grpSpMk id="3104" creationId="{00000000-0000-0000-0000-000000000000}"/>
-          </ac:grpSpMkLst>
-        </pc:grpChg>
-        <pc:grpChg chg="del">
-          <ac:chgData name="Matt Carlson" userId="0e792f37f00095d9" providerId="LiveId" clId="{8DC949DC-8723-459A-93E0-F38992DC6CF5}" dt="2019-05-26T05:49:42.609" v="19" actId="478"/>
-          <ac:grpSpMkLst>
-            <pc:docMk/>
-            <pc:sldMk cId="0" sldId="274"/>
-            <ac:grpSpMk id="3105" creationId="{00000000-0000-0000-0000-000000000000}"/>
-          </ac:grpSpMkLst>
-        </pc:grpChg>
-        <pc:grpChg chg="del">
-          <ac:chgData name="Matt Carlson" userId="0e792f37f00095d9" providerId="LiveId" clId="{8DC949DC-8723-459A-93E0-F38992DC6CF5}" dt="2019-05-26T05:49:42.609" v="19" actId="478"/>
-          <ac:grpSpMkLst>
-            <pc:docMk/>
-            <pc:sldMk cId="0" sldId="274"/>
-            <ac:grpSpMk id="3106" creationId="{00000000-0000-0000-0000-000000000000}"/>
-          </ac:grpSpMkLst>
-        </pc:grpChg>
-        <pc:grpChg chg="del">
-          <ac:chgData name="Matt Carlson" userId="0e792f37f00095d9" providerId="LiveId" clId="{8DC949DC-8723-459A-93E0-F38992DC6CF5}" dt="2019-05-26T05:49:42.609" v="19" actId="478"/>
-          <ac:grpSpMkLst>
-            <pc:docMk/>
-            <pc:sldMk cId="0" sldId="274"/>
-            <ac:grpSpMk id="3107" creationId="{00000000-0000-0000-0000-000000000000}"/>
-          </ac:grpSpMkLst>
-        </pc:grpChg>
-        <pc:grpChg chg="del">
-          <ac:chgData name="Matt Carlson" userId="0e792f37f00095d9" providerId="LiveId" clId="{8DC949DC-8723-459A-93E0-F38992DC6CF5}" dt="2019-05-26T05:49:42.609" v="19" actId="478"/>
-          <ac:grpSpMkLst>
-            <pc:docMk/>
-            <pc:sldMk cId="0" sldId="274"/>
-            <ac:grpSpMk id="3108" creationId="{00000000-0000-0000-0000-000000000000}"/>
-          </ac:grpSpMkLst>
-        </pc:grpChg>
-        <pc:grpChg chg="del">
-          <ac:chgData name="Matt Carlson" userId="0e792f37f00095d9" providerId="LiveId" clId="{8DC949DC-8723-459A-93E0-F38992DC6CF5}" dt="2019-05-26T05:49:42.609" v="19" actId="478"/>
-          <ac:grpSpMkLst>
-            <pc:docMk/>
-            <pc:sldMk cId="0" sldId="274"/>
-            <ac:grpSpMk id="3109" creationId="{00000000-0000-0000-0000-000000000000}"/>
-          </ac:grpSpMkLst>
-        </pc:grpChg>
-        <pc:grpChg chg="del">
-          <ac:chgData name="Matt Carlson" userId="0e792f37f00095d9" providerId="LiveId" clId="{8DC949DC-8723-459A-93E0-F38992DC6CF5}" dt="2019-05-26T05:49:42.609" v="19" actId="478"/>
-          <ac:grpSpMkLst>
-            <pc:docMk/>
-            <pc:sldMk cId="0" sldId="274"/>
-            <ac:grpSpMk id="3110" creationId="{00000000-0000-0000-0000-000000000000}"/>
-          </ac:grpSpMkLst>
-        </pc:grpChg>
-        <pc:grpChg chg="del">
-          <ac:chgData name="Matt Carlson" userId="0e792f37f00095d9" providerId="LiveId" clId="{8DC949DC-8723-459A-93E0-F38992DC6CF5}" dt="2019-05-26T05:49:42.609" v="19" actId="478"/>
-          <ac:grpSpMkLst>
-            <pc:docMk/>
-            <pc:sldMk cId="0" sldId="274"/>
-            <ac:grpSpMk id="3111" creationId="{00000000-0000-0000-0000-000000000000}"/>
-          </ac:grpSpMkLst>
-        </pc:grpChg>
         <pc:graphicFrameChg chg="mod modGraphic">
-          <ac:chgData name="Matt Carlson" userId="0e792f37f00095d9" providerId="LiveId" clId="{8DC949DC-8723-459A-93E0-F38992DC6CF5}" dt="2019-05-26T05:48:53.612" v="18"/>
+          <ac:chgData name="Matt Carlson" userId="0e792f37f00095d9" providerId="LiveId" clId="{57106D21-825D-4CE8-B8CD-90541349203C}" dt="2020-10-24T09:06:22.435" v="5" actId="6549"/>
           <ac:graphicFrameMkLst>
             <pc:docMk/>
             <pc:sldMk cId="0" sldId="274"/>
             <ac:graphicFrameMk id="110" creationId="{00000000-0000-0000-0000-000000000000}"/>
           </ac:graphicFrameMkLst>
         </pc:graphicFrameChg>
-        <pc:cxnChg chg="add">
-          <ac:chgData name="Matt Carlson" userId="0e792f37f00095d9" providerId="LiveId" clId="{8DC949DC-8723-459A-93E0-F38992DC6CF5}" dt="2019-05-26T05:49:56.975" v="21"/>
-          <ac:cxnSpMkLst>
+        <pc:picChg chg="del">
+          <ac:chgData name="Matt Carlson" userId="0e792f37f00095d9" providerId="LiveId" clId="{57106D21-825D-4CE8-B8CD-90541349203C}" dt="2020-10-24T09:05:57.137" v="0" actId="478"/>
+          <ac:picMkLst>
             <pc:docMk/>
             <pc:sldMk cId="0" sldId="274"/>
-            <ac:cxnSpMk id="93" creationId="{4CA13B8B-FBEE-4DA3-A2C2-BFEE77F343D1}"/>
-          </ac:cxnSpMkLst>
-        </pc:cxnChg>
-        <pc:cxnChg chg="add">
-          <ac:chgData name="Matt Carlson" userId="0e792f37f00095d9" providerId="LiveId" clId="{8DC949DC-8723-459A-93E0-F38992DC6CF5}" dt="2019-05-26T05:49:56.975" v="21"/>
-          <ac:cxnSpMkLst>
+            <ac:picMk id="2" creationId="{92BF1C95-0D7F-4BCD-89C6-094F59FF8EA8}"/>
+          </ac:picMkLst>
+        </pc:picChg>
+        <pc:picChg chg="del">
+          <ac:chgData name="Matt Carlson" userId="0e792f37f00095d9" providerId="LiveId" clId="{57106D21-825D-4CE8-B8CD-90541349203C}" dt="2020-10-24T09:05:57.137" v="0" actId="478"/>
+          <ac:picMkLst>
             <pc:docMk/>
             <pc:sldMk cId="0" sldId="274"/>
-            <ac:cxnSpMk id="98" creationId="{B022AECC-6754-452B-9826-962B405325A6}"/>
-          </ac:cxnSpMkLst>
-        </pc:cxnChg>
-        <pc:cxnChg chg="add">
-          <ac:chgData name="Matt Carlson" userId="0e792f37f00095d9" providerId="LiveId" clId="{8DC949DC-8723-459A-93E0-F38992DC6CF5}" dt="2019-05-26T05:49:56.975" v="21"/>
-          <ac:cxnSpMkLst>
+            <ac:picMk id="3" creationId="{9383CB45-2241-4F66-BB24-9A1FF6EBA2DE}"/>
+          </ac:picMkLst>
+        </pc:picChg>
+        <pc:picChg chg="add del">
+          <ac:chgData name="Matt Carlson" userId="0e792f37f00095d9" providerId="LiveId" clId="{57106D21-825D-4CE8-B8CD-90541349203C}" dt="2020-10-24T09:06:10.921" v="2" actId="478"/>
+          <ac:picMkLst>
             <pc:docMk/>
             <pc:sldMk cId="0" sldId="274"/>
-            <ac:cxnSpMk id="135" creationId="{B731693E-57F4-475D-804A-020F165BEB8A}"/>
-          </ac:cxnSpMkLst>
-        </pc:cxnChg>
-        <pc:cxnChg chg="del">
-          <ac:chgData name="Matt Carlson" userId="0e792f37f00095d9" providerId="LiveId" clId="{8DC949DC-8723-459A-93E0-F38992DC6CF5}" dt="2019-05-26T05:49:55.744" v="20" actId="478"/>
-          <ac:cxnSpMkLst>
+            <ac:picMk id="7" creationId="{8B4DD275-CF19-4143-BE2F-8268FEA0902A}"/>
+          </ac:picMkLst>
+        </pc:picChg>
+        <pc:picChg chg="add del">
+          <ac:chgData name="Matt Carlson" userId="0e792f37f00095d9" providerId="LiveId" clId="{57106D21-825D-4CE8-B8CD-90541349203C}" dt="2020-10-24T09:06:10.921" v="2" actId="478"/>
+          <ac:picMkLst>
             <pc:docMk/>
             <pc:sldMk cId="0" sldId="274"/>
-            <ac:cxnSpMk id="143" creationId="{00000000-0000-0000-0000-000000000000}"/>
-          </ac:cxnSpMkLst>
-        </pc:cxnChg>
-        <pc:cxnChg chg="del">
-          <ac:chgData name="Matt Carlson" userId="0e792f37f00095d9" providerId="LiveId" clId="{8DC949DC-8723-459A-93E0-F38992DC6CF5}" dt="2019-05-26T05:49:42.609" v="19" actId="478"/>
-          <ac:cxnSpMkLst>
+            <ac:picMk id="8" creationId="{AAA47AF3-2596-4312-82FC-72F9B0ADA44B}"/>
+          </ac:picMkLst>
+        </pc:picChg>
+        <pc:picChg chg="add">
+          <ac:chgData name="Matt Carlson" userId="0e792f37f00095d9" providerId="LiveId" clId="{57106D21-825D-4CE8-B8CD-90541349203C}" dt="2020-10-24T09:06:12.128" v="3" actId="22"/>
+          <ac:picMkLst>
             <pc:docMk/>
             <pc:sldMk cId="0" sldId="274"/>
-            <ac:cxnSpMk id="144" creationId="{00000000-0000-0000-0000-000000000000}"/>
-          </ac:cxnSpMkLst>
-        </pc:cxnChg>
-        <pc:cxnChg chg="del">
-          <ac:chgData name="Matt Carlson" userId="0e792f37f00095d9" providerId="LiveId" clId="{8DC949DC-8723-459A-93E0-F38992DC6CF5}" dt="2019-05-26T05:49:55.744" v="20" actId="478"/>
-          <ac:cxnSpMkLst>
+            <ac:picMk id="9" creationId="{C978B57E-D6A4-4309-9D76-FD8E92E8DBD0}"/>
+          </ac:picMkLst>
+        </pc:picChg>
+        <pc:picChg chg="add">
+          <ac:chgData name="Matt Carlson" userId="0e792f37f00095d9" providerId="LiveId" clId="{57106D21-825D-4CE8-B8CD-90541349203C}" dt="2020-10-24T09:06:12.128" v="3" actId="22"/>
+          <ac:picMkLst>
             <pc:docMk/>
             <pc:sldMk cId="0" sldId="274"/>
-            <ac:cxnSpMk id="145" creationId="{00000000-0000-0000-0000-000000000000}"/>
-          </ac:cxnSpMkLst>
-        </pc:cxnChg>
-        <pc:cxnChg chg="del">
-          <ac:chgData name="Matt Carlson" userId="0e792f37f00095d9" providerId="LiveId" clId="{8DC949DC-8723-459A-93E0-F38992DC6CF5}" dt="2019-05-26T05:49:55.744" v="20" actId="478"/>
-          <ac:cxnSpMkLst>
+            <ac:picMk id="10" creationId="{83C47FB0-438F-4FC9-A80A-C79FDE8E08F9}"/>
+          </ac:picMkLst>
+        </pc:picChg>
+        <pc:picChg chg="add">
+          <ac:chgData name="Matt Carlson" userId="0e792f37f00095d9" providerId="LiveId" clId="{57106D21-825D-4CE8-B8CD-90541349203C}" dt="2020-10-24T09:06:12.128" v="3" actId="22"/>
+          <ac:picMkLst>
             <pc:docMk/>
             <pc:sldMk cId="0" sldId="274"/>
-            <ac:cxnSpMk id="146" creationId="{00000000-0000-0000-0000-000000000000}"/>
-          </ac:cxnSpMkLst>
-        </pc:cxnChg>
-        <pc:cxnChg chg="add">
-          <ac:chgData name="Matt Carlson" userId="0e792f37f00095d9" providerId="LiveId" clId="{8DC949DC-8723-459A-93E0-F38992DC6CF5}" dt="2019-05-26T05:49:56.975" v="21"/>
-          <ac:cxnSpMkLst>
+            <ac:picMk id="11" creationId="{0C125D95-4E12-4DA8-BF5D-6768862CDDBE}"/>
+          </ac:picMkLst>
+        </pc:picChg>
+        <pc:picChg chg="add">
+          <ac:chgData name="Matt Carlson" userId="0e792f37f00095d9" providerId="LiveId" clId="{57106D21-825D-4CE8-B8CD-90541349203C}" dt="2020-10-24T09:06:12.128" v="3" actId="22"/>
+          <ac:picMkLst>
             <pc:docMk/>
             <pc:sldMk cId="0" sldId="274"/>
-            <ac:cxnSpMk id="154" creationId="{9EECBF10-222B-4ADA-BA36-7E6717419433}"/>
-          </ac:cxnSpMkLst>
-        </pc:cxnChg>
-        <pc:cxnChg chg="add">
-          <ac:chgData name="Matt Carlson" userId="0e792f37f00095d9" providerId="LiveId" clId="{8DC949DC-8723-459A-93E0-F38992DC6CF5}" dt="2019-05-26T05:49:56.975" v="21"/>
-          <ac:cxnSpMkLst>
-            <pc:docMk/>
-            <pc:sldMk cId="0" sldId="274"/>
-            <ac:cxnSpMk id="159" creationId="{51ED4D8B-6D94-4D6C-A96D-88913AF4C883}"/>
-          </ac:cxnSpMkLst>
-        </pc:cxnChg>
-        <pc:cxnChg chg="add">
-          <ac:chgData name="Matt Carlson" userId="0e792f37f00095d9" providerId="LiveId" clId="{8DC949DC-8723-459A-93E0-F38992DC6CF5}" dt="2019-05-26T05:49:56.975" v="21"/>
-          <ac:cxnSpMkLst>
-            <pc:docMk/>
-            <pc:sldMk cId="0" sldId="274"/>
-            <ac:cxnSpMk id="169" creationId="{04D30676-D9A3-41EB-AE2C-3D16CA412107}"/>
-          </ac:cxnSpMkLst>
-        </pc:cxnChg>
-        <pc:cxnChg chg="add">
-          <ac:chgData name="Matt Carlson" userId="0e792f37f00095d9" providerId="LiveId" clId="{8DC949DC-8723-459A-93E0-F38992DC6CF5}" dt="2019-05-26T05:49:56.975" v="21"/>
-          <ac:cxnSpMkLst>
-            <pc:docMk/>
-            <pc:sldMk cId="0" sldId="274"/>
-            <ac:cxnSpMk id="170" creationId="{E7DB753B-40A9-4C8C-9304-C858FB1A8325}"/>
-          </ac:cxnSpMkLst>
-        </pc:cxnChg>
-        <pc:cxnChg chg="add">
-          <ac:chgData name="Matt Carlson" userId="0e792f37f00095d9" providerId="LiveId" clId="{8DC949DC-8723-459A-93E0-F38992DC6CF5}" dt="2019-05-26T05:49:56.975" v="21"/>
-          <ac:cxnSpMkLst>
-            <pc:docMk/>
-            <pc:sldMk cId="0" sldId="274"/>
-            <ac:cxnSpMk id="188" creationId="{8C0264D6-1235-4CE6-9B44-00C2431614F8}"/>
-          </ac:cxnSpMkLst>
-        </pc:cxnChg>
+            <ac:picMk id="12" creationId="{0342F02F-936B-46D4-A3E8-53B1DC59F87F}"/>
+          </ac:picMkLst>
+        </pc:picChg>
       </pc:sldChg>
-      <pc:sldChg chg="addSp modSp">
-        <pc:chgData name="Matt Carlson" userId="0e792f37f00095d9" providerId="LiveId" clId="{8DC949DC-8723-459A-93E0-F38992DC6CF5}" dt="2019-05-26T05:50:36.707" v="27" actId="1076"/>
+    </pc:docChg>
+  </pc:docChgLst>
+  <pc:docChgLst>
+    <pc:chgData name="Matt Carlson" userId="0e792f37f00095d9" providerId="LiveId" clId="{560E01DB-C0ED-43C1-8B3A-367CBEC07B1F}"/>
+    <pc:docChg chg="undo redo custSel addSld delSld modSld">
+      <pc:chgData name="Matt Carlson" userId="0e792f37f00095d9" providerId="LiveId" clId="{560E01DB-C0ED-43C1-8B3A-367CBEC07B1F}" dt="2020-10-24T10:19:53.775" v="343" actId="1076"/>
+      <pc:docMkLst>
+        <pc:docMk/>
+      </pc:docMkLst>
+      <pc:sldChg chg="del">
+        <pc:chgData name="Matt Carlson" userId="0e792f37f00095d9" providerId="LiveId" clId="{560E01DB-C0ED-43C1-8B3A-367CBEC07B1F}" dt="2020-10-24T10:18:53.908" v="335" actId="47"/>
+        <pc:sldMkLst>
+          <pc:docMk/>
+          <pc:sldMk cId="0" sldId="274"/>
+        </pc:sldMkLst>
+      </pc:sldChg>
+      <pc:sldChg chg="del">
+        <pc:chgData name="Matt Carlson" userId="0e792f37f00095d9" providerId="LiveId" clId="{560E01DB-C0ED-43C1-8B3A-367CBEC07B1F}" dt="2020-10-24T10:18:51.287" v="334" actId="47"/>
+        <pc:sldMkLst>
+          <pc:docMk/>
+          <pc:sldMk cId="0" sldId="275"/>
+        </pc:sldMkLst>
+      </pc:sldChg>
+      <pc:sldChg chg="del">
+        <pc:chgData name="Matt Carlson" userId="0e792f37f00095d9" providerId="LiveId" clId="{560E01DB-C0ED-43C1-8B3A-367CBEC07B1F}" dt="2020-10-24T10:18:51.287" v="334" actId="47"/>
+        <pc:sldMkLst>
+          <pc:docMk/>
+          <pc:sldMk cId="0" sldId="276"/>
+        </pc:sldMkLst>
+      </pc:sldChg>
+      <pc:sldChg chg="del">
+        <pc:chgData name="Matt Carlson" userId="0e792f37f00095d9" providerId="LiveId" clId="{560E01DB-C0ED-43C1-8B3A-367CBEC07B1F}" dt="2020-10-24T10:18:51.287" v="334" actId="47"/>
         <pc:sldMkLst>
           <pc:docMk/>
           <pc:sldMk cId="0" sldId="279"/>
         </pc:sldMkLst>
+      </pc:sldChg>
+      <pc:sldChg chg="del">
+        <pc:chgData name="Matt Carlson" userId="0e792f37f00095d9" providerId="LiveId" clId="{560E01DB-C0ED-43C1-8B3A-367CBEC07B1F}" dt="2020-10-24T10:18:51.287" v="334" actId="47"/>
+        <pc:sldMkLst>
+          <pc:docMk/>
+          <pc:sldMk cId="0" sldId="280"/>
+        </pc:sldMkLst>
+      </pc:sldChg>
+      <pc:sldChg chg="del">
+        <pc:chgData name="Matt Carlson" userId="0e792f37f00095d9" providerId="LiveId" clId="{560E01DB-C0ED-43C1-8B3A-367CBEC07B1F}" dt="2020-10-24T10:18:51.287" v="334" actId="47"/>
+        <pc:sldMkLst>
+          <pc:docMk/>
+          <pc:sldMk cId="0" sldId="281"/>
+        </pc:sldMkLst>
+      </pc:sldChg>
+      <pc:sldChg chg="addSp delSp modSp add mod setBg">
+        <pc:chgData name="Matt Carlson" userId="0e792f37f00095d9" providerId="LiveId" clId="{560E01DB-C0ED-43C1-8B3A-367CBEC07B1F}" dt="2020-10-24T10:19:53.775" v="343" actId="1076"/>
+        <pc:sldMkLst>
+          <pc:docMk/>
+          <pc:sldMk cId="4001422911" sldId="282"/>
+        </pc:sldMkLst>
+        <pc:spChg chg="add mod">
+          <ac:chgData name="Matt Carlson" userId="0e792f37f00095d9" providerId="LiveId" clId="{560E01DB-C0ED-43C1-8B3A-367CBEC07B1F}" dt="2020-10-24T09:23:00.843" v="64" actId="1076"/>
+          <ac:spMkLst>
+            <pc:docMk/>
+            <pc:sldMk cId="4001422911" sldId="282"/>
+            <ac:spMk id="2" creationId="{DE952C0D-DFD1-4DA1-8786-BA29CB3446BB}"/>
+          </ac:spMkLst>
+        </pc:spChg>
+        <pc:spChg chg="add mod">
+          <ac:chgData name="Matt Carlson" userId="0e792f37f00095d9" providerId="LiveId" clId="{560E01DB-C0ED-43C1-8B3A-367CBEC07B1F}" dt="2020-10-24T09:44:29.459" v="173" actId="14100"/>
+          <ac:spMkLst>
+            <pc:docMk/>
+            <pc:sldMk cId="4001422911" sldId="282"/>
+            <ac:spMk id="3" creationId="{6E6173D4-CB84-4BDB-9451-DCFD572A1CE5}"/>
+          </ac:spMkLst>
+        </pc:spChg>
+        <pc:spChg chg="del">
+          <ac:chgData name="Matt Carlson" userId="0e792f37f00095d9" providerId="LiveId" clId="{560E01DB-C0ED-43C1-8B3A-367CBEC07B1F}" dt="2020-10-24T09:11:40.623" v="1" actId="478"/>
+          <ac:spMkLst>
+            <pc:docMk/>
+            <pc:sldMk cId="4001422911" sldId="282"/>
+            <ac:spMk id="4" creationId="{FE9D3208-5A09-41A6-9159-CAB01028C533}"/>
+          </ac:spMkLst>
+        </pc:spChg>
+        <pc:spChg chg="del">
+          <ac:chgData name="Matt Carlson" userId="0e792f37f00095d9" providerId="LiveId" clId="{560E01DB-C0ED-43C1-8B3A-367CBEC07B1F}" dt="2020-10-24T09:11:40.623" v="1" actId="478"/>
+          <ac:spMkLst>
+            <pc:docMk/>
+            <pc:sldMk cId="4001422911" sldId="282"/>
+            <ac:spMk id="5" creationId="{CA2C4368-286F-4D65-9079-5F932E7AAC2E}"/>
+          </ac:spMkLst>
+        </pc:spChg>
+        <pc:spChg chg="del">
+          <ac:chgData name="Matt Carlson" userId="0e792f37f00095d9" providerId="LiveId" clId="{560E01DB-C0ED-43C1-8B3A-367CBEC07B1F}" dt="2020-10-24T09:11:40.623" v="1" actId="478"/>
+          <ac:spMkLst>
+            <pc:docMk/>
+            <pc:sldMk cId="4001422911" sldId="282"/>
+            <ac:spMk id="6" creationId="{B0BCD061-8C2B-4C1A-981C-AEC64F61EC79}"/>
+          </ac:spMkLst>
+        </pc:spChg>
+        <pc:spChg chg="add mod ord">
+          <ac:chgData name="Matt Carlson" userId="0e792f37f00095d9" providerId="LiveId" clId="{560E01DB-C0ED-43C1-8B3A-367CBEC07B1F}" dt="2020-10-24T09:22:14.427" v="59" actId="14100"/>
+          <ac:spMkLst>
+            <pc:docMk/>
+            <pc:sldMk cId="4001422911" sldId="282"/>
+            <ac:spMk id="14" creationId="{79F2B15D-46C3-412E-84D3-79E7D9455B7F}"/>
+          </ac:spMkLst>
+        </pc:spChg>
+        <pc:spChg chg="del">
+          <ac:chgData name="Matt Carlson" userId="0e792f37f00095d9" providerId="LiveId" clId="{560E01DB-C0ED-43C1-8B3A-367CBEC07B1F}" dt="2020-10-24T09:11:40.623" v="1" actId="478"/>
+          <ac:spMkLst>
+            <pc:docMk/>
+            <pc:sldMk cId="4001422911" sldId="282"/>
+            <ac:spMk id="19" creationId="{16F48128-CC0C-49CE-9F73-5765C5C406D8}"/>
+          </ac:spMkLst>
+        </pc:spChg>
+        <pc:spChg chg="del">
+          <ac:chgData name="Matt Carlson" userId="0e792f37f00095d9" providerId="LiveId" clId="{560E01DB-C0ED-43C1-8B3A-367CBEC07B1F}" dt="2020-10-24T09:11:40.623" v="1" actId="478"/>
+          <ac:spMkLst>
+            <pc:docMk/>
+            <pc:sldMk cId="4001422911" sldId="282"/>
+            <ac:spMk id="20" creationId="{43D54E13-A055-4294-81C0-C191A44186A5}"/>
+          </ac:spMkLst>
+        </pc:spChg>
+        <pc:spChg chg="del">
+          <ac:chgData name="Matt Carlson" userId="0e792f37f00095d9" providerId="LiveId" clId="{560E01DB-C0ED-43C1-8B3A-367CBEC07B1F}" dt="2020-10-24T09:11:40.623" v="1" actId="478"/>
+          <ac:spMkLst>
+            <pc:docMk/>
+            <pc:sldMk cId="4001422911" sldId="282"/>
+            <ac:spMk id="21" creationId="{A23BAFBD-B86E-4A39-B9BE-9BFAD6EB5047}"/>
+          </ac:spMkLst>
+        </pc:spChg>
+        <pc:spChg chg="del">
+          <ac:chgData name="Matt Carlson" userId="0e792f37f00095d9" providerId="LiveId" clId="{560E01DB-C0ED-43C1-8B3A-367CBEC07B1F}" dt="2020-10-24T09:11:40.623" v="1" actId="478"/>
+          <ac:spMkLst>
+            <pc:docMk/>
+            <pc:sldMk cId="4001422911" sldId="282"/>
+            <ac:spMk id="22" creationId="{019780B0-1801-4F00-9982-9D046A337DF7}"/>
+          </ac:spMkLst>
+        </pc:spChg>
+        <pc:spChg chg="del">
+          <ac:chgData name="Matt Carlson" userId="0e792f37f00095d9" providerId="LiveId" clId="{560E01DB-C0ED-43C1-8B3A-367CBEC07B1F}" dt="2020-10-24T09:11:40.623" v="1" actId="478"/>
+          <ac:spMkLst>
+            <pc:docMk/>
+            <pc:sldMk cId="4001422911" sldId="282"/>
+            <ac:spMk id="23" creationId="{C31F158A-4D8D-4313-9E42-EA397829CFC2}"/>
+          </ac:spMkLst>
+        </pc:spChg>
+        <pc:spChg chg="del">
+          <ac:chgData name="Matt Carlson" userId="0e792f37f00095d9" providerId="LiveId" clId="{560E01DB-C0ED-43C1-8B3A-367CBEC07B1F}" dt="2020-10-24T09:11:40.623" v="1" actId="478"/>
+          <ac:spMkLst>
+            <pc:docMk/>
+            <pc:sldMk cId="4001422911" sldId="282"/>
+            <ac:spMk id="24" creationId="{443BF047-8799-4564-9703-1521F23B3703}"/>
+          </ac:spMkLst>
+        </pc:spChg>
+        <pc:spChg chg="add mod">
+          <ac:chgData name="Matt Carlson" userId="0e792f37f00095d9" providerId="LiveId" clId="{560E01DB-C0ED-43C1-8B3A-367CBEC07B1F}" dt="2020-10-24T09:27:20.992" v="129" actId="14100"/>
+          <ac:spMkLst>
+            <pc:docMk/>
+            <pc:sldMk cId="4001422911" sldId="282"/>
+            <ac:spMk id="29" creationId="{E94C9492-A160-4BBB-8F61-7D58D20FFBE2}"/>
+          </ac:spMkLst>
+        </pc:spChg>
+        <pc:spChg chg="add mod">
+          <ac:chgData name="Matt Carlson" userId="0e792f37f00095d9" providerId="LiveId" clId="{560E01DB-C0ED-43C1-8B3A-367CBEC07B1F}" dt="2020-10-24T09:37:09.011" v="162" actId="14100"/>
+          <ac:spMkLst>
+            <pc:docMk/>
+            <pc:sldMk cId="4001422911" sldId="282"/>
+            <ac:spMk id="30" creationId="{9335D1B3-D07A-4003-887C-CE5A6D344C86}"/>
+          </ac:spMkLst>
+        </pc:spChg>
+        <pc:spChg chg="add mod ord">
+          <ac:chgData name="Matt Carlson" userId="0e792f37f00095d9" providerId="LiveId" clId="{560E01DB-C0ED-43C1-8B3A-367CBEC07B1F}" dt="2020-10-24T09:29:37.645" v="151" actId="166"/>
+          <ac:spMkLst>
+            <pc:docMk/>
+            <pc:sldMk cId="4001422911" sldId="282"/>
+            <ac:spMk id="33" creationId="{818158D0-A88B-436D-8FEB-68F24F43F38D}"/>
+          </ac:spMkLst>
+        </pc:spChg>
+        <pc:spChg chg="add mod">
+          <ac:chgData name="Matt Carlson" userId="0e792f37f00095d9" providerId="LiveId" clId="{560E01DB-C0ED-43C1-8B3A-367CBEC07B1F}" dt="2020-10-24T10:05:59.094" v="210" actId="14100"/>
+          <ac:spMkLst>
+            <pc:docMk/>
+            <pc:sldMk cId="4001422911" sldId="282"/>
+            <ac:spMk id="35" creationId="{C2924160-6DF0-4D23-A51D-BD43CB48155B}"/>
+          </ac:spMkLst>
+        </pc:spChg>
+        <pc:spChg chg="add del">
+          <ac:chgData name="Matt Carlson" userId="0e792f37f00095d9" providerId="LiveId" clId="{560E01DB-C0ED-43C1-8B3A-367CBEC07B1F}" dt="2020-10-24T10:12:17.175" v="232" actId="22"/>
+          <ac:spMkLst>
+            <pc:docMk/>
+            <pc:sldMk cId="4001422911" sldId="282"/>
+            <ac:spMk id="42" creationId="{CFE26990-778A-4907-B7B3-22BCCC88B68B}"/>
+          </ac:spMkLst>
+        </pc:spChg>
+        <pc:spChg chg="add mod">
+          <ac:chgData name="Matt Carlson" userId="0e792f37f00095d9" providerId="LiveId" clId="{560E01DB-C0ED-43C1-8B3A-367CBEC07B1F}" dt="2020-10-24T10:12:26.182" v="235" actId="14100"/>
+          <ac:spMkLst>
+            <pc:docMk/>
+            <pc:sldMk cId="4001422911" sldId="282"/>
+            <ac:spMk id="43" creationId="{B17B5E3B-DBFE-40B7-A32F-E2800106AC15}"/>
+          </ac:spMkLst>
+        </pc:spChg>
+        <pc:spChg chg="mod">
+          <ac:chgData name="Matt Carlson" userId="0e792f37f00095d9" providerId="LiveId" clId="{560E01DB-C0ED-43C1-8B3A-367CBEC07B1F}" dt="2020-10-24T09:11:57.907" v="3"/>
+          <ac:spMkLst>
+            <pc:docMk/>
+            <pc:sldMk cId="4001422911" sldId="282"/>
+            <ac:spMk id="93" creationId="{D0D2CAB3-1EB5-4B94-A36D-2E6C29AB7C3A}"/>
+          </ac:spMkLst>
+        </pc:spChg>
+        <pc:spChg chg="mod">
+          <ac:chgData name="Matt Carlson" userId="0e792f37f00095d9" providerId="LiveId" clId="{560E01DB-C0ED-43C1-8B3A-367CBEC07B1F}" dt="2020-10-24T09:49:30.522" v="184" actId="1076"/>
+          <ac:spMkLst>
+            <pc:docMk/>
+            <pc:sldMk cId="4001422911" sldId="282"/>
+            <ac:spMk id="94" creationId="{817242DE-9C63-4F85-B837-7102ECD1F436}"/>
+          </ac:spMkLst>
+        </pc:spChg>
+        <pc:spChg chg="del mod">
+          <ac:chgData name="Matt Carlson" userId="0e792f37f00095d9" providerId="LiveId" clId="{560E01DB-C0ED-43C1-8B3A-367CBEC07B1F}" dt="2020-10-24T09:12:02.531" v="5" actId="478"/>
+          <ac:spMkLst>
+            <pc:docMk/>
+            <pc:sldMk cId="4001422911" sldId="282"/>
+            <ac:spMk id="95" creationId="{4892A176-F4A0-4505-990B-DBBA86ED492B}"/>
+          </ac:spMkLst>
+        </pc:spChg>
+        <pc:spChg chg="mod">
+          <ac:chgData name="Matt Carlson" userId="0e792f37f00095d9" providerId="LiveId" clId="{560E01DB-C0ED-43C1-8B3A-367CBEC07B1F}" dt="2020-10-24T09:24:19.032" v="76" actId="1076"/>
+          <ac:spMkLst>
+            <pc:docMk/>
+            <pc:sldMk cId="4001422911" sldId="282"/>
+            <ac:spMk id="101" creationId="{B71B2836-F314-4728-9B85-71C8AB900249}"/>
+          </ac:spMkLst>
+        </pc:spChg>
+        <pc:spChg chg="mod">
+          <ac:chgData name="Matt Carlson" userId="0e792f37f00095d9" providerId="LiveId" clId="{560E01DB-C0ED-43C1-8B3A-367CBEC07B1F}" dt="2020-10-24T09:24:19.032" v="76" actId="1076"/>
+          <ac:spMkLst>
+            <pc:docMk/>
+            <pc:sldMk cId="4001422911" sldId="282"/>
+            <ac:spMk id="102" creationId="{470BF240-99BA-4712-B3EF-541FACFED05E}"/>
+          </ac:spMkLst>
+        </pc:spChg>
+        <pc:spChg chg="mod">
+          <ac:chgData name="Matt Carlson" userId="0e792f37f00095d9" providerId="LiveId" clId="{560E01DB-C0ED-43C1-8B3A-367CBEC07B1F}" dt="2020-10-24T09:24:19.032" v="76" actId="1076"/>
+          <ac:spMkLst>
+            <pc:docMk/>
+            <pc:sldMk cId="4001422911" sldId="282"/>
+            <ac:spMk id="103" creationId="{E430A21D-0E8C-4CD6-9538-1F753DB45035}"/>
+          </ac:spMkLst>
+        </pc:spChg>
+        <pc:spChg chg="mod">
+          <ac:chgData name="Matt Carlson" userId="0e792f37f00095d9" providerId="LiveId" clId="{560E01DB-C0ED-43C1-8B3A-367CBEC07B1F}" dt="2020-10-24T09:24:19.032" v="76" actId="1076"/>
+          <ac:spMkLst>
+            <pc:docMk/>
+            <pc:sldMk cId="4001422911" sldId="282"/>
+            <ac:spMk id="104" creationId="{6FED5BCF-06A8-468C-BB85-7D8A10D5EC27}"/>
+          </ac:spMkLst>
+        </pc:spChg>
+        <pc:spChg chg="mod">
+          <ac:chgData name="Matt Carlson" userId="0e792f37f00095d9" providerId="LiveId" clId="{560E01DB-C0ED-43C1-8B3A-367CBEC07B1F}" dt="2020-10-24T09:24:19.032" v="76" actId="1076"/>
+          <ac:spMkLst>
+            <pc:docMk/>
+            <pc:sldMk cId="4001422911" sldId="282"/>
+            <ac:spMk id="105" creationId="{FD6421A9-7B99-4F41-B5E3-491C3064A8FA}"/>
+          </ac:spMkLst>
+        </pc:spChg>
+        <pc:spChg chg="mod">
+          <ac:chgData name="Matt Carlson" userId="0e792f37f00095d9" providerId="LiveId" clId="{560E01DB-C0ED-43C1-8B3A-367CBEC07B1F}" dt="2020-10-24T09:24:19.032" v="76" actId="1076"/>
+          <ac:spMkLst>
+            <pc:docMk/>
+            <pc:sldMk cId="4001422911" sldId="282"/>
+            <ac:spMk id="106" creationId="{D5F276DA-7E02-4ED6-9019-AA98E385A0FE}"/>
+          </ac:spMkLst>
+        </pc:spChg>
+        <pc:spChg chg="mod">
+          <ac:chgData name="Matt Carlson" userId="0e792f37f00095d9" providerId="LiveId" clId="{560E01DB-C0ED-43C1-8B3A-367CBEC07B1F}" dt="2020-10-24T09:24:19.032" v="76" actId="1076"/>
+          <ac:spMkLst>
+            <pc:docMk/>
+            <pc:sldMk cId="4001422911" sldId="282"/>
+            <ac:spMk id="107" creationId="{E77142C6-BCA8-409E-B111-D89BF8C619B1}"/>
+          </ac:spMkLst>
+        </pc:spChg>
+        <pc:spChg chg="mod">
+          <ac:chgData name="Matt Carlson" userId="0e792f37f00095d9" providerId="LiveId" clId="{560E01DB-C0ED-43C1-8B3A-367CBEC07B1F}" dt="2020-10-24T09:24:19.032" v="76" actId="1076"/>
+          <ac:spMkLst>
+            <pc:docMk/>
+            <pc:sldMk cId="4001422911" sldId="282"/>
+            <ac:spMk id="109" creationId="{332EC314-FF05-427C-A02A-646385E20E52}"/>
+          </ac:spMkLst>
+        </pc:spChg>
+        <pc:spChg chg="mod">
+          <ac:chgData name="Matt Carlson" userId="0e792f37f00095d9" providerId="LiveId" clId="{560E01DB-C0ED-43C1-8B3A-367CBEC07B1F}" dt="2020-10-24T09:24:19.032" v="76" actId="1076"/>
+          <ac:spMkLst>
+            <pc:docMk/>
+            <pc:sldMk cId="4001422911" sldId="282"/>
+            <ac:spMk id="111" creationId="{0D41362A-B179-4AFF-A1CC-27A68E5F2F2F}"/>
+          </ac:spMkLst>
+        </pc:spChg>
+        <pc:spChg chg="mod">
+          <ac:chgData name="Matt Carlson" userId="0e792f37f00095d9" providerId="LiveId" clId="{560E01DB-C0ED-43C1-8B3A-367CBEC07B1F}" dt="2020-10-24T09:24:19.032" v="76" actId="1076"/>
+          <ac:spMkLst>
+            <pc:docMk/>
+            <pc:sldMk cId="4001422911" sldId="282"/>
+            <ac:spMk id="112" creationId="{05A37B09-0D64-41F5-AADB-5F3B705AFF04}"/>
+          </ac:spMkLst>
+        </pc:spChg>
+        <pc:spChg chg="mod">
+          <ac:chgData name="Matt Carlson" userId="0e792f37f00095d9" providerId="LiveId" clId="{560E01DB-C0ED-43C1-8B3A-367CBEC07B1F}" dt="2020-10-24T09:24:19.032" v="76" actId="1076"/>
+          <ac:spMkLst>
+            <pc:docMk/>
+            <pc:sldMk cId="4001422911" sldId="282"/>
+            <ac:spMk id="113" creationId="{9A48B359-B769-49E1-9646-D5215EAF4073}"/>
+          </ac:spMkLst>
+        </pc:spChg>
+        <pc:spChg chg="mod">
+          <ac:chgData name="Matt Carlson" userId="0e792f37f00095d9" providerId="LiveId" clId="{560E01DB-C0ED-43C1-8B3A-367CBEC07B1F}" dt="2020-10-24T09:24:19.032" v="76" actId="1076"/>
+          <ac:spMkLst>
+            <pc:docMk/>
+            <pc:sldMk cId="4001422911" sldId="282"/>
+            <ac:spMk id="114" creationId="{116FA8BA-0D76-4428-B5E2-72EB19711B36}"/>
+          </ac:spMkLst>
+        </pc:spChg>
+        <pc:spChg chg="mod">
+          <ac:chgData name="Matt Carlson" userId="0e792f37f00095d9" providerId="LiveId" clId="{560E01DB-C0ED-43C1-8B3A-367CBEC07B1F}" dt="2020-10-24T09:24:19.032" v="76" actId="1076"/>
+          <ac:spMkLst>
+            <pc:docMk/>
+            <pc:sldMk cId="4001422911" sldId="282"/>
+            <ac:spMk id="115" creationId="{7990F653-0C4E-419D-B04F-E7779A2F4B44}"/>
+          </ac:spMkLst>
+        </pc:spChg>
+        <pc:spChg chg="mod">
+          <ac:chgData name="Matt Carlson" userId="0e792f37f00095d9" providerId="LiveId" clId="{560E01DB-C0ED-43C1-8B3A-367CBEC07B1F}" dt="2020-10-24T09:24:19.032" v="76" actId="1076"/>
+          <ac:spMkLst>
+            <pc:docMk/>
+            <pc:sldMk cId="4001422911" sldId="282"/>
+            <ac:spMk id="116" creationId="{AF61A6FA-1A7C-4424-9339-BE18DF8FE15B}"/>
+          </ac:spMkLst>
+        </pc:spChg>
+        <pc:spChg chg="mod">
+          <ac:chgData name="Matt Carlson" userId="0e792f37f00095d9" providerId="LiveId" clId="{560E01DB-C0ED-43C1-8B3A-367CBEC07B1F}" dt="2020-10-24T09:24:19.032" v="76" actId="1076"/>
+          <ac:spMkLst>
+            <pc:docMk/>
+            <pc:sldMk cId="4001422911" sldId="282"/>
+            <ac:spMk id="118" creationId="{7A7F64DA-76C9-4478-8B50-5F983D83C19A}"/>
+          </ac:spMkLst>
+        </pc:spChg>
+        <pc:spChg chg="mod">
+          <ac:chgData name="Matt Carlson" userId="0e792f37f00095d9" providerId="LiveId" clId="{560E01DB-C0ED-43C1-8B3A-367CBEC07B1F}" dt="2020-10-24T09:24:19.032" v="76" actId="1076"/>
+          <ac:spMkLst>
+            <pc:docMk/>
+            <pc:sldMk cId="4001422911" sldId="282"/>
+            <ac:spMk id="119" creationId="{30BF1274-F16A-4548-B5BB-D1CBDD528AE7}"/>
+          </ac:spMkLst>
+        </pc:spChg>
+        <pc:spChg chg="mod">
+          <ac:chgData name="Matt Carlson" userId="0e792f37f00095d9" providerId="LiveId" clId="{560E01DB-C0ED-43C1-8B3A-367CBEC07B1F}" dt="2020-10-24T09:24:19.032" v="76" actId="1076"/>
+          <ac:spMkLst>
+            <pc:docMk/>
+            <pc:sldMk cId="4001422911" sldId="282"/>
+            <ac:spMk id="120" creationId="{6F533449-5D82-4E5D-BB5C-E40C00691740}"/>
+          </ac:spMkLst>
+        </pc:spChg>
+        <pc:spChg chg="mod">
+          <ac:chgData name="Matt Carlson" userId="0e792f37f00095d9" providerId="LiveId" clId="{560E01DB-C0ED-43C1-8B3A-367CBEC07B1F}" dt="2020-10-24T09:24:19.032" v="76" actId="1076"/>
+          <ac:spMkLst>
+            <pc:docMk/>
+            <pc:sldMk cId="4001422911" sldId="282"/>
+            <ac:spMk id="121" creationId="{A487BB44-1407-4203-AECC-C3618EE5FE4D}"/>
+          </ac:spMkLst>
+        </pc:spChg>
+        <pc:spChg chg="mod">
+          <ac:chgData name="Matt Carlson" userId="0e792f37f00095d9" providerId="LiveId" clId="{560E01DB-C0ED-43C1-8B3A-367CBEC07B1F}" dt="2020-10-24T09:24:19.032" v="76" actId="1076"/>
+          <ac:spMkLst>
+            <pc:docMk/>
+            <pc:sldMk cId="4001422911" sldId="282"/>
+            <ac:spMk id="122" creationId="{A8E4D6D6-DDE6-410B-9B84-BC35AD2852BD}"/>
+          </ac:spMkLst>
+        </pc:spChg>
+        <pc:spChg chg="mod">
+          <ac:chgData name="Matt Carlson" userId="0e792f37f00095d9" providerId="LiveId" clId="{560E01DB-C0ED-43C1-8B3A-367CBEC07B1F}" dt="2020-10-24T09:24:19.032" v="76" actId="1076"/>
+          <ac:spMkLst>
+            <pc:docMk/>
+            <pc:sldMk cId="4001422911" sldId="282"/>
+            <ac:spMk id="123" creationId="{3594088C-1EDF-4947-BA7F-E646609D9B9E}"/>
+          </ac:spMkLst>
+        </pc:spChg>
+        <pc:spChg chg="mod">
+          <ac:chgData name="Matt Carlson" userId="0e792f37f00095d9" providerId="LiveId" clId="{560E01DB-C0ED-43C1-8B3A-367CBEC07B1F}" dt="2020-10-24T09:24:19.032" v="76" actId="1076"/>
+          <ac:spMkLst>
+            <pc:docMk/>
+            <pc:sldMk cId="4001422911" sldId="282"/>
+            <ac:spMk id="124" creationId="{22E402FC-0D1B-48DE-88F8-1CE40F0C7A35}"/>
+          </ac:spMkLst>
+        </pc:spChg>
+        <pc:spChg chg="mod">
+          <ac:chgData name="Matt Carlson" userId="0e792f37f00095d9" providerId="LiveId" clId="{560E01DB-C0ED-43C1-8B3A-367CBEC07B1F}" dt="2020-10-24T09:20:57.739" v="42"/>
+          <ac:spMkLst>
+            <pc:docMk/>
+            <pc:sldMk cId="4001422911" sldId="282"/>
+            <ac:spMk id="126" creationId="{32953315-02C4-4B8A-9F1D-3B050A716762}"/>
+          </ac:spMkLst>
+        </pc:spChg>
+        <pc:spChg chg="mod">
+          <ac:chgData name="Matt Carlson" userId="0e792f37f00095d9" providerId="LiveId" clId="{560E01DB-C0ED-43C1-8B3A-367CBEC07B1F}" dt="2020-10-24T09:20:57.739" v="42"/>
+          <ac:spMkLst>
+            <pc:docMk/>
+            <pc:sldMk cId="4001422911" sldId="282"/>
+            <ac:spMk id="127" creationId="{C5DB7EA0-855A-4DBC-8B26-78C9D0FF39C9}"/>
+          </ac:spMkLst>
+        </pc:spChg>
+        <pc:spChg chg="mod">
+          <ac:chgData name="Matt Carlson" userId="0e792f37f00095d9" providerId="LiveId" clId="{560E01DB-C0ED-43C1-8B3A-367CBEC07B1F}" dt="2020-10-24T09:21:56.199" v="54"/>
+          <ac:spMkLst>
+            <pc:docMk/>
+            <pc:sldMk cId="4001422911" sldId="282"/>
+            <ac:spMk id="135" creationId="{43E01E93-9D87-45BB-A2AB-7556AF81E42C}"/>
+          </ac:spMkLst>
+        </pc:spChg>
+        <pc:spChg chg="mod">
+          <ac:chgData name="Matt Carlson" userId="0e792f37f00095d9" providerId="LiveId" clId="{560E01DB-C0ED-43C1-8B3A-367CBEC07B1F}" dt="2020-10-24T10:16:41.428" v="244" actId="1076"/>
+          <ac:spMkLst>
+            <pc:docMk/>
+            <pc:sldMk cId="4001422911" sldId="282"/>
+            <ac:spMk id="136" creationId="{00A5F534-C8E3-416C-9AD7-C2B68FDECDE9}"/>
+          </ac:spMkLst>
+        </pc:spChg>
+        <pc:spChg chg="mod">
+          <ac:chgData name="Matt Carlson" userId="0e792f37f00095d9" providerId="LiveId" clId="{560E01DB-C0ED-43C1-8B3A-367CBEC07B1F}" dt="2020-10-24T09:21:56.199" v="54"/>
+          <ac:spMkLst>
+            <pc:docMk/>
+            <pc:sldMk cId="4001422911" sldId="282"/>
+            <ac:spMk id="137" creationId="{0A2CE22F-25C9-4E3E-BF5D-705A76235717}"/>
+          </ac:spMkLst>
+        </pc:spChg>
+        <pc:spChg chg="mod">
+          <ac:chgData name="Matt Carlson" userId="0e792f37f00095d9" providerId="LiveId" clId="{560E01DB-C0ED-43C1-8B3A-367CBEC07B1F}" dt="2020-10-24T09:22:04.615" v="56"/>
+          <ac:spMkLst>
+            <pc:docMk/>
+            <pc:sldMk cId="4001422911" sldId="282"/>
+            <ac:spMk id="139" creationId="{C782B6DC-F202-4E5E-B183-7AAB7076BD52}"/>
+          </ac:spMkLst>
+        </pc:spChg>
+        <pc:spChg chg="mod">
+          <ac:chgData name="Matt Carlson" userId="0e792f37f00095d9" providerId="LiveId" clId="{560E01DB-C0ED-43C1-8B3A-367CBEC07B1F}" dt="2020-10-24T09:22:04.615" v="56"/>
+          <ac:spMkLst>
+            <pc:docMk/>
+            <pc:sldMk cId="4001422911" sldId="282"/>
+            <ac:spMk id="140" creationId="{1C09323C-6EE5-4290-A224-4FE29ABEB668}"/>
+          </ac:spMkLst>
+        </pc:spChg>
+        <pc:spChg chg="mod topLvl">
+          <ac:chgData name="Matt Carlson" userId="0e792f37f00095d9" providerId="LiveId" clId="{560E01DB-C0ED-43C1-8B3A-367CBEC07B1F}" dt="2020-10-24T09:22:30.696" v="63" actId="14100"/>
+          <ac:spMkLst>
+            <pc:docMk/>
+            <pc:sldMk cId="4001422911" sldId="282"/>
+            <ac:spMk id="142" creationId="{73B25CBB-9E8D-4A81-9E8A-D36555305AAC}"/>
+          </ac:spMkLst>
+        </pc:spChg>
+        <pc:spChg chg="del mod topLvl">
+          <ac:chgData name="Matt Carlson" userId="0e792f37f00095d9" providerId="LiveId" clId="{560E01DB-C0ED-43C1-8B3A-367CBEC07B1F}" dt="2020-10-24T09:22:27.960" v="62" actId="478"/>
+          <ac:spMkLst>
+            <pc:docMk/>
+            <pc:sldMk cId="4001422911" sldId="282"/>
+            <ac:spMk id="143" creationId="{69DEA4BF-F4BE-4A95-9E9C-2C374CC886D1}"/>
+          </ac:spMkLst>
+        </pc:spChg>
+        <pc:spChg chg="mod">
+          <ac:chgData name="Matt Carlson" userId="0e792f37f00095d9" providerId="LiveId" clId="{560E01DB-C0ED-43C1-8B3A-367CBEC07B1F}" dt="2020-10-24T09:24:26.321" v="78"/>
+          <ac:spMkLst>
+            <pc:docMk/>
+            <pc:sldMk cId="4001422911" sldId="282"/>
+            <ac:spMk id="150" creationId="{C120DA9F-A671-4310-A6DB-DA31BDA82DD5}"/>
+          </ac:spMkLst>
+        </pc:spChg>
+        <pc:spChg chg="mod">
+          <ac:chgData name="Matt Carlson" userId="0e792f37f00095d9" providerId="LiveId" clId="{560E01DB-C0ED-43C1-8B3A-367CBEC07B1F}" dt="2020-10-24T09:24:26.321" v="78"/>
+          <ac:spMkLst>
+            <pc:docMk/>
+            <pc:sldMk cId="4001422911" sldId="282"/>
+            <ac:spMk id="151" creationId="{97C14A4D-D618-49C8-A09F-D3558D6B70E8}"/>
+          </ac:spMkLst>
+        </pc:spChg>
+        <pc:spChg chg="mod">
+          <ac:chgData name="Matt Carlson" userId="0e792f37f00095d9" providerId="LiveId" clId="{560E01DB-C0ED-43C1-8B3A-367CBEC07B1F}" dt="2020-10-24T09:24:26.321" v="78"/>
+          <ac:spMkLst>
+            <pc:docMk/>
+            <pc:sldMk cId="4001422911" sldId="282"/>
+            <ac:spMk id="152" creationId="{81B2D4E6-D933-4692-B8C0-041AB77CC38D}"/>
+          </ac:spMkLst>
+        </pc:spChg>
+        <pc:spChg chg="mod">
+          <ac:chgData name="Matt Carlson" userId="0e792f37f00095d9" providerId="LiveId" clId="{560E01DB-C0ED-43C1-8B3A-367CBEC07B1F}" dt="2020-10-24T09:24:26.321" v="78"/>
+          <ac:spMkLst>
+            <pc:docMk/>
+            <pc:sldMk cId="4001422911" sldId="282"/>
+            <ac:spMk id="153" creationId="{3F3ECCF4-C63B-4484-9D48-435E95A66267}"/>
+          </ac:spMkLst>
+        </pc:spChg>
+        <pc:spChg chg="mod">
+          <ac:chgData name="Matt Carlson" userId="0e792f37f00095d9" providerId="LiveId" clId="{560E01DB-C0ED-43C1-8B3A-367CBEC07B1F}" dt="2020-10-24T09:24:26.321" v="78"/>
+          <ac:spMkLst>
+            <pc:docMk/>
+            <pc:sldMk cId="4001422911" sldId="282"/>
+            <ac:spMk id="154" creationId="{8F55CA41-B065-458A-A214-29FB8003BC6C}"/>
+          </ac:spMkLst>
+        </pc:spChg>
+        <pc:spChg chg="mod">
+          <ac:chgData name="Matt Carlson" userId="0e792f37f00095d9" providerId="LiveId" clId="{560E01DB-C0ED-43C1-8B3A-367CBEC07B1F}" dt="2020-10-24T09:24:45.986" v="80"/>
+          <ac:spMkLst>
+            <pc:docMk/>
+            <pc:sldMk cId="4001422911" sldId="282"/>
+            <ac:spMk id="156" creationId="{8E3A6333-7673-461D-87A9-E09E67E28420}"/>
+          </ac:spMkLst>
+        </pc:spChg>
+        <pc:spChg chg="mod">
+          <ac:chgData name="Matt Carlson" userId="0e792f37f00095d9" providerId="LiveId" clId="{560E01DB-C0ED-43C1-8B3A-367CBEC07B1F}" dt="2020-10-24T09:24:45.986" v="80"/>
+          <ac:spMkLst>
+            <pc:docMk/>
+            <pc:sldMk cId="4001422911" sldId="282"/>
+            <ac:spMk id="157" creationId="{03521ADB-5BED-48F7-BB06-ED64696C3CBF}"/>
+          </ac:spMkLst>
+        </pc:spChg>
+        <pc:spChg chg="mod">
+          <ac:chgData name="Matt Carlson" userId="0e792f37f00095d9" providerId="LiveId" clId="{560E01DB-C0ED-43C1-8B3A-367CBEC07B1F}" dt="2020-10-24T09:24:45.986" v="80"/>
+          <ac:spMkLst>
+            <pc:docMk/>
+            <pc:sldMk cId="4001422911" sldId="282"/>
+            <ac:spMk id="159" creationId="{0835C980-65BC-4331-8FF4-3DAC445AB9F2}"/>
+          </ac:spMkLst>
+        </pc:spChg>
+        <pc:spChg chg="mod">
+          <ac:chgData name="Matt Carlson" userId="0e792f37f00095d9" providerId="LiveId" clId="{560E01DB-C0ED-43C1-8B3A-367CBEC07B1F}" dt="2020-10-24T09:24:45.986" v="80"/>
+          <ac:spMkLst>
+            <pc:docMk/>
+            <pc:sldMk cId="4001422911" sldId="282"/>
+            <ac:spMk id="160" creationId="{8974DF18-C3FF-4F87-94EA-B911C8AB22A3}"/>
+          </ac:spMkLst>
+        </pc:spChg>
+        <pc:spChg chg="mod">
+          <ac:chgData name="Matt Carlson" userId="0e792f37f00095d9" providerId="LiveId" clId="{560E01DB-C0ED-43C1-8B3A-367CBEC07B1F}" dt="2020-10-24T09:24:53.062" v="82"/>
+          <ac:spMkLst>
+            <pc:docMk/>
+            <pc:sldMk cId="4001422911" sldId="282"/>
+            <ac:spMk id="162" creationId="{4C6A7220-14F0-42C6-ABC9-DDD51B2D71DC}"/>
+          </ac:spMkLst>
+        </pc:spChg>
+        <pc:spChg chg="mod">
+          <ac:chgData name="Matt Carlson" userId="0e792f37f00095d9" providerId="LiveId" clId="{560E01DB-C0ED-43C1-8B3A-367CBEC07B1F}" dt="2020-10-24T09:24:53.062" v="82"/>
+          <ac:spMkLst>
+            <pc:docMk/>
+            <pc:sldMk cId="4001422911" sldId="282"/>
+            <ac:spMk id="163" creationId="{A52AF434-598A-4564-B47F-4C039777D5EE}"/>
+          </ac:spMkLst>
+        </pc:spChg>
+        <pc:spChg chg="mod ord">
+          <ac:chgData name="Matt Carlson" userId="0e792f37f00095d9" providerId="LiveId" clId="{560E01DB-C0ED-43C1-8B3A-367CBEC07B1F}" dt="2020-10-24T09:49:54.535" v="193" actId="167"/>
+          <ac:spMkLst>
+            <pc:docMk/>
+            <pc:sldMk cId="4001422911" sldId="282"/>
+            <ac:spMk id="164" creationId="{68362A5E-8DBA-4E26-8FCB-5C217A5D840E}"/>
+          </ac:spMkLst>
+        </pc:spChg>
+        <pc:spChg chg="mod">
+          <ac:chgData name="Matt Carlson" userId="0e792f37f00095d9" providerId="LiveId" clId="{560E01DB-C0ED-43C1-8B3A-367CBEC07B1F}" dt="2020-10-24T09:24:58.614" v="84"/>
+          <ac:spMkLst>
+            <pc:docMk/>
+            <pc:sldMk cId="4001422911" sldId="282"/>
+            <ac:spMk id="166" creationId="{EA5B1BC6-59D8-4151-A880-4E25DB47C4A5}"/>
+          </ac:spMkLst>
+        </pc:spChg>
+        <pc:spChg chg="mod">
+          <ac:chgData name="Matt Carlson" userId="0e792f37f00095d9" providerId="LiveId" clId="{560E01DB-C0ED-43C1-8B3A-367CBEC07B1F}" dt="2020-10-24T09:24:58.614" v="84"/>
+          <ac:spMkLst>
+            <pc:docMk/>
+            <pc:sldMk cId="4001422911" sldId="282"/>
+            <ac:spMk id="167" creationId="{A34AD8F7-5736-434D-9D9E-0142C60ACAAA}"/>
+          </ac:spMkLst>
+        </pc:spChg>
+        <pc:spChg chg="mod">
+          <ac:chgData name="Matt Carlson" userId="0e792f37f00095d9" providerId="LiveId" clId="{560E01DB-C0ED-43C1-8B3A-367CBEC07B1F}" dt="2020-10-24T09:24:58.614" v="84"/>
+          <ac:spMkLst>
+            <pc:docMk/>
+            <pc:sldMk cId="4001422911" sldId="282"/>
+            <ac:spMk id="168" creationId="{DA69D1B2-B697-49E5-BF1B-3018A97A4F5A}"/>
+          </ac:spMkLst>
+        </pc:spChg>
+        <pc:spChg chg="mod">
+          <ac:chgData name="Matt Carlson" userId="0e792f37f00095d9" providerId="LiveId" clId="{560E01DB-C0ED-43C1-8B3A-367CBEC07B1F}" dt="2020-10-24T09:26:18.789" v="114"/>
+          <ac:spMkLst>
+            <pc:docMk/>
+            <pc:sldMk cId="4001422911" sldId="282"/>
+            <ac:spMk id="175" creationId="{B3293FB0-2834-4179-A745-651E0D0D2EA5}"/>
+          </ac:spMkLst>
+        </pc:spChg>
+        <pc:spChg chg="mod">
+          <ac:chgData name="Matt Carlson" userId="0e792f37f00095d9" providerId="LiveId" clId="{560E01DB-C0ED-43C1-8B3A-367CBEC07B1F}" dt="2020-10-24T09:26:18.789" v="114"/>
+          <ac:spMkLst>
+            <pc:docMk/>
+            <pc:sldMk cId="4001422911" sldId="282"/>
+            <ac:spMk id="176" creationId="{F3AB49B2-7A0B-4A70-89D1-BF7B2BDD1D47}"/>
+          </ac:spMkLst>
+        </pc:spChg>
+        <pc:spChg chg="mod">
+          <ac:chgData name="Matt Carlson" userId="0e792f37f00095d9" providerId="LiveId" clId="{560E01DB-C0ED-43C1-8B3A-367CBEC07B1F}" dt="2020-10-24T09:26:46.569" v="119"/>
+          <ac:spMkLst>
+            <pc:docMk/>
+            <pc:sldMk cId="4001422911" sldId="282"/>
+            <ac:spMk id="178" creationId="{7824F87F-31D6-4D83-A4F8-FFF33AAEA681}"/>
+          </ac:spMkLst>
+        </pc:spChg>
+        <pc:spChg chg="mod">
+          <ac:chgData name="Matt Carlson" userId="0e792f37f00095d9" providerId="LiveId" clId="{560E01DB-C0ED-43C1-8B3A-367CBEC07B1F}" dt="2020-10-24T09:26:46.569" v="119"/>
+          <ac:spMkLst>
+            <pc:docMk/>
+            <pc:sldMk cId="4001422911" sldId="282"/>
+            <ac:spMk id="179" creationId="{DF489696-924B-451E-A684-ECDB43570750}"/>
+          </ac:spMkLst>
+        </pc:spChg>
+        <pc:spChg chg="mod">
+          <ac:chgData name="Matt Carlson" userId="0e792f37f00095d9" providerId="LiveId" clId="{560E01DB-C0ED-43C1-8B3A-367CBEC07B1F}" dt="2020-10-24T09:27:04.737" v="127"/>
+          <ac:spMkLst>
+            <pc:docMk/>
+            <pc:sldMk cId="4001422911" sldId="282"/>
+            <ac:spMk id="183" creationId="{7BE3769F-8C18-4588-92CA-5A15B48407A5}"/>
+          </ac:spMkLst>
+        </pc:spChg>
+        <pc:spChg chg="mod">
+          <ac:chgData name="Matt Carlson" userId="0e792f37f00095d9" providerId="LiveId" clId="{560E01DB-C0ED-43C1-8B3A-367CBEC07B1F}" dt="2020-10-24T09:27:04.737" v="127"/>
+          <ac:spMkLst>
+            <pc:docMk/>
+            <pc:sldMk cId="4001422911" sldId="282"/>
+            <ac:spMk id="184" creationId="{9E12DDB5-F4F6-4D0E-A228-6C579D21C4DE}"/>
+          </ac:spMkLst>
+        </pc:spChg>
+        <pc:spChg chg="mod">
+          <ac:chgData name="Matt Carlson" userId="0e792f37f00095d9" providerId="LiveId" clId="{560E01DB-C0ED-43C1-8B3A-367CBEC07B1F}" dt="2020-10-24T09:27:04.737" v="127"/>
+          <ac:spMkLst>
+            <pc:docMk/>
+            <pc:sldMk cId="4001422911" sldId="282"/>
+            <ac:spMk id="185" creationId="{F9118A76-392B-40C1-AC96-E8CB5ACCAA2F}"/>
+          </ac:spMkLst>
+        </pc:spChg>
+        <pc:spChg chg="mod">
+          <ac:chgData name="Matt Carlson" userId="0e792f37f00095d9" providerId="LiveId" clId="{560E01DB-C0ED-43C1-8B3A-367CBEC07B1F}" dt="2020-10-24T09:28:16.076" v="136"/>
+          <ac:spMkLst>
+            <pc:docMk/>
+            <pc:sldMk cId="4001422911" sldId="282"/>
+            <ac:spMk id="191" creationId="{7982D2F8-EE15-4E25-BA5B-947072C7809A}"/>
+          </ac:spMkLst>
+        </pc:spChg>
+        <pc:spChg chg="mod">
+          <ac:chgData name="Matt Carlson" userId="0e792f37f00095d9" providerId="LiveId" clId="{560E01DB-C0ED-43C1-8B3A-367CBEC07B1F}" dt="2020-10-24T09:28:16.076" v="136"/>
+          <ac:spMkLst>
+            <pc:docMk/>
+            <pc:sldMk cId="4001422911" sldId="282"/>
+            <ac:spMk id="192" creationId="{BB1C00BE-087E-415C-A46B-87183E4A2CC4}"/>
+          </ac:spMkLst>
+        </pc:spChg>
+        <pc:spChg chg="mod">
+          <ac:chgData name="Matt Carlson" userId="0e792f37f00095d9" providerId="LiveId" clId="{560E01DB-C0ED-43C1-8B3A-367CBEC07B1F}" dt="2020-10-24T09:28:16.076" v="136"/>
+          <ac:spMkLst>
+            <pc:docMk/>
+            <pc:sldMk cId="4001422911" sldId="282"/>
+            <ac:spMk id="193" creationId="{B4D212E1-C33E-4827-976B-99E0E6870012}"/>
+          </ac:spMkLst>
+        </pc:spChg>
+        <pc:spChg chg="mod">
+          <ac:chgData name="Matt Carlson" userId="0e792f37f00095d9" providerId="LiveId" clId="{560E01DB-C0ED-43C1-8B3A-367CBEC07B1F}" dt="2020-10-24T09:28:38.901" v="139"/>
+          <ac:spMkLst>
+            <pc:docMk/>
+            <pc:sldMk cId="4001422911" sldId="282"/>
+            <ac:spMk id="195" creationId="{5C34D21B-CA8E-4DE0-872D-FC75EF972E48}"/>
+          </ac:spMkLst>
+        </pc:spChg>
+        <pc:spChg chg="mod">
+          <ac:chgData name="Matt Carlson" userId="0e792f37f00095d9" providerId="LiveId" clId="{560E01DB-C0ED-43C1-8B3A-367CBEC07B1F}" dt="2020-10-24T09:28:38.901" v="139"/>
+          <ac:spMkLst>
+            <pc:docMk/>
+            <pc:sldMk cId="4001422911" sldId="282"/>
+            <ac:spMk id="196" creationId="{FF8B2607-1C6B-4DB7-A86C-59C7144323B9}"/>
+          </ac:spMkLst>
+        </pc:spChg>
+        <pc:spChg chg="mod">
+          <ac:chgData name="Matt Carlson" userId="0e792f37f00095d9" providerId="LiveId" clId="{560E01DB-C0ED-43C1-8B3A-367CBEC07B1F}" dt="2020-10-24T09:28:38.901" v="139"/>
+          <ac:spMkLst>
+            <pc:docMk/>
+            <pc:sldMk cId="4001422911" sldId="282"/>
+            <ac:spMk id="197" creationId="{A1E0D67B-DF02-4905-AC08-643EA50B6513}"/>
+          </ac:spMkLst>
+        </pc:spChg>
+        <pc:spChg chg="mod">
+          <ac:chgData name="Matt Carlson" userId="0e792f37f00095d9" providerId="LiveId" clId="{560E01DB-C0ED-43C1-8B3A-367CBEC07B1F}" dt="2020-10-24T09:41:19.180" v="166"/>
+          <ac:spMkLst>
+            <pc:docMk/>
+            <pc:sldMk cId="4001422911" sldId="282"/>
+            <ac:spMk id="230" creationId="{E93FF33E-E67B-4472-9F83-48984CA0AE72}"/>
+          </ac:spMkLst>
+        </pc:spChg>
+        <pc:spChg chg="mod">
+          <ac:chgData name="Matt Carlson" userId="0e792f37f00095d9" providerId="LiveId" clId="{560E01DB-C0ED-43C1-8B3A-367CBEC07B1F}" dt="2020-10-24T09:41:19.180" v="166"/>
+          <ac:spMkLst>
+            <pc:docMk/>
+            <pc:sldMk cId="4001422911" sldId="282"/>
+            <ac:spMk id="239" creationId="{5EC92CF7-6D18-4CD7-9B9A-DF5408232665}"/>
+          </ac:spMkLst>
+        </pc:spChg>
+        <pc:spChg chg="mod">
+          <ac:chgData name="Matt Carlson" userId="0e792f37f00095d9" providerId="LiveId" clId="{560E01DB-C0ED-43C1-8B3A-367CBEC07B1F}" dt="2020-10-24T09:51:53.964" v="199"/>
+          <ac:spMkLst>
+            <pc:docMk/>
+            <pc:sldMk cId="4001422911" sldId="282"/>
+            <ac:spMk id="249" creationId="{8493D7FF-475E-4CCB-A98D-2A6EB299577A}"/>
+          </ac:spMkLst>
+        </pc:spChg>
+        <pc:spChg chg="mod">
+          <ac:chgData name="Matt Carlson" userId="0e792f37f00095d9" providerId="LiveId" clId="{560E01DB-C0ED-43C1-8B3A-367CBEC07B1F}" dt="2020-10-24T09:51:53.964" v="199"/>
+          <ac:spMkLst>
+            <pc:docMk/>
+            <pc:sldMk cId="4001422911" sldId="282"/>
+            <ac:spMk id="250" creationId="{60D8D9B8-FD8A-4D15-B7DF-240DFDB6D733}"/>
+          </ac:spMkLst>
+        </pc:spChg>
+        <pc:spChg chg="mod">
+          <ac:chgData name="Matt Carlson" userId="0e792f37f00095d9" providerId="LiveId" clId="{560E01DB-C0ED-43C1-8B3A-367CBEC07B1F}" dt="2020-10-24T09:51:53.964" v="199"/>
+          <ac:spMkLst>
+            <pc:docMk/>
+            <pc:sldMk cId="4001422911" sldId="282"/>
+            <ac:spMk id="251" creationId="{DD638058-8CA2-4FB8-87BC-0982849B177F}"/>
+          </ac:spMkLst>
+        </pc:spChg>
+        <pc:spChg chg="mod">
+          <ac:chgData name="Matt Carlson" userId="0e792f37f00095d9" providerId="LiveId" clId="{560E01DB-C0ED-43C1-8B3A-367CBEC07B1F}" dt="2020-10-24T10:06:21.960" v="211"/>
+          <ac:spMkLst>
+            <pc:docMk/>
+            <pc:sldMk cId="4001422911" sldId="282"/>
+            <ac:spMk id="273" creationId="{5DD334DA-E8C1-48C9-B486-9C93B7693837}"/>
+          </ac:spMkLst>
+        </pc:spChg>
+        <pc:spChg chg="mod">
+          <ac:chgData name="Matt Carlson" userId="0e792f37f00095d9" providerId="LiveId" clId="{560E01DB-C0ED-43C1-8B3A-367CBEC07B1F}" dt="2020-10-24T10:06:21.960" v="211"/>
+          <ac:spMkLst>
+            <pc:docMk/>
+            <pc:sldMk cId="4001422911" sldId="282"/>
+            <ac:spMk id="274" creationId="{7F58CD6D-88BD-4098-A76E-1FA41693207B}"/>
+          </ac:spMkLst>
+        </pc:spChg>
+        <pc:spChg chg="mod">
+          <ac:chgData name="Matt Carlson" userId="0e792f37f00095d9" providerId="LiveId" clId="{560E01DB-C0ED-43C1-8B3A-367CBEC07B1F}" dt="2020-10-24T10:06:21.960" v="211"/>
+          <ac:spMkLst>
+            <pc:docMk/>
+            <pc:sldMk cId="4001422911" sldId="282"/>
+            <ac:spMk id="287" creationId="{2A08C2B4-3F81-4C5D-94D4-FFDE07FE4E76}"/>
+          </ac:spMkLst>
+        </pc:spChg>
+        <pc:spChg chg="mod">
+          <ac:chgData name="Matt Carlson" userId="0e792f37f00095d9" providerId="LiveId" clId="{560E01DB-C0ED-43C1-8B3A-367CBEC07B1F}" dt="2020-10-24T10:06:21.960" v="211"/>
+          <ac:spMkLst>
+            <pc:docMk/>
+            <pc:sldMk cId="4001422911" sldId="282"/>
+            <ac:spMk id="288" creationId="{C162710D-2EA2-4E9F-91BE-5EDE32DBAB4E}"/>
+          </ac:spMkLst>
+        </pc:spChg>
+        <pc:spChg chg="mod">
+          <ac:chgData name="Matt Carlson" userId="0e792f37f00095d9" providerId="LiveId" clId="{560E01DB-C0ED-43C1-8B3A-367CBEC07B1F}" dt="2020-10-24T10:06:30.543" v="215"/>
+          <ac:spMkLst>
+            <pc:docMk/>
+            <pc:sldMk cId="4001422911" sldId="282"/>
+            <ac:spMk id="290" creationId="{4798964E-473A-49D4-9CC0-76869014D28B}"/>
+          </ac:spMkLst>
+        </pc:spChg>
+        <pc:spChg chg="mod">
+          <ac:chgData name="Matt Carlson" userId="0e792f37f00095d9" providerId="LiveId" clId="{560E01DB-C0ED-43C1-8B3A-367CBEC07B1F}" dt="2020-10-24T10:06:30.543" v="215"/>
+          <ac:spMkLst>
+            <pc:docMk/>
+            <pc:sldMk cId="4001422911" sldId="282"/>
+            <ac:spMk id="291" creationId="{4C37CD27-2E04-4664-802B-16873AD67C38}"/>
+          </ac:spMkLst>
+        </pc:spChg>
+        <pc:spChg chg="mod">
+          <ac:chgData name="Matt Carlson" userId="0e792f37f00095d9" providerId="LiveId" clId="{560E01DB-C0ED-43C1-8B3A-367CBEC07B1F}" dt="2020-10-24T10:06:30.543" v="215"/>
+          <ac:spMkLst>
+            <pc:docMk/>
+            <pc:sldMk cId="4001422911" sldId="282"/>
+            <ac:spMk id="293" creationId="{8384671C-DCD4-4977-A700-6E372E9BC380}"/>
+          </ac:spMkLst>
+        </pc:spChg>
+        <pc:spChg chg="mod">
+          <ac:chgData name="Matt Carlson" userId="0e792f37f00095d9" providerId="LiveId" clId="{560E01DB-C0ED-43C1-8B3A-367CBEC07B1F}" dt="2020-10-24T10:06:30.543" v="215"/>
+          <ac:spMkLst>
+            <pc:docMk/>
+            <pc:sldMk cId="4001422911" sldId="282"/>
+            <ac:spMk id="294" creationId="{3078255F-225A-49BC-8BFD-FD0705897E33}"/>
+          </ac:spMkLst>
+        </pc:spChg>
+        <pc:spChg chg="mod">
+          <ac:chgData name="Matt Carlson" userId="0e792f37f00095d9" providerId="LiveId" clId="{560E01DB-C0ED-43C1-8B3A-367CBEC07B1F}" dt="2020-10-24T10:09:14.443" v="228"/>
+          <ac:spMkLst>
+            <pc:docMk/>
+            <pc:sldMk cId="4001422911" sldId="282"/>
+            <ac:spMk id="297" creationId="{0E7AEB87-398E-4A03-B73E-0D58AB44F1DA}"/>
+          </ac:spMkLst>
+        </pc:spChg>
+        <pc:spChg chg="mod">
+          <ac:chgData name="Matt Carlson" userId="0e792f37f00095d9" providerId="LiveId" clId="{560E01DB-C0ED-43C1-8B3A-367CBEC07B1F}" dt="2020-10-24T10:09:14.443" v="228"/>
+          <ac:spMkLst>
+            <pc:docMk/>
+            <pc:sldMk cId="4001422911" sldId="282"/>
+            <ac:spMk id="298" creationId="{2276C2B6-F054-40E2-BBBA-DD863991EEEF}"/>
+          </ac:spMkLst>
+        </pc:spChg>
+        <pc:spChg chg="mod">
+          <ac:chgData name="Matt Carlson" userId="0e792f37f00095d9" providerId="LiveId" clId="{560E01DB-C0ED-43C1-8B3A-367CBEC07B1F}" dt="2020-10-24T10:09:14.443" v="228"/>
+          <ac:spMkLst>
+            <pc:docMk/>
+            <pc:sldMk cId="4001422911" sldId="282"/>
+            <ac:spMk id="299" creationId="{B067E1A4-A240-4E3B-A38A-1BC34A918DF2}"/>
+          </ac:spMkLst>
+        </pc:spChg>
+        <pc:spChg chg="mod">
+          <ac:chgData name="Matt Carlson" userId="0e792f37f00095d9" providerId="LiveId" clId="{560E01DB-C0ED-43C1-8B3A-367CBEC07B1F}" dt="2020-10-24T10:12:31.596" v="236"/>
+          <ac:spMkLst>
+            <pc:docMk/>
+            <pc:sldMk cId="4001422911" sldId="282"/>
+            <ac:spMk id="303" creationId="{E28484F2-B5CF-4EF9-8517-CAC9C289D873}"/>
+          </ac:spMkLst>
+        </pc:spChg>
+        <pc:spChg chg="mod">
+          <ac:chgData name="Matt Carlson" userId="0e792f37f00095d9" providerId="LiveId" clId="{560E01DB-C0ED-43C1-8B3A-367CBEC07B1F}" dt="2020-10-24T10:12:31.596" v="236"/>
+          <ac:spMkLst>
+            <pc:docMk/>
+            <pc:sldMk cId="4001422911" sldId="282"/>
+            <ac:spMk id="304" creationId="{5382E244-B01B-44FB-98D5-FCE38CC7F4F7}"/>
+          </ac:spMkLst>
+        </pc:spChg>
+        <pc:spChg chg="mod">
+          <ac:chgData name="Matt Carlson" userId="0e792f37f00095d9" providerId="LiveId" clId="{560E01DB-C0ED-43C1-8B3A-367CBEC07B1F}" dt="2020-10-24T10:12:31.596" v="236"/>
+          <ac:spMkLst>
+            <pc:docMk/>
+            <pc:sldMk cId="4001422911" sldId="282"/>
+            <ac:spMk id="305" creationId="{41E1328E-00AF-4523-9B8E-340334CC7F21}"/>
+          </ac:spMkLst>
+        </pc:spChg>
+        <pc:spChg chg="mod">
+          <ac:chgData name="Matt Carlson" userId="0e792f37f00095d9" providerId="LiveId" clId="{560E01DB-C0ED-43C1-8B3A-367CBEC07B1F}" dt="2020-10-24T10:16:08.515" v="239"/>
+          <ac:spMkLst>
+            <pc:docMk/>
+            <pc:sldMk cId="4001422911" sldId="282"/>
+            <ac:spMk id="307" creationId="{2D52E74A-AD4A-4261-A31A-AE4C1F6A63A8}"/>
+          </ac:spMkLst>
+        </pc:spChg>
+        <pc:spChg chg="mod">
+          <ac:chgData name="Matt Carlson" userId="0e792f37f00095d9" providerId="LiveId" clId="{560E01DB-C0ED-43C1-8B3A-367CBEC07B1F}" dt="2020-10-24T10:16:08.515" v="239"/>
+          <ac:spMkLst>
+            <pc:docMk/>
+            <pc:sldMk cId="4001422911" sldId="282"/>
+            <ac:spMk id="308" creationId="{1C785F60-6750-4577-856E-7669699B665F}"/>
+          </ac:spMkLst>
+        </pc:spChg>
+        <pc:spChg chg="mod">
+          <ac:chgData name="Matt Carlson" userId="0e792f37f00095d9" providerId="LiveId" clId="{560E01DB-C0ED-43C1-8B3A-367CBEC07B1F}" dt="2020-10-24T10:16:08.515" v="239"/>
+          <ac:spMkLst>
+            <pc:docMk/>
+            <pc:sldMk cId="4001422911" sldId="282"/>
+            <ac:spMk id="309" creationId="{7D5172DA-EEFD-4741-B4E5-2336D86E1EF5}"/>
+          </ac:spMkLst>
+        </pc:spChg>
+        <pc:spChg chg="mod">
+          <ac:chgData name="Matt Carlson" userId="0e792f37f00095d9" providerId="LiveId" clId="{560E01DB-C0ED-43C1-8B3A-367CBEC07B1F}" dt="2020-10-24T10:16:25.759" v="242"/>
+          <ac:spMkLst>
+            <pc:docMk/>
+            <pc:sldMk cId="4001422911" sldId="282"/>
+            <ac:spMk id="311" creationId="{AFBFCC81-28E0-4576-99FF-4EFC26BD78B6}"/>
+          </ac:spMkLst>
+        </pc:spChg>
+        <pc:spChg chg="mod">
+          <ac:chgData name="Matt Carlson" userId="0e792f37f00095d9" providerId="LiveId" clId="{560E01DB-C0ED-43C1-8B3A-367CBEC07B1F}" dt="2020-10-24T10:16:25.759" v="242"/>
+          <ac:spMkLst>
+            <pc:docMk/>
+            <pc:sldMk cId="4001422911" sldId="282"/>
+            <ac:spMk id="312" creationId="{36D6A11A-965B-483A-82F2-C1DE0121404F}"/>
+          </ac:spMkLst>
+        </pc:spChg>
+        <pc:spChg chg="mod">
+          <ac:chgData name="Matt Carlson" userId="0e792f37f00095d9" providerId="LiveId" clId="{560E01DB-C0ED-43C1-8B3A-367CBEC07B1F}" dt="2020-10-24T10:16:25.759" v="242"/>
+          <ac:spMkLst>
+            <pc:docMk/>
+            <pc:sldMk cId="4001422911" sldId="282"/>
+            <ac:spMk id="313" creationId="{512CC67D-2910-449E-93BD-9CEB4B376B32}"/>
+          </ac:spMkLst>
+        </pc:spChg>
         <pc:grpChg chg="add mod">
-          <ac:chgData name="Matt Carlson" userId="0e792f37f00095d9" providerId="LiveId" clId="{8DC949DC-8723-459A-93E0-F38992DC6CF5}" dt="2019-05-26T05:50:18.136" v="23" actId="1076"/>
+          <ac:chgData name="Matt Carlson" userId="0e792f37f00095d9" providerId="LiveId" clId="{560E01DB-C0ED-43C1-8B3A-367CBEC07B1F}" dt="2020-10-24T09:49:24.451" v="183" actId="1076"/>
           <ac:grpSpMkLst>
             <pc:docMk/>
-            <pc:sldMk cId="0" sldId="279"/>
-            <ac:grpSpMk id="978" creationId="{7906B237-9A7A-4B2F-A4AB-D9CB29C5B9CF}"/>
+            <pc:sldMk cId="4001422911" sldId="282"/>
+            <ac:grpSpMk id="92" creationId="{E920F8B6-4B1C-4DE5-93FD-870607C17869}"/>
           </ac:grpSpMkLst>
         </pc:grpChg>
         <pc:grpChg chg="add mod">
-          <ac:chgData name="Matt Carlson" userId="0e792f37f00095d9" providerId="LiveId" clId="{8DC949DC-8723-459A-93E0-F38992DC6CF5}" dt="2019-05-26T05:50:32.962" v="25" actId="1076"/>
+          <ac:chgData name="Matt Carlson" userId="0e792f37f00095d9" providerId="LiveId" clId="{560E01DB-C0ED-43C1-8B3A-367CBEC07B1F}" dt="2020-10-24T09:24:19.032" v="76" actId="1076"/>
           <ac:grpSpMkLst>
             <pc:docMk/>
-            <pc:sldMk cId="0" sldId="279"/>
-            <ac:grpSpMk id="981" creationId="{5FB50680-E8EC-46E2-854D-1A8BB9730A35}"/>
+            <pc:sldMk cId="4001422911" sldId="282"/>
+            <ac:grpSpMk id="100" creationId="{943C444C-7469-47FB-AF28-DB2F86EE9740}"/>
+          </ac:grpSpMkLst>
+        </pc:grpChg>
+        <pc:grpChg chg="add mod">
+          <ac:chgData name="Matt Carlson" userId="0e792f37f00095d9" providerId="LiveId" clId="{560E01DB-C0ED-43C1-8B3A-367CBEC07B1F}" dt="2020-10-24T09:24:19.032" v="76" actId="1076"/>
+          <ac:grpSpMkLst>
+            <pc:docMk/>
+            <pc:sldMk cId="4001422911" sldId="282"/>
+            <ac:grpSpMk id="108" creationId="{237C4D2F-EDED-4C6F-AB49-4FC518C88F0E}"/>
+          </ac:grpSpMkLst>
+        </pc:grpChg>
+        <pc:grpChg chg="add mod">
+          <ac:chgData name="Matt Carlson" userId="0e792f37f00095d9" providerId="LiveId" clId="{560E01DB-C0ED-43C1-8B3A-367CBEC07B1F}" dt="2020-10-24T09:24:19.032" v="76" actId="1076"/>
+          <ac:grpSpMkLst>
+            <pc:docMk/>
+            <pc:sldMk cId="4001422911" sldId="282"/>
+            <ac:grpSpMk id="117" creationId="{5EFEDA2B-945F-4EB8-9202-D57760CBD5D3}"/>
+          </ac:grpSpMkLst>
+        </pc:grpChg>
+        <pc:grpChg chg="add mod">
+          <ac:chgData name="Matt Carlson" userId="0e792f37f00095d9" providerId="LiveId" clId="{560E01DB-C0ED-43C1-8B3A-367CBEC07B1F}" dt="2020-10-24T09:24:21.138" v="77" actId="1076"/>
+          <ac:grpSpMkLst>
+            <pc:docMk/>
+            <pc:sldMk cId="4001422911" sldId="282"/>
+            <ac:grpSpMk id="125" creationId="{6C922526-A22A-42E2-A240-F9BA4669CA40}"/>
+          </ac:grpSpMkLst>
+        </pc:grpChg>
+        <pc:grpChg chg="add mod">
+          <ac:chgData name="Matt Carlson" userId="0e792f37f00095d9" providerId="LiveId" clId="{560E01DB-C0ED-43C1-8B3A-367CBEC07B1F}" dt="2020-10-24T09:22:04.157" v="55" actId="1076"/>
+          <ac:grpSpMkLst>
+            <pc:docMk/>
+            <pc:sldMk cId="4001422911" sldId="282"/>
+            <ac:grpSpMk id="134" creationId="{31DCB17A-54C7-4BC8-8BBB-DB5CE556DDD1}"/>
+          </ac:grpSpMkLst>
+        </pc:grpChg>
+        <pc:grpChg chg="add mod">
+          <ac:chgData name="Matt Carlson" userId="0e792f37f00095d9" providerId="LiveId" clId="{560E01DB-C0ED-43C1-8B3A-367CBEC07B1F}" dt="2020-10-24T09:22:07.046" v="57" actId="1076"/>
+          <ac:grpSpMkLst>
+            <pc:docMk/>
+            <pc:sldMk cId="4001422911" sldId="282"/>
+            <ac:grpSpMk id="138" creationId="{F8BD77D8-BBB5-4D45-8999-8B9A888909DC}"/>
+          </ac:grpSpMkLst>
+        </pc:grpChg>
+        <pc:grpChg chg="add del mod">
+          <ac:chgData name="Matt Carlson" userId="0e792f37f00095d9" providerId="LiveId" clId="{560E01DB-C0ED-43C1-8B3A-367CBEC07B1F}" dt="2020-10-24T09:22:27.960" v="62" actId="478"/>
+          <ac:grpSpMkLst>
+            <pc:docMk/>
+            <pc:sldMk cId="4001422911" sldId="282"/>
+            <ac:grpSpMk id="141" creationId="{EBE071FD-0D3F-42A3-B5C9-73B8FBB113DE}"/>
+          </ac:grpSpMkLst>
+        </pc:grpChg>
+        <pc:grpChg chg="add del mod">
+          <ac:chgData name="Matt Carlson" userId="0e792f37f00095d9" providerId="LiveId" clId="{560E01DB-C0ED-43C1-8B3A-367CBEC07B1F}" dt="2020-10-24T09:24:28.385" v="79"/>
+          <ac:grpSpMkLst>
+            <pc:docMk/>
+            <pc:sldMk cId="4001422911" sldId="282"/>
+            <ac:grpSpMk id="147" creationId="{27317E38-F341-4700-9551-464DDE029196}"/>
           </ac:grpSpMkLst>
         </pc:grpChg>
         <pc:grpChg chg="mod">
-          <ac:chgData name="Matt Carlson" userId="0e792f37f00095d9" providerId="LiveId" clId="{8DC949DC-8723-459A-93E0-F38992DC6CF5}" dt="2019-05-26T05:50:36.707" v="27" actId="1076"/>
+          <ac:chgData name="Matt Carlson" userId="0e792f37f00095d9" providerId="LiveId" clId="{560E01DB-C0ED-43C1-8B3A-367CBEC07B1F}" dt="2020-10-24T09:24:26.321" v="78"/>
           <ac:grpSpMkLst>
             <pc:docMk/>
-            <pc:sldMk cId="0" sldId="279"/>
-            <ac:grpSpMk id="5206" creationId="{00000000-0000-0000-0000-000000000000}"/>
+            <pc:sldMk cId="4001422911" sldId="282"/>
+            <ac:grpSpMk id="148" creationId="{A16D9330-EAC9-49F0-95C1-30DF918D7CE5}"/>
           </ac:grpSpMkLst>
         </pc:grpChg>
         <pc:grpChg chg="mod">
-          <ac:chgData name="Matt Carlson" userId="0e792f37f00095d9" providerId="LiveId" clId="{8DC949DC-8723-459A-93E0-F38992DC6CF5}" dt="2019-05-24T07:36:57.460" v="0" actId="1076"/>
+          <ac:chgData name="Matt Carlson" userId="0e792f37f00095d9" providerId="LiveId" clId="{560E01DB-C0ED-43C1-8B3A-367CBEC07B1F}" dt="2020-10-24T09:24:26.321" v="78"/>
           <ac:grpSpMkLst>
             <pc:docMk/>
-            <pc:sldMk cId="0" sldId="279"/>
-            <ac:grpSpMk id="5252" creationId="{00000000-0000-0000-0000-000000000000}"/>
+            <pc:sldMk cId="4001422911" sldId="282"/>
+            <ac:grpSpMk id="149" creationId="{74A2C91B-C047-4EF5-8351-59FDC7A31FEB}"/>
           </ac:grpSpMkLst>
         </pc:grpChg>
-      </pc:sldChg>
-    </pc:docChg>
-  </pc:docChgLst>
-  <pc:docChgLst>
-    <pc:chgData name="Matt Carlson" userId="0e792f37f00095d9" providerId="LiveId" clId="{C69FA696-83C7-4BB0-AB2D-68FFD9ECEC07}"/>
-    <pc:docChg chg="modSld">
-      <pc:chgData name="Matt Carlson" userId="0e792f37f00095d9" providerId="LiveId" clId="{C69FA696-83C7-4BB0-AB2D-68FFD9ECEC07}" dt="2019-07-23T04:28:24.308" v="29" actId="20577"/>
-      <pc:docMkLst>
-        <pc:docMk/>
-      </pc:docMkLst>
-      <pc:sldChg chg="modSp">
-        <pc:chgData name="Matt Carlson" userId="0e792f37f00095d9" providerId="LiveId" clId="{C69FA696-83C7-4BB0-AB2D-68FFD9ECEC07}" dt="2019-07-23T04:28:24.308" v="29" actId="20577"/>
-        <pc:sldMkLst>
-          <pc:docMk/>
-          <pc:sldMk cId="0" sldId="274"/>
-        </pc:sldMkLst>
-        <pc:graphicFrameChg chg="modGraphic">
-          <ac:chgData name="Matt Carlson" userId="0e792f37f00095d9" providerId="LiveId" clId="{C69FA696-83C7-4BB0-AB2D-68FFD9ECEC07}" dt="2019-07-23T04:28:24.308" v="29" actId="20577"/>
+        <pc:grpChg chg="add mod">
+          <ac:chgData name="Matt Carlson" userId="0e792f37f00095d9" providerId="LiveId" clId="{560E01DB-C0ED-43C1-8B3A-367CBEC07B1F}" dt="2020-10-24T09:26:14.519" v="112" actId="1076"/>
+          <ac:grpSpMkLst>
+            <pc:docMk/>
+            <pc:sldMk cId="4001422911" sldId="282"/>
+            <ac:grpSpMk id="155" creationId="{C449A130-CF3F-4422-B830-9231BDC70425}"/>
+          </ac:grpSpMkLst>
+        </pc:grpChg>
+        <pc:grpChg chg="mod">
+          <ac:chgData name="Matt Carlson" userId="0e792f37f00095d9" providerId="LiveId" clId="{560E01DB-C0ED-43C1-8B3A-367CBEC07B1F}" dt="2020-10-24T09:24:45.986" v="80"/>
+          <ac:grpSpMkLst>
+            <pc:docMk/>
+            <pc:sldMk cId="4001422911" sldId="282"/>
+            <ac:grpSpMk id="158" creationId="{9CD963D9-D3BF-4FFC-ADDE-C70D1EC58A33}"/>
+          </ac:grpSpMkLst>
+        </pc:grpChg>
+        <pc:grpChg chg="add mod ord">
+          <ac:chgData name="Matt Carlson" userId="0e792f37f00095d9" providerId="LiveId" clId="{560E01DB-C0ED-43C1-8B3A-367CBEC07B1F}" dt="2020-10-24T09:51:32.502" v="197" actId="167"/>
+          <ac:grpSpMkLst>
+            <pc:docMk/>
+            <pc:sldMk cId="4001422911" sldId="282"/>
+            <ac:grpSpMk id="161" creationId="{755E4DE3-C297-4D8F-89AE-6082F6F727FC}"/>
+          </ac:grpSpMkLst>
+        </pc:grpChg>
+        <pc:grpChg chg="add mod">
+          <ac:chgData name="Matt Carlson" userId="0e792f37f00095d9" providerId="LiveId" clId="{560E01DB-C0ED-43C1-8B3A-367CBEC07B1F}" dt="2020-10-24T10:16:24.535" v="241" actId="1076"/>
+          <ac:grpSpMkLst>
+            <pc:docMk/>
+            <pc:sldMk cId="4001422911" sldId="282"/>
+            <ac:grpSpMk id="165" creationId="{ED9683E2-6CD7-46FE-B774-A24F4599D46A}"/>
+          </ac:grpSpMkLst>
+        </pc:grpChg>
+        <pc:grpChg chg="add mod ord">
+          <ac:chgData name="Matt Carlson" userId="0e792f37f00095d9" providerId="LiveId" clId="{560E01DB-C0ED-43C1-8B3A-367CBEC07B1F}" dt="2020-10-24T09:52:09.838" v="204" actId="1076"/>
+          <ac:grpSpMkLst>
+            <pc:docMk/>
+            <pc:sldMk cId="4001422911" sldId="282"/>
+            <ac:grpSpMk id="174" creationId="{763E43A8-CE68-4434-B9C3-D2E114BCF070}"/>
+          </ac:grpSpMkLst>
+        </pc:grpChg>
+        <pc:grpChg chg="add del mod">
+          <ac:chgData name="Matt Carlson" userId="0e792f37f00095d9" providerId="LiveId" clId="{560E01DB-C0ED-43C1-8B3A-367CBEC07B1F}" dt="2020-10-24T09:26:50.975" v="122"/>
+          <ac:grpSpMkLst>
+            <pc:docMk/>
+            <pc:sldMk cId="4001422911" sldId="282"/>
+            <ac:grpSpMk id="177" creationId="{E3F36619-7987-485B-87BB-8B3EBEB2C9A7}"/>
+          </ac:grpSpMkLst>
+        </pc:grpChg>
+        <pc:grpChg chg="add mod">
+          <ac:chgData name="Matt Carlson" userId="0e792f37f00095d9" providerId="LiveId" clId="{560E01DB-C0ED-43C1-8B3A-367CBEC07B1F}" dt="2020-10-24T09:27:08.146" v="128" actId="1076"/>
+          <ac:grpSpMkLst>
+            <pc:docMk/>
+            <pc:sldMk cId="4001422911" sldId="282"/>
+            <ac:grpSpMk id="182" creationId="{A6159562-504F-4BE0-8829-5D98620AFB20}"/>
+          </ac:grpSpMkLst>
+        </pc:grpChg>
+        <pc:grpChg chg="add mod">
+          <ac:chgData name="Matt Carlson" userId="0e792f37f00095d9" providerId="LiveId" clId="{560E01DB-C0ED-43C1-8B3A-367CBEC07B1F}" dt="2020-10-24T10:19:29.355" v="342" actId="1076"/>
+          <ac:grpSpMkLst>
+            <pc:docMk/>
+            <pc:sldMk cId="4001422911" sldId="282"/>
+            <ac:grpSpMk id="190" creationId="{5446AA88-FBC5-44E5-A532-231EE1BB5AD3}"/>
+          </ac:grpSpMkLst>
+        </pc:grpChg>
+        <pc:grpChg chg="add mod">
+          <ac:chgData name="Matt Carlson" userId="0e792f37f00095d9" providerId="LiveId" clId="{560E01DB-C0ED-43C1-8B3A-367CBEC07B1F}" dt="2020-10-24T09:28:44.358" v="140" actId="1076"/>
+          <ac:grpSpMkLst>
+            <pc:docMk/>
+            <pc:sldMk cId="4001422911" sldId="282"/>
+            <ac:grpSpMk id="194" creationId="{C1927E89-F052-4965-AD1E-CDC9521DBE88}"/>
+          </ac:grpSpMkLst>
+        </pc:grpChg>
+        <pc:grpChg chg="del">
+          <ac:chgData name="Matt Carlson" userId="0e792f37f00095d9" providerId="LiveId" clId="{560E01DB-C0ED-43C1-8B3A-367CBEC07B1F}" dt="2020-10-24T09:11:40.623" v="1" actId="478"/>
+          <ac:grpSpMkLst>
+            <pc:docMk/>
+            <pc:sldMk cId="4001422911" sldId="282"/>
+            <ac:grpSpMk id="207" creationId="{631053A3-2EE5-42FE-94AF-7AAD36EC5908}"/>
+          </ac:grpSpMkLst>
+        </pc:grpChg>
+        <pc:grpChg chg="del">
+          <ac:chgData name="Matt Carlson" userId="0e792f37f00095d9" providerId="LiveId" clId="{560E01DB-C0ED-43C1-8B3A-367CBEC07B1F}" dt="2020-10-24T09:11:40.623" v="1" actId="478"/>
+          <ac:grpSpMkLst>
+            <pc:docMk/>
+            <pc:sldMk cId="4001422911" sldId="282"/>
+            <ac:grpSpMk id="212" creationId="{5826866E-9815-4FFB-9965-E9795A89593F}"/>
+          </ac:grpSpMkLst>
+        </pc:grpChg>
+        <pc:grpChg chg="del">
+          <ac:chgData name="Matt Carlson" userId="0e792f37f00095d9" providerId="LiveId" clId="{560E01DB-C0ED-43C1-8B3A-367CBEC07B1F}" dt="2020-10-24T09:11:40.623" v="1" actId="478"/>
+          <ac:grpSpMkLst>
+            <pc:docMk/>
+            <pc:sldMk cId="4001422911" sldId="282"/>
+            <ac:grpSpMk id="216" creationId="{89471F71-F5BE-4BB4-AE55-34A0CBB6C4D9}"/>
+          </ac:grpSpMkLst>
+        </pc:grpChg>
+        <pc:grpChg chg="del">
+          <ac:chgData name="Matt Carlson" userId="0e792f37f00095d9" providerId="LiveId" clId="{560E01DB-C0ED-43C1-8B3A-367CBEC07B1F}" dt="2020-10-24T09:11:40.623" v="1" actId="478"/>
+          <ac:grpSpMkLst>
+            <pc:docMk/>
+            <pc:sldMk cId="4001422911" sldId="282"/>
+            <ac:grpSpMk id="220" creationId="{200D3AA7-2306-4411-9CD6-AAA7A018330B}"/>
+          </ac:grpSpMkLst>
+        </pc:grpChg>
+        <pc:grpChg chg="del">
+          <ac:chgData name="Matt Carlson" userId="0e792f37f00095d9" providerId="LiveId" clId="{560E01DB-C0ED-43C1-8B3A-367CBEC07B1F}" dt="2020-10-24T09:11:40.623" v="1" actId="478"/>
+          <ac:grpSpMkLst>
+            <pc:docMk/>
+            <pc:sldMk cId="4001422911" sldId="282"/>
+            <ac:grpSpMk id="224" creationId="{47BEF17B-7909-4A7D-9A95-A7741E2A6DF7}"/>
+          </ac:grpSpMkLst>
+        </pc:grpChg>
+        <pc:grpChg chg="add mod">
+          <ac:chgData name="Matt Carlson" userId="0e792f37f00095d9" providerId="LiveId" clId="{560E01DB-C0ED-43C1-8B3A-367CBEC07B1F}" dt="2020-10-24T10:19:25.368" v="341" actId="1076"/>
+          <ac:grpSpMkLst>
+            <pc:docMk/>
+            <pc:sldMk cId="4001422911" sldId="282"/>
+            <ac:grpSpMk id="229" creationId="{F2470067-731A-4A30-BA38-4B2EA6E93D7A}"/>
+          </ac:grpSpMkLst>
+        </pc:grpChg>
+        <pc:grpChg chg="del">
+          <ac:chgData name="Matt Carlson" userId="0e792f37f00095d9" providerId="LiveId" clId="{560E01DB-C0ED-43C1-8B3A-367CBEC07B1F}" dt="2020-10-24T09:11:40.623" v="1" actId="478"/>
+          <ac:grpSpMkLst>
+            <pc:docMk/>
+            <pc:sldMk cId="4001422911" sldId="282"/>
+            <ac:grpSpMk id="231" creationId="{31444C3C-49DF-4863-B7B6-422D38FDC31B}"/>
+          </ac:grpSpMkLst>
+        </pc:grpChg>
+        <pc:grpChg chg="del">
+          <ac:chgData name="Matt Carlson" userId="0e792f37f00095d9" providerId="LiveId" clId="{560E01DB-C0ED-43C1-8B3A-367CBEC07B1F}" dt="2020-10-24T09:11:40.623" v="1" actId="478"/>
+          <ac:grpSpMkLst>
+            <pc:docMk/>
+            <pc:sldMk cId="4001422911" sldId="282"/>
+            <ac:grpSpMk id="235" creationId="{9133B348-45E7-49B5-B183-75D7028F320D}"/>
+          </ac:grpSpMkLst>
+        </pc:grpChg>
+        <pc:grpChg chg="del">
+          <ac:chgData name="Matt Carlson" userId="0e792f37f00095d9" providerId="LiveId" clId="{560E01DB-C0ED-43C1-8B3A-367CBEC07B1F}" dt="2020-10-24T09:11:40.623" v="1" actId="478"/>
+          <ac:grpSpMkLst>
+            <pc:docMk/>
+            <pc:sldMk cId="4001422911" sldId="282"/>
+            <ac:grpSpMk id="240" creationId="{8637D463-A302-41A0-9BA7-1E7A5BF5F388}"/>
+          </ac:grpSpMkLst>
+        </pc:grpChg>
+        <pc:grpChg chg="del">
+          <ac:chgData name="Matt Carlson" userId="0e792f37f00095d9" providerId="LiveId" clId="{560E01DB-C0ED-43C1-8B3A-367CBEC07B1F}" dt="2020-10-24T09:11:40.623" v="1" actId="478"/>
+          <ac:grpSpMkLst>
+            <pc:docMk/>
+            <pc:sldMk cId="4001422911" sldId="282"/>
+            <ac:grpSpMk id="244" creationId="{1C2DC5E4-42D1-40E1-A179-50493A6E9A2C}"/>
+          </ac:grpSpMkLst>
+        </pc:grpChg>
+        <pc:grpChg chg="add mod ord">
+          <ac:chgData name="Matt Carlson" userId="0e792f37f00095d9" providerId="LiveId" clId="{560E01DB-C0ED-43C1-8B3A-367CBEC07B1F}" dt="2020-10-24T09:52:15.385" v="207" actId="167"/>
+          <ac:grpSpMkLst>
+            <pc:docMk/>
+            <pc:sldMk cId="4001422911" sldId="282"/>
+            <ac:grpSpMk id="248" creationId="{AFD94907-22D8-40AE-92F1-149BD6DD56A3}"/>
+          </ac:grpSpMkLst>
+        </pc:grpChg>
+        <pc:grpChg chg="del">
+          <ac:chgData name="Matt Carlson" userId="0e792f37f00095d9" providerId="LiveId" clId="{560E01DB-C0ED-43C1-8B3A-367CBEC07B1F}" dt="2020-10-24T09:11:40.623" v="1" actId="478"/>
+          <ac:grpSpMkLst>
+            <pc:docMk/>
+            <pc:sldMk cId="4001422911" sldId="282"/>
+            <ac:grpSpMk id="252" creationId="{7BC4007C-0CF0-49FD-8340-4D553580B98C}"/>
+          </ac:grpSpMkLst>
+        </pc:grpChg>
+        <pc:grpChg chg="del">
+          <ac:chgData name="Matt Carlson" userId="0e792f37f00095d9" providerId="LiveId" clId="{560E01DB-C0ED-43C1-8B3A-367CBEC07B1F}" dt="2020-10-24T09:11:40.623" v="1" actId="478"/>
+          <ac:grpSpMkLst>
+            <pc:docMk/>
+            <pc:sldMk cId="4001422911" sldId="282"/>
+            <ac:grpSpMk id="256" creationId="{D84F6F70-D376-4F2F-B06F-DC80A58CEC53}"/>
+          </ac:grpSpMkLst>
+        </pc:grpChg>
+        <pc:grpChg chg="del">
+          <ac:chgData name="Matt Carlson" userId="0e792f37f00095d9" providerId="LiveId" clId="{560E01DB-C0ED-43C1-8B3A-367CBEC07B1F}" dt="2020-10-24T09:11:40.623" v="1" actId="478"/>
+          <ac:grpSpMkLst>
+            <pc:docMk/>
+            <pc:sldMk cId="4001422911" sldId="282"/>
+            <ac:grpSpMk id="260" creationId="{33277367-29FF-4334-A7FD-C32EB1227576}"/>
+          </ac:grpSpMkLst>
+        </pc:grpChg>
+        <pc:grpChg chg="del">
+          <ac:chgData name="Matt Carlson" userId="0e792f37f00095d9" providerId="LiveId" clId="{560E01DB-C0ED-43C1-8B3A-367CBEC07B1F}" dt="2020-10-24T09:11:40.623" v="1" actId="478"/>
+          <ac:grpSpMkLst>
+            <pc:docMk/>
+            <pc:sldMk cId="4001422911" sldId="282"/>
+            <ac:grpSpMk id="264" creationId="{3A720F8D-F8EB-4BA2-9DB0-3F1CD9AAD020}"/>
+          </ac:grpSpMkLst>
+        </pc:grpChg>
+        <pc:grpChg chg="del">
+          <ac:chgData name="Matt Carlson" userId="0e792f37f00095d9" providerId="LiveId" clId="{560E01DB-C0ED-43C1-8B3A-367CBEC07B1F}" dt="2020-10-24T09:11:40.623" v="1" actId="478"/>
+          <ac:grpSpMkLst>
+            <pc:docMk/>
+            <pc:sldMk cId="4001422911" sldId="282"/>
+            <ac:grpSpMk id="268" creationId="{FDF1D763-7C90-4984-909B-9466E028A08D}"/>
+          </ac:grpSpMkLst>
+        </pc:grpChg>
+        <pc:grpChg chg="add mod">
+          <ac:chgData name="Matt Carlson" userId="0e792f37f00095d9" providerId="LiveId" clId="{560E01DB-C0ED-43C1-8B3A-367CBEC07B1F}" dt="2020-10-24T10:06:29.382" v="214" actId="1076"/>
+          <ac:grpSpMkLst>
+            <pc:docMk/>
+            <pc:sldMk cId="4001422911" sldId="282"/>
+            <ac:grpSpMk id="272" creationId="{2B524C78-6CD3-414E-92FB-ED7E39F05CEA}"/>
+          </ac:grpSpMkLst>
+        </pc:grpChg>
+        <pc:grpChg chg="mod">
+          <ac:chgData name="Matt Carlson" userId="0e792f37f00095d9" providerId="LiveId" clId="{560E01DB-C0ED-43C1-8B3A-367CBEC07B1F}" dt="2020-10-24T10:06:21.960" v="211"/>
+          <ac:grpSpMkLst>
+            <pc:docMk/>
+            <pc:sldMk cId="4001422911" sldId="282"/>
+            <ac:grpSpMk id="275" creationId="{9F9995C5-3147-48F9-8A05-CF08D8E41CDF}"/>
+          </ac:grpSpMkLst>
+        </pc:grpChg>
+        <pc:grpChg chg="del">
+          <ac:chgData name="Matt Carlson" userId="0e792f37f00095d9" providerId="LiveId" clId="{560E01DB-C0ED-43C1-8B3A-367CBEC07B1F}" dt="2020-10-24T09:11:40.623" v="1" actId="478"/>
+          <ac:grpSpMkLst>
+            <pc:docMk/>
+            <pc:sldMk cId="4001422911" sldId="282"/>
+            <ac:grpSpMk id="276" creationId="{100F7E9C-E429-4145-B2C0-7785547B3B48}"/>
+          </ac:grpSpMkLst>
+        </pc:grpChg>
+        <pc:grpChg chg="del">
+          <ac:chgData name="Matt Carlson" userId="0e792f37f00095d9" providerId="LiveId" clId="{560E01DB-C0ED-43C1-8B3A-367CBEC07B1F}" dt="2020-10-24T09:11:40.623" v="1" actId="478"/>
+          <ac:grpSpMkLst>
+            <pc:docMk/>
+            <pc:sldMk cId="4001422911" sldId="282"/>
+            <ac:grpSpMk id="280" creationId="{240BBFA4-29E8-44DC-B9A8-C056EA8FFDA8}"/>
+          </ac:grpSpMkLst>
+        </pc:grpChg>
+        <pc:grpChg chg="del">
+          <ac:chgData name="Matt Carlson" userId="0e792f37f00095d9" providerId="LiveId" clId="{560E01DB-C0ED-43C1-8B3A-367CBEC07B1F}" dt="2020-10-24T09:11:40.623" v="1" actId="478"/>
+          <ac:grpSpMkLst>
+            <pc:docMk/>
+            <pc:sldMk cId="4001422911" sldId="282"/>
+            <ac:grpSpMk id="283" creationId="{C0AEA172-5D02-4C4B-A762-224C3574B1E8}"/>
+          </ac:grpSpMkLst>
+        </pc:grpChg>
+        <pc:grpChg chg="add mod">
+          <ac:chgData name="Matt Carlson" userId="0e792f37f00095d9" providerId="LiveId" clId="{560E01DB-C0ED-43C1-8B3A-367CBEC07B1F}" dt="2020-10-24T10:06:33.044" v="216" actId="1076"/>
+          <ac:grpSpMkLst>
+            <pc:docMk/>
+            <pc:sldMk cId="4001422911" sldId="282"/>
+            <ac:grpSpMk id="289" creationId="{61EFE366-7B2A-45CB-BAF4-A69FD283AFE7}"/>
+          </ac:grpSpMkLst>
+        </pc:grpChg>
+        <pc:grpChg chg="mod">
+          <ac:chgData name="Matt Carlson" userId="0e792f37f00095d9" providerId="LiveId" clId="{560E01DB-C0ED-43C1-8B3A-367CBEC07B1F}" dt="2020-10-24T10:06:30.543" v="215"/>
+          <ac:grpSpMkLst>
+            <pc:docMk/>
+            <pc:sldMk cId="4001422911" sldId="282"/>
+            <ac:grpSpMk id="292" creationId="{696FB70D-8D05-447C-82AF-1C4B04DEB456}"/>
+          </ac:grpSpMkLst>
+        </pc:grpChg>
+        <pc:grpChg chg="add mod">
+          <ac:chgData name="Matt Carlson" userId="0e792f37f00095d9" providerId="LiveId" clId="{560E01DB-C0ED-43C1-8B3A-367CBEC07B1F}" dt="2020-10-24T10:19:53.775" v="343" actId="1076"/>
+          <ac:grpSpMkLst>
+            <pc:docMk/>
+            <pc:sldMk cId="4001422911" sldId="282"/>
+            <ac:grpSpMk id="296" creationId="{59097330-E97A-491A-AA59-976F675A129D}"/>
+          </ac:grpSpMkLst>
+        </pc:grpChg>
+        <pc:grpChg chg="add mod">
+          <ac:chgData name="Matt Carlson" userId="0e792f37f00095d9" providerId="LiveId" clId="{560E01DB-C0ED-43C1-8B3A-367CBEC07B1F}" dt="2020-10-24T10:19:09.848" v="337" actId="1076"/>
+          <ac:grpSpMkLst>
+            <pc:docMk/>
+            <pc:sldMk cId="4001422911" sldId="282"/>
+            <ac:grpSpMk id="302" creationId="{B169A1B2-1412-4F2E-825E-0BCF06A5A05C}"/>
+          </ac:grpSpMkLst>
+        </pc:grpChg>
+        <pc:grpChg chg="add mod">
+          <ac:chgData name="Matt Carlson" userId="0e792f37f00095d9" providerId="LiveId" clId="{560E01DB-C0ED-43C1-8B3A-367CBEC07B1F}" dt="2020-10-24T10:16:10.629" v="240" actId="1076"/>
+          <ac:grpSpMkLst>
+            <pc:docMk/>
+            <pc:sldMk cId="4001422911" sldId="282"/>
+            <ac:grpSpMk id="306" creationId="{77F4EFDB-60B8-4CF1-8705-A5E98376192F}"/>
+          </ac:grpSpMkLst>
+        </pc:grpChg>
+        <pc:grpChg chg="add mod">
+          <ac:chgData name="Matt Carlson" userId="0e792f37f00095d9" providerId="LiveId" clId="{560E01DB-C0ED-43C1-8B3A-367CBEC07B1F}" dt="2020-10-24T10:16:29.330" v="243" actId="1076"/>
+          <ac:grpSpMkLst>
+            <pc:docMk/>
+            <pc:sldMk cId="4001422911" sldId="282"/>
+            <ac:grpSpMk id="310" creationId="{D69436E5-13DB-4ABA-8EA1-F540A655F987}"/>
+          </ac:grpSpMkLst>
+        </pc:grpChg>
+        <pc:graphicFrameChg chg="mod modGraphic">
+          <ac:chgData name="Matt Carlson" userId="0e792f37f00095d9" providerId="LiveId" clId="{560E01DB-C0ED-43C1-8B3A-367CBEC07B1F}" dt="2020-10-24T10:18:36.667" v="333" actId="20577"/>
           <ac:graphicFrameMkLst>
             <pc:docMk/>
-            <pc:sldMk cId="0" sldId="274"/>
+            <pc:sldMk cId="4001422911" sldId="282"/>
             <ac:graphicFrameMk id="110" creationId="{00000000-0000-0000-0000-000000000000}"/>
           </ac:graphicFrameMkLst>
         </pc:graphicFrameChg>
+        <pc:cxnChg chg="add mod">
+          <ac:chgData name="Matt Carlson" userId="0e792f37f00095d9" providerId="LiveId" clId="{560E01DB-C0ED-43C1-8B3A-367CBEC07B1F}" dt="2020-10-24T09:44:21.286" v="170" actId="14100"/>
+          <ac:cxnSpMkLst>
+            <pc:docMk/>
+            <pc:sldMk cId="4001422911" sldId="282"/>
+            <ac:cxnSpMk id="128" creationId="{B24E2BF5-2D0C-4095-88FB-2B72F132D540}"/>
+          </ac:cxnSpMkLst>
+        </pc:cxnChg>
+        <pc:cxnChg chg="add mod">
+          <ac:chgData name="Matt Carlson" userId="0e792f37f00095d9" providerId="LiveId" clId="{560E01DB-C0ED-43C1-8B3A-367CBEC07B1F}" dt="2020-10-24T09:24:04.392" v="74" actId="14100"/>
+          <ac:cxnSpMkLst>
+            <pc:docMk/>
+            <pc:sldMk cId="4001422911" sldId="282"/>
+            <ac:cxnSpMk id="130" creationId="{825575C6-77DB-4BD7-B0B4-475684BBB079}"/>
+          </ac:cxnSpMkLst>
+        </pc:cxnChg>
+        <pc:cxnChg chg="add del mod">
+          <ac:chgData name="Matt Carlson" userId="0e792f37f00095d9" providerId="LiveId" clId="{560E01DB-C0ED-43C1-8B3A-367CBEC07B1F}" dt="2020-10-24T10:07:02.815" v="223" actId="478"/>
+          <ac:cxnSpMkLst>
+            <pc:docMk/>
+            <pc:sldMk cId="4001422911" sldId="282"/>
+            <ac:cxnSpMk id="172" creationId="{3BB78425-A485-4EE3-89CC-DAF4A62B43F2}"/>
+          </ac:cxnSpMkLst>
+        </pc:cxnChg>
+        <pc:cxnChg chg="mod">
+          <ac:chgData name="Matt Carlson" userId="0e792f37f00095d9" providerId="LiveId" clId="{560E01DB-C0ED-43C1-8B3A-367CBEC07B1F}" dt="2020-10-24T09:25:35.004" v="106" actId="14100"/>
+          <ac:cxnSpMkLst>
+            <pc:docMk/>
+            <pc:sldMk cId="4001422911" sldId="282"/>
+            <ac:cxnSpMk id="188" creationId="{8C0264D6-1235-4CE6-9B44-00C2431614F8}"/>
+          </ac:cxnSpMkLst>
+        </pc:cxnChg>
+        <pc:cxnChg chg="add mod">
+          <ac:chgData name="Matt Carlson" userId="0e792f37f00095d9" providerId="LiveId" clId="{560E01DB-C0ED-43C1-8B3A-367CBEC07B1F}" dt="2020-10-24T09:28:04.566" v="135" actId="14100"/>
+          <ac:cxnSpMkLst>
+            <pc:docMk/>
+            <pc:sldMk cId="4001422911" sldId="282"/>
+            <ac:cxnSpMk id="189" creationId="{1D175138-170D-4DB6-9F39-3AA6059C4263}"/>
+          </ac:cxnSpMkLst>
+        </pc:cxnChg>
+        <pc:cxnChg chg="add mod">
+          <ac:chgData name="Matt Carlson" userId="0e792f37f00095d9" providerId="LiveId" clId="{560E01DB-C0ED-43C1-8B3A-367CBEC07B1F}" dt="2020-10-24T09:37:09.747" v="163" actId="14100"/>
+          <ac:cxnSpMkLst>
+            <pc:docMk/>
+            <pc:sldMk cId="4001422911" sldId="282"/>
+            <ac:cxnSpMk id="198" creationId="{E8C6720D-058C-404C-97BF-A1B19756BFB9}"/>
+          </ac:cxnSpMkLst>
+        </pc:cxnChg>
+        <pc:cxnChg chg="mod">
+          <ac:chgData name="Matt Carlson" userId="0e792f37f00095d9" providerId="LiveId" clId="{560E01DB-C0ED-43C1-8B3A-367CBEC07B1F}" dt="2020-10-24T10:06:58.558" v="221" actId="14100"/>
+          <ac:cxnSpMkLst>
+            <pc:docMk/>
+            <pc:sldMk cId="4001422911" sldId="282"/>
+            <ac:cxnSpMk id="199" creationId="{2CA99E20-2095-4EEF-946B-AB05F0856B0F}"/>
+          </ac:cxnSpMkLst>
+        </pc:cxnChg>
+        <pc:cxnChg chg="del">
+          <ac:chgData name="Matt Carlson" userId="0e792f37f00095d9" providerId="LiveId" clId="{560E01DB-C0ED-43C1-8B3A-367CBEC07B1F}" dt="2020-10-24T09:11:40.623" v="1" actId="478"/>
+          <ac:cxnSpMkLst>
+            <pc:docMk/>
+            <pc:sldMk cId="4001422911" sldId="282"/>
+            <ac:cxnSpMk id="200" creationId="{8BE9CA0C-3C21-455A-849F-A58B5D3B2211}"/>
+          </ac:cxnSpMkLst>
+        </pc:cxnChg>
+        <pc:cxnChg chg="mod">
+          <ac:chgData name="Matt Carlson" userId="0e792f37f00095d9" providerId="LiveId" clId="{560E01DB-C0ED-43C1-8B3A-367CBEC07B1F}" dt="2020-10-24T09:11:44.811" v="2" actId="1076"/>
+          <ac:cxnSpMkLst>
+            <pc:docMk/>
+            <pc:sldMk cId="4001422911" sldId="282"/>
+            <ac:cxnSpMk id="201" creationId="{3E56B92E-844A-4614-9A1A-054F84F46610}"/>
+          </ac:cxnSpMkLst>
+        </pc:cxnChg>
+        <pc:cxnChg chg="del">
+          <ac:chgData name="Matt Carlson" userId="0e792f37f00095d9" providerId="LiveId" clId="{560E01DB-C0ED-43C1-8B3A-367CBEC07B1F}" dt="2020-10-24T09:11:40.623" v="1" actId="478"/>
+          <ac:cxnSpMkLst>
+            <pc:docMk/>
+            <pc:sldMk cId="4001422911" sldId="282"/>
+            <ac:cxnSpMk id="202" creationId="{555F92E3-C861-4B4B-BB20-D7058AB79966}"/>
+          </ac:cxnSpMkLst>
+        </pc:cxnChg>
+        <pc:cxnChg chg="del">
+          <ac:chgData name="Matt Carlson" userId="0e792f37f00095d9" providerId="LiveId" clId="{560E01DB-C0ED-43C1-8B3A-367CBEC07B1F}" dt="2020-10-24T09:11:40.623" v="1" actId="478"/>
+          <ac:cxnSpMkLst>
+            <pc:docMk/>
+            <pc:sldMk cId="4001422911" sldId="282"/>
+            <ac:cxnSpMk id="203" creationId="{39AD62B9-321A-4253-8792-6ADDC9ECAF12}"/>
+          </ac:cxnSpMkLst>
+        </pc:cxnChg>
+        <pc:cxnChg chg="del">
+          <ac:chgData name="Matt Carlson" userId="0e792f37f00095d9" providerId="LiveId" clId="{560E01DB-C0ED-43C1-8B3A-367CBEC07B1F}" dt="2020-10-24T09:11:40.623" v="1" actId="478"/>
+          <ac:cxnSpMkLst>
+            <pc:docMk/>
+            <pc:sldMk cId="4001422911" sldId="282"/>
+            <ac:cxnSpMk id="204" creationId="{5FB62FBD-E17B-4862-B916-F883F1F547C8}"/>
+          </ac:cxnSpMkLst>
+        </pc:cxnChg>
+        <pc:cxnChg chg="del">
+          <ac:chgData name="Matt Carlson" userId="0e792f37f00095d9" providerId="LiveId" clId="{560E01DB-C0ED-43C1-8B3A-367CBEC07B1F}" dt="2020-10-24T09:11:40.623" v="1" actId="478"/>
+          <ac:cxnSpMkLst>
+            <pc:docMk/>
+            <pc:sldMk cId="4001422911" sldId="282"/>
+            <ac:cxnSpMk id="205" creationId="{BAB2DE11-AC16-478F-9A72-0D84C22DB193}"/>
+          </ac:cxnSpMkLst>
+        </pc:cxnChg>
+        <pc:cxnChg chg="add mod">
+          <ac:chgData name="Matt Carlson" userId="0e792f37f00095d9" providerId="LiveId" clId="{560E01DB-C0ED-43C1-8B3A-367CBEC07B1F}" dt="2020-10-24T09:29:33.921" v="150" actId="14100"/>
+          <ac:cxnSpMkLst>
+            <pc:docMk/>
+            <pc:sldMk cId="4001422911" sldId="282"/>
+            <ac:cxnSpMk id="211" creationId="{4580FC8B-497A-4CD6-9EE1-21FB14D52902}"/>
+          </ac:cxnSpMkLst>
+        </pc:cxnChg>
+        <pc:cxnChg chg="add mod">
+          <ac:chgData name="Matt Carlson" userId="0e792f37f00095d9" providerId="LiveId" clId="{560E01DB-C0ED-43C1-8B3A-367CBEC07B1F}" dt="2020-10-24T10:07:00.891" v="222" actId="14100"/>
+          <ac:cxnSpMkLst>
+            <pc:docMk/>
+            <pc:sldMk cId="4001422911" sldId="282"/>
+            <ac:cxnSpMk id="295" creationId="{7ED5F661-41BA-4172-AD9C-C5E2CF642BD5}"/>
+          </ac:cxnSpMkLst>
+        </pc:cxnChg>
       </pc:sldChg>
     </pc:docChg>
   </pc:docChgLst>
@@ -974,7 +2926,7 @@
               <a:pPr>
                 <a:defRPr/>
               </a:pPr>
-              <a:t>10/23/20</a:t>
+              <a:t>10/24/20</a:t>
             </a:fld>
             <a:endParaRPr lang="en-US"/>
           </a:p>
@@ -1284,6 +3236,281 @@
     </a:lvl9pPr>
   </p:notesStyle>
 </p:notesMaster>
+</file>
+
+<file path=ppt/notesSlides/notesSlide1.xml><?xml version="1.0" encoding="utf-8"?>
+<p:notes xmlns:a="http://schemas.openxmlformats.org/drawingml/2006/main" xmlns:r="http://schemas.openxmlformats.org/officeDocument/2006/relationships" xmlns:p="http://schemas.openxmlformats.org/presentationml/2006/main">
+  <p:cSld>
+    <p:spTree>
+      <p:nvGrpSpPr>
+        <p:cNvPr id="1" name=""/>
+        <p:cNvGrpSpPr/>
+        <p:nvPr/>
+      </p:nvGrpSpPr>
+      <p:grpSpPr>
+        <a:xfrm>
+          <a:off x="0" y="0"/>
+          <a:ext cx="0" cy="0"/>
+          <a:chOff x="0" y="0"/>
+          <a:chExt cx="0" cy="0"/>
+        </a:xfrm>
+      </p:grpSpPr>
+      <p:sp>
+        <p:nvSpPr>
+          <p:cNvPr id="4098" name="Slide Image Placeholder 1"/>
+          <p:cNvSpPr>
+            <a:spLocks noGrp="1" noRot="1" noChangeAspect="1" noTextEdit="1"/>
+          </p:cNvSpPr>
+          <p:nvPr>
+            <p:ph type="sldImg"/>
+          </p:nvPr>
+        </p:nvSpPr>
+        <p:spPr bwMode="auto">
+          <a:noFill/>
+          <a:ln>
+            <a:solidFill>
+              <a:srgbClr val="000000"/>
+            </a:solidFill>
+            <a:miter lim="800000"/>
+            <a:headEnd/>
+            <a:tailEnd/>
+          </a:ln>
+          <a:extLst>
+            <a:ext uri="{909E8E84-426E-40DD-AFC4-6F175D3DCCD1}">
+              <a14:hiddenFill xmlns:a14="http://schemas.microsoft.com/office/drawing/2010/main">
+                <a:solidFill>
+                  <a:srgbClr val="FFFFFF"/>
+                </a:solidFill>
+              </a14:hiddenFill>
+            </a:ext>
+          </a:extLst>
+        </p:spPr>
+      </p:sp>
+      <p:sp>
+        <p:nvSpPr>
+          <p:cNvPr id="4099" name="Notes Placeholder 2"/>
+          <p:cNvSpPr>
+            <a:spLocks noGrp="1"/>
+          </p:cNvSpPr>
+          <p:nvPr>
+            <p:ph type="body" idx="1"/>
+          </p:nvPr>
+        </p:nvSpPr>
+        <p:spPr bwMode="auto">
+          <a:noFill/>
+          <a:extLst>
+            <a:ext uri="{909E8E84-426E-40DD-AFC4-6F175D3DCCD1}">
+              <a14:hiddenFill xmlns:a14="http://schemas.microsoft.com/office/drawing/2010/main">
+                <a:solidFill>
+                  <a:srgbClr val="FFFFFF"/>
+                </a:solidFill>
+              </a14:hiddenFill>
+            </a:ext>
+            <a:ext uri="{91240B29-F687-4F45-9708-019B960494DF}">
+              <a14:hiddenLine xmlns:a14="http://schemas.microsoft.com/office/drawing/2010/main" w="9525">
+                <a:solidFill>
+                  <a:srgbClr val="000000"/>
+                </a:solidFill>
+                <a:miter lim="800000"/>
+                <a:headEnd/>
+                <a:tailEnd/>
+              </a14:hiddenLine>
+            </a:ext>
+          </a:extLst>
+        </p:spPr>
+        <p:txBody>
+          <a:bodyPr wrap="square" numCol="1" anchor="t" anchorCtr="0" compatLnSpc="1">
+            <a:prstTxWarp prst="textNoShape">
+              <a:avLst/>
+            </a:prstTxWarp>
+          </a:bodyPr>
+          <a:lstStyle/>
+          <a:p>
+            <a:pPr eaLnBrk="1" hangingPunct="1">
+              <a:spcBef>
+                <a:spcPct val="0"/>
+              </a:spcBef>
+            </a:pPr>
+            <a:endParaRPr lang="en-US" altLang="en-US"/>
+          </a:p>
+        </p:txBody>
+      </p:sp>
+      <p:sp>
+        <p:nvSpPr>
+          <p:cNvPr id="4100" name="Slide Number Placeholder 3"/>
+          <p:cNvSpPr>
+            <a:spLocks noGrp="1"/>
+          </p:cNvSpPr>
+          <p:nvPr>
+            <p:ph type="sldNum" sz="quarter" idx="5"/>
+          </p:nvPr>
+        </p:nvSpPr>
+        <p:spPr bwMode="auto">
+          <a:noFill/>
+          <a:extLst>
+            <a:ext uri="{909E8E84-426E-40DD-AFC4-6F175D3DCCD1}">
+              <a14:hiddenFill xmlns:a14="http://schemas.microsoft.com/office/drawing/2010/main">
+                <a:solidFill>
+                  <a:srgbClr val="FFFFFF"/>
+                </a:solidFill>
+              </a14:hiddenFill>
+            </a:ext>
+            <a:ext uri="{91240B29-F687-4F45-9708-019B960494DF}">
+              <a14:hiddenLine xmlns:a14="http://schemas.microsoft.com/office/drawing/2010/main" w="9525">
+                <a:solidFill>
+                  <a:srgbClr val="000000"/>
+                </a:solidFill>
+                <a:miter lim="800000"/>
+                <a:headEnd/>
+                <a:tailEnd/>
+              </a14:hiddenLine>
+            </a:ext>
+          </a:extLst>
+        </p:spPr>
+        <p:txBody>
+          <a:bodyPr/>
+          <a:lstStyle>
+            <a:lvl1pPr>
+              <a:spcBef>
+                <a:spcPct val="30000"/>
+              </a:spcBef>
+              <a:defRPr sz="1200">
+                <a:solidFill>
+                  <a:schemeClr val="tx1"/>
+                </a:solidFill>
+                <a:latin typeface="Calibri" panose="020F0502020204030204" pitchFamily="34" charset="0"/>
+              </a:defRPr>
+            </a:lvl1pPr>
+            <a:lvl2pPr marL="742950" indent="-285750">
+              <a:spcBef>
+                <a:spcPct val="30000"/>
+              </a:spcBef>
+              <a:defRPr sz="1200">
+                <a:solidFill>
+                  <a:schemeClr val="tx1"/>
+                </a:solidFill>
+                <a:latin typeface="Calibri" panose="020F0502020204030204" pitchFamily="34" charset="0"/>
+              </a:defRPr>
+            </a:lvl2pPr>
+            <a:lvl3pPr marL="1143000" indent="-228600">
+              <a:spcBef>
+                <a:spcPct val="30000"/>
+              </a:spcBef>
+              <a:defRPr sz="1200">
+                <a:solidFill>
+                  <a:schemeClr val="tx1"/>
+                </a:solidFill>
+                <a:latin typeface="Calibri" panose="020F0502020204030204" pitchFamily="34" charset="0"/>
+              </a:defRPr>
+            </a:lvl3pPr>
+            <a:lvl4pPr marL="1600200" indent="-228600">
+              <a:spcBef>
+                <a:spcPct val="30000"/>
+              </a:spcBef>
+              <a:defRPr sz="1200">
+                <a:solidFill>
+                  <a:schemeClr val="tx1"/>
+                </a:solidFill>
+                <a:latin typeface="Calibri" panose="020F0502020204030204" pitchFamily="34" charset="0"/>
+              </a:defRPr>
+            </a:lvl4pPr>
+            <a:lvl5pPr marL="2057400" indent="-228600">
+              <a:spcBef>
+                <a:spcPct val="30000"/>
+              </a:spcBef>
+              <a:defRPr sz="1200">
+                <a:solidFill>
+                  <a:schemeClr val="tx1"/>
+                </a:solidFill>
+                <a:latin typeface="Calibri" panose="020F0502020204030204" pitchFamily="34" charset="0"/>
+              </a:defRPr>
+            </a:lvl5pPr>
+            <a:lvl6pPr marL="2514600" indent="-228600" eaLnBrk="0" fontAlgn="base" hangingPunct="0">
+              <a:spcBef>
+                <a:spcPct val="30000"/>
+              </a:spcBef>
+              <a:spcAft>
+                <a:spcPct val="0"/>
+              </a:spcAft>
+              <a:defRPr sz="1200">
+                <a:solidFill>
+                  <a:schemeClr val="tx1"/>
+                </a:solidFill>
+                <a:latin typeface="Calibri" panose="020F0502020204030204" pitchFamily="34" charset="0"/>
+              </a:defRPr>
+            </a:lvl6pPr>
+            <a:lvl7pPr marL="2971800" indent="-228600" eaLnBrk="0" fontAlgn="base" hangingPunct="0">
+              <a:spcBef>
+                <a:spcPct val="30000"/>
+              </a:spcBef>
+              <a:spcAft>
+                <a:spcPct val="0"/>
+              </a:spcAft>
+              <a:defRPr sz="1200">
+                <a:solidFill>
+                  <a:schemeClr val="tx1"/>
+                </a:solidFill>
+                <a:latin typeface="Calibri" panose="020F0502020204030204" pitchFamily="34" charset="0"/>
+              </a:defRPr>
+            </a:lvl7pPr>
+            <a:lvl8pPr marL="3429000" indent="-228600" eaLnBrk="0" fontAlgn="base" hangingPunct="0">
+              <a:spcBef>
+                <a:spcPct val="30000"/>
+              </a:spcBef>
+              <a:spcAft>
+                <a:spcPct val="0"/>
+              </a:spcAft>
+              <a:defRPr sz="1200">
+                <a:solidFill>
+                  <a:schemeClr val="tx1"/>
+                </a:solidFill>
+                <a:latin typeface="Calibri" panose="020F0502020204030204" pitchFamily="34" charset="0"/>
+              </a:defRPr>
+            </a:lvl8pPr>
+            <a:lvl9pPr marL="3886200" indent="-228600" eaLnBrk="0" fontAlgn="base" hangingPunct="0">
+              <a:spcBef>
+                <a:spcPct val="30000"/>
+              </a:spcBef>
+              <a:spcAft>
+                <a:spcPct val="0"/>
+              </a:spcAft>
+              <a:defRPr sz="1200">
+                <a:solidFill>
+                  <a:schemeClr val="tx1"/>
+                </a:solidFill>
+                <a:latin typeface="Calibri" panose="020F0502020204030204" pitchFamily="34" charset="0"/>
+              </a:defRPr>
+            </a:lvl9pPr>
+          </a:lstStyle>
+          <a:p>
+            <a:pPr>
+              <a:spcBef>
+                <a:spcPct val="0"/>
+              </a:spcBef>
+            </a:pPr>
+            <a:fld id="{74D847B4-44C5-4AE2-A853-857E5C000287}" type="slidenum">
+              <a:rPr lang="en-US" altLang="en-US" smtClean="0">
+                <a:latin typeface="Arial" panose="020B0604020202020204" pitchFamily="34" charset="0"/>
+              </a:rPr>
+              <a:pPr>
+                <a:spcBef>
+                  <a:spcPct val="0"/>
+                </a:spcBef>
+              </a:pPr>
+              <a:t>1</a:t>
+            </a:fld>
+            <a:endParaRPr lang="en-US" altLang="en-US">
+              <a:latin typeface="Arial" panose="020B0604020202020204" pitchFamily="34" charset="0"/>
+            </a:endParaRPr>
+          </a:p>
+        </p:txBody>
+      </p:sp>
+    </p:spTree>
+  </p:cSld>
+  <p:clrMapOvr>
+    <a:masterClrMapping/>
+  </p:clrMapOvr>
+</p:notes>
 </file>
 
 <file path=ppt/slideLayouts/slideLayout1.xml><?xml version="1.0" encoding="utf-8"?>
@@ -4658,21 +6885,21 @@
       </p:grpSpPr>
       <p:graphicFrame>
         <p:nvGraphicFramePr>
-          <p:cNvPr id="8" name="Group 29"/>
+          <p:cNvPr id="110" name="Group 29"/>
           <p:cNvGraphicFramePr>
             <a:graphicFrameLocks noGrp="1"/>
           </p:cNvGraphicFramePr>
           <p:nvPr>
             <p:extLst>
               <p:ext uri="{D42A27DB-BD31-4B8C-83A1-F6EECF244321}">
-                <p14:modId xmlns:p14="http://schemas.microsoft.com/office/powerpoint/2010/main" val="2761655058"/>
+                <p14:modId xmlns:p14="http://schemas.microsoft.com/office/powerpoint/2010/main" val="3559887294"/>
               </p:ext>
             </p:extLst>
           </p:nvPr>
         </p:nvGraphicFramePr>
         <p:xfrm>
           <a:off x="177800" y="165100"/>
-          <a:ext cx="6997700" cy="2875764"/>
+          <a:ext cx="6997700" cy="3143988"/>
         </p:xfrm>
         <a:graphic>
           <a:graphicData uri="http://schemas.openxmlformats.org/drawingml/2006/table">
@@ -4801,7 +7028,7 @@
                         <a:defRPr/>
                       </a:pPr>
                       <a:r>
-                        <a:rPr kumimoji="0" lang="en-US" sz="1200" b="1" i="0" u="none" strike="noStrike" kern="1200" cap="none" spc="0" normalizeH="0" baseline="0" noProof="0" dirty="0">
+                        <a:rPr kumimoji="0" lang="en-US" sz="2000" b="1" i="0" u="none" strike="noStrike" kern="1200" cap="none" spc="0" normalizeH="0" baseline="0" noProof="0" dirty="0">
                           <a:ln>
                             <a:noFill/>
                           </a:ln>
@@ -4815,7 +7042,7 @@
                           <a:ea typeface="+mn-ea"/>
                           <a:cs typeface="Times New Roman" charset="0"/>
                         </a:rPr>
-                        <a:t>Renton Fish and Game</a:t>
+                        <a:t>Trigger Treat</a:t>
                       </a:r>
                     </a:p>
                     <a:p>
@@ -4837,7 +7064,7 @@
                         <a:defRPr/>
                       </a:pPr>
                       <a:r>
-                        <a:rPr kumimoji="0" lang="en-US" sz="2000" b="1" i="0" u="none" strike="noStrike" kern="1200" cap="none" spc="0" normalizeH="0" baseline="0" noProof="0" dirty="0">
+                        <a:rPr kumimoji="0" lang="en-US" sz="2800" b="1" i="0" u="none" strike="noStrike" kern="1200" cap="none" spc="0" normalizeH="0" baseline="0" noProof="0" dirty="0">
                           <a:ln>
                             <a:noFill/>
                           </a:ln>
@@ -4937,8 +7164,39 @@
                           <a:ea typeface="+mn-ea"/>
                           <a:cs typeface="+mn-cs"/>
                         </a:rPr>
-                        <a:t>Course Designer: Chris Pukalo</a:t>
+                        <a:t>Course Designer: Chris </a:t>
                       </a:r>
+                      <a:r>
+                        <a:rPr kumimoji="0" lang="en-US" sz="1200" b="1" i="0" u="none" strike="noStrike" kern="1200" cap="none" spc="0" normalizeH="0" baseline="0" noProof="0" dirty="0" err="1">
+                          <a:ln>
+                            <a:noFill/>
+                          </a:ln>
+                          <a:solidFill>
+                            <a:srgbClr val="000000"/>
+                          </a:solidFill>
+                          <a:effectLst/>
+                          <a:uLnTx/>
+                          <a:uFillTx/>
+                          <a:latin typeface="Arial" charset="0"/>
+                          <a:ea typeface="+mn-ea"/>
+                          <a:cs typeface="+mn-cs"/>
+                        </a:rPr>
+                        <a:t>Pukalo</a:t>
+                      </a:r>
+                      <a:endParaRPr kumimoji="0" lang="en-US" sz="1200" b="1" i="0" u="none" strike="noStrike" kern="1200" cap="none" spc="0" normalizeH="0" baseline="0" noProof="0" dirty="0">
+                        <a:ln>
+                          <a:noFill/>
+                        </a:ln>
+                        <a:solidFill>
+                          <a:srgbClr val="000000"/>
+                        </a:solidFill>
+                        <a:effectLst/>
+                        <a:uLnTx/>
+                        <a:uFillTx/>
+                        <a:latin typeface="Arial" charset="0"/>
+                        <a:ea typeface="+mn-ea"/>
+                        <a:cs typeface="+mn-cs"/>
+                      </a:endParaRPr>
                     </a:p>
                   </a:txBody>
                   <a:tcPr marL="45720" marR="45720" marT="45716" marB="45716" anchor="ctr" horzOverflow="overflow">
@@ -5122,7 +7380,25 @@
                           <a:latin typeface="Arial" charset="0"/>
                           <a:cs typeface="Times New Roman" charset="0"/>
                         </a:rPr>
-                        <a:t> Standing with both feet outside the shooting area, toes touching marks, wrists below belt, facing directly downrange. Gun loaded and holstered.</a:t>
+                        <a:t> Standing outside the shooting area, toes touching marks, </a:t>
+                      </a:r>
+                      <a:r>
+                        <a:rPr lang="en-US" sz="1100" dirty="0"/>
+                        <a:t>wrists below belt</a:t>
+                      </a:r>
+                      <a:r>
+                        <a:rPr kumimoji="0" lang="en-US" sz="1100" b="0" i="0" u="none" strike="noStrike" cap="none" normalizeH="0" baseline="0" dirty="0">
+                          <a:ln>
+                            <a:noFill/>
+                          </a:ln>
+                          <a:solidFill>
+                            <a:schemeClr val="tx1"/>
+                          </a:solidFill>
+                          <a:effectLst/>
+                          <a:latin typeface="Arial" charset="0"/>
+                          <a:cs typeface="Times New Roman" charset="0"/>
+                        </a:rPr>
+                        <a:t>, facing anywhere downrange. Gun loaded and holstered.</a:t>
                       </a:r>
                     </a:p>
                     <a:p>
@@ -5198,7 +7474,7 @@
                           <a:latin typeface="Arial" charset="0"/>
                           <a:cs typeface="Times New Roman" charset="0"/>
                         </a:rPr>
-                        <a:t>Standing with both feet outside the shooting area, toes touching marks, facing directly downrange. Gun loaded, stock touching belt, muzzle pointed downrange.</a:t>
+                        <a:t>Standing outside the shooting area, toes touching marks, facing anywhere downrange. Gun loaded, stock touching belt, muzzle pointed anywhere downrange.</a:t>
                       </a:r>
                     </a:p>
                   </a:txBody>
@@ -5323,20 +7599,6 @@
                         <a:t>STAGE PROCEDURE: </a:t>
                       </a:r>
                       <a:r>
-                        <a:rPr kumimoji="0" lang="en-US" sz="1100" b="0" i="0" u="none" strike="noStrike" cap="none" normalizeH="0" baseline="0">
-                          <a:ln>
-                            <a:noFill/>
-                          </a:ln>
-                          <a:solidFill>
-                            <a:schemeClr val="tx1"/>
-                          </a:solidFill>
-                          <a:effectLst/>
-                          <a:latin typeface="Arial" charset="0"/>
-                          <a:cs typeface="Times New Roman" charset="0"/>
-                        </a:rPr>
-                        <a:t>At the start </a:t>
-                      </a:r>
-                      <a:r>
                         <a:rPr kumimoji="0" lang="en-US" sz="1100" b="0" i="0" u="none" strike="noStrike" cap="none" normalizeH="0" baseline="0" dirty="0">
                           <a:ln>
                             <a:noFill/>
@@ -5348,7 +7610,7 @@
                           <a:latin typeface="Arial" charset="0"/>
                           <a:cs typeface="Times New Roman" charset="0"/>
                         </a:rPr>
-                        <a:t>signal, engage targets as they become visible from within the shooting area. </a:t>
+                        <a:t>At start signal, engage targets as they become visible from within the shooting area.</a:t>
                       </a:r>
                     </a:p>
                   </a:txBody>
@@ -5457,7 +7719,7 @@
                           <a:latin typeface="Arial" charset="0"/>
                           <a:cs typeface="Times New Roman" charset="0"/>
                         </a:rPr>
-                        <a:t>Comstock, 33 rounds, 190 points</a:t>
+                        <a:t>Comstock, 33 rounds, 165 points</a:t>
                       </a:r>
                     </a:p>
                     <a:p>
@@ -5669,14 +7931,67 @@
       </p:graphicFrame>
       <p:pic>
         <p:nvPicPr>
-          <p:cNvPr id="9" name="Picture 24" descr="C:\Documents and Settings\All Users\Documents\TAPS Files\dvc1.gif"/>
+          <p:cNvPr id="9" name="Picture 2" descr="Headstone grave clipart image">
+            <a:extLst>
+              <a:ext uri="{FF2B5EF4-FFF2-40B4-BE49-F238E27FC236}">
+                <a16:creationId xmlns:a16="http://schemas.microsoft.com/office/drawing/2014/main" id="{C978B57E-D6A4-4309-9D76-FD8E92E8DBD0}"/>
+              </a:ext>
+            </a:extLst>
+          </p:cNvPr>
           <p:cNvPicPr>
             <a:picLocks noChangeAspect="1" noChangeArrowheads="1"/>
           </p:cNvPicPr>
           <p:nvPr/>
         </p:nvPicPr>
         <p:blipFill>
-          <a:blip r:embed="rId2">
+          <a:blip r:embed="rId3">
+            <a:extLst>
+              <a:ext uri="{28A0092B-C50C-407E-A947-70E740481C1C}">
+                <a14:useLocalDpi xmlns:a14="http://schemas.microsoft.com/office/drawing/2010/main" val="0"/>
+              </a:ext>
+            </a:extLst>
+          </a:blip>
+          <a:srcRect/>
+          <a:stretch>
+            <a:fillRect/>
+          </a:stretch>
+        </p:blipFill>
+        <p:spPr bwMode="auto">
+          <a:xfrm flipH="1">
+            <a:off x="177800" y="341471"/>
+            <a:ext cx="938289" cy="940412"/>
+          </a:xfrm>
+          <a:prstGeom prst="rect">
+            <a:avLst/>
+          </a:prstGeom>
+          <a:noFill/>
+          <a:extLst>
+            <a:ext uri="{909E8E84-426E-40DD-AFC4-6F175D3DCCD1}">
+              <a14:hiddenFill xmlns:a14="http://schemas.microsoft.com/office/drawing/2010/main">
+                <a:solidFill>
+                  <a:srgbClr val="FFFFFF"/>
+                </a:solidFill>
+              </a14:hiddenFill>
+            </a:ext>
+          </a:extLst>
+        </p:spPr>
+      </p:pic>
+      <p:pic>
+        <p:nvPicPr>
+          <p:cNvPr id="10" name="Picture 24" descr="C:\Documents and Settings\All Users\Documents\TAPS Files\dvc1.gif">
+            <a:extLst>
+              <a:ext uri="{FF2B5EF4-FFF2-40B4-BE49-F238E27FC236}">
+                <a16:creationId xmlns:a16="http://schemas.microsoft.com/office/drawing/2014/main" id="{83C47FB0-438F-4FC9-A80A-C79FDE8E08F9}"/>
+              </a:ext>
+            </a:extLst>
+          </p:cNvPr>
+          <p:cNvPicPr>
+            <a:picLocks noChangeAspect="1" noChangeArrowheads="1"/>
+          </p:cNvPicPr>
+          <p:nvPr/>
+        </p:nvPicPr>
+        <p:blipFill>
+          <a:blip r:embed="rId4">
             <a:extLst>
               <a:ext uri="{28A0092B-C50C-407E-A947-70E740481C1C}">
                 <a14:useLocalDpi xmlns:a14="http://schemas.microsoft.com/office/drawing/2010/main" val="0"/>
@@ -5690,8 +8005,8 @@
         </p:blipFill>
         <p:spPr bwMode="auto">
           <a:xfrm>
-            <a:off x="152400" y="127000"/>
-            <a:ext cx="1057275" cy="925513"/>
+            <a:off x="495296" y="625845"/>
+            <a:ext cx="337518" cy="295455"/>
           </a:xfrm>
           <a:prstGeom prst="rect">
             <a:avLst/>
@@ -5723,14 +8038,20 @@
       </p:pic>
       <p:pic>
         <p:nvPicPr>
-          <p:cNvPr id="10" name="Picture 24" descr="C:\Documents and Settings\All Users\Documents\TAPS Files\dvc1.gif"/>
+          <p:cNvPr id="11" name="Picture 2" descr="Headstone grave clipart image">
+            <a:extLst>
+              <a:ext uri="{FF2B5EF4-FFF2-40B4-BE49-F238E27FC236}">
+                <a16:creationId xmlns:a16="http://schemas.microsoft.com/office/drawing/2014/main" id="{0C125D95-4E12-4DA8-BF5D-6768862CDDBE}"/>
+              </a:ext>
+            </a:extLst>
+          </p:cNvPr>
           <p:cNvPicPr>
             <a:picLocks noChangeAspect="1" noChangeArrowheads="1"/>
           </p:cNvPicPr>
           <p:nvPr/>
         </p:nvPicPr>
         <p:blipFill>
-          <a:blip r:embed="rId2">
+          <a:blip r:embed="rId3">
             <a:extLst>
               <a:ext uri="{28A0092B-C50C-407E-A947-70E740481C1C}">
                 <a14:useLocalDpi xmlns:a14="http://schemas.microsoft.com/office/drawing/2010/main" val="0"/>
@@ -5744,8 +8065,55 @@
         </p:blipFill>
         <p:spPr bwMode="auto">
           <a:xfrm>
-            <a:off x="6283325" y="198967"/>
-            <a:ext cx="1057275" cy="925513"/>
+            <a:off x="6241082" y="341471"/>
+            <a:ext cx="938289" cy="940412"/>
+          </a:xfrm>
+          <a:prstGeom prst="rect">
+            <a:avLst/>
+          </a:prstGeom>
+          <a:noFill/>
+          <a:extLst>
+            <a:ext uri="{909E8E84-426E-40DD-AFC4-6F175D3DCCD1}">
+              <a14:hiddenFill xmlns:a14="http://schemas.microsoft.com/office/drawing/2010/main">
+                <a:solidFill>
+                  <a:srgbClr val="FFFFFF"/>
+                </a:solidFill>
+              </a14:hiddenFill>
+            </a:ext>
+          </a:extLst>
+        </p:spPr>
+      </p:pic>
+      <p:pic>
+        <p:nvPicPr>
+          <p:cNvPr id="12" name="Picture 24" descr="C:\Documents and Settings\All Users\Documents\TAPS Files\dvc1.gif">
+            <a:extLst>
+              <a:ext uri="{FF2B5EF4-FFF2-40B4-BE49-F238E27FC236}">
+                <a16:creationId xmlns:a16="http://schemas.microsoft.com/office/drawing/2014/main" id="{0342F02F-936B-46D4-A3E8-53B1DC59F87F}"/>
+              </a:ext>
+            </a:extLst>
+          </p:cNvPr>
+          <p:cNvPicPr>
+            <a:picLocks noChangeAspect="1" noChangeArrowheads="1"/>
+          </p:cNvPicPr>
+          <p:nvPr/>
+        </p:nvPicPr>
+        <p:blipFill>
+          <a:blip r:embed="rId4">
+            <a:extLst>
+              <a:ext uri="{28A0092B-C50C-407E-A947-70E740481C1C}">
+                <a14:useLocalDpi xmlns:a14="http://schemas.microsoft.com/office/drawing/2010/main" val="0"/>
+              </a:ext>
+            </a:extLst>
+          </a:blip>
+          <a:srcRect/>
+          <a:stretch>
+            <a:fillRect/>
+          </a:stretch>
+        </p:blipFill>
+        <p:spPr bwMode="auto">
+          <a:xfrm>
+            <a:off x="6523918" y="581182"/>
+            <a:ext cx="337518" cy="295455"/>
           </a:xfrm>
           <a:prstGeom prst="rect">
             <a:avLst/>
@@ -5775,420 +8143,21 @@
           </a:extLst>
         </p:spPr>
       </p:pic>
-      <p:grpSp>
-        <p:nvGrpSpPr>
-          <p:cNvPr id="5" name="Group 4"/>
-          <p:cNvGrpSpPr/>
-          <p:nvPr/>
-        </p:nvGrpSpPr>
-        <p:grpSpPr>
-          <a:xfrm>
-            <a:off x="3035550" y="3030866"/>
-            <a:ext cx="1151462" cy="1236133"/>
-            <a:chOff x="3086367" y="1950369"/>
-            <a:chExt cx="1151462" cy="1236133"/>
-          </a:xfrm>
-        </p:grpSpPr>
-        <p:sp>
-          <p:nvSpPr>
-            <p:cNvPr id="6" name="Oval 5"/>
-            <p:cNvSpPr/>
-            <p:nvPr/>
-          </p:nvSpPr>
-          <p:spPr>
-            <a:xfrm>
-              <a:off x="3505468" y="1950369"/>
-              <a:ext cx="304800" cy="304800"/>
-            </a:xfrm>
-            <a:prstGeom prst="ellipse">
-              <a:avLst/>
-            </a:prstGeom>
-            <a:solidFill>
-              <a:schemeClr val="bg1"/>
-            </a:solidFill>
-          </p:spPr>
-          <p:style>
-            <a:lnRef idx="1">
-              <a:schemeClr val="accent1"/>
-            </a:lnRef>
-            <a:fillRef idx="3">
-              <a:schemeClr val="accent1"/>
-            </a:fillRef>
-            <a:effectRef idx="2">
-              <a:schemeClr val="accent1"/>
-            </a:effectRef>
-            <a:fontRef idx="minor">
-              <a:schemeClr val="lt1"/>
-            </a:fontRef>
-          </p:style>
-          <p:txBody>
-            <a:bodyPr rtlCol="0" anchor="ctr"/>
-            <a:lstStyle/>
-            <a:p>
-              <a:pPr algn="ctr"/>
-              <a:endParaRPr lang="en-US"/>
-            </a:p>
-          </p:txBody>
-        </p:sp>
-        <p:sp>
-          <p:nvSpPr>
-            <p:cNvPr id="7" name="Oval 6"/>
-            <p:cNvSpPr/>
-            <p:nvPr/>
-          </p:nvSpPr>
-          <p:spPr>
-            <a:xfrm>
-              <a:off x="3086367" y="2331369"/>
-              <a:ext cx="304800" cy="304800"/>
-            </a:xfrm>
-            <a:prstGeom prst="ellipse">
-              <a:avLst/>
-            </a:prstGeom>
-            <a:solidFill>
-              <a:schemeClr val="bg1"/>
-            </a:solidFill>
-          </p:spPr>
-          <p:style>
-            <a:lnRef idx="1">
-              <a:schemeClr val="accent1"/>
-            </a:lnRef>
-            <a:fillRef idx="3">
-              <a:schemeClr val="accent1"/>
-            </a:fillRef>
-            <a:effectRef idx="2">
-              <a:schemeClr val="accent1"/>
-            </a:effectRef>
-            <a:fontRef idx="minor">
-              <a:schemeClr val="lt1"/>
-            </a:fontRef>
-          </p:style>
-          <p:txBody>
-            <a:bodyPr rtlCol="0" anchor="ctr"/>
-            <a:lstStyle/>
-            <a:p>
-              <a:pPr algn="ctr"/>
-              <a:endParaRPr lang="en-US"/>
-            </a:p>
-          </p:txBody>
-        </p:sp>
-        <p:sp>
-          <p:nvSpPr>
-            <p:cNvPr id="11" name="Oval 10"/>
-            <p:cNvSpPr/>
-            <p:nvPr/>
-          </p:nvSpPr>
-          <p:spPr>
-            <a:xfrm>
-              <a:off x="3933029" y="2331369"/>
-              <a:ext cx="304800" cy="304800"/>
-            </a:xfrm>
-            <a:prstGeom prst="ellipse">
-              <a:avLst/>
-            </a:prstGeom>
-            <a:solidFill>
-              <a:schemeClr val="bg1"/>
-            </a:solidFill>
-          </p:spPr>
-          <p:style>
-            <a:lnRef idx="1">
-              <a:schemeClr val="accent1"/>
-            </a:lnRef>
-            <a:fillRef idx="3">
-              <a:schemeClr val="accent1"/>
-            </a:fillRef>
-            <a:effectRef idx="2">
-              <a:schemeClr val="accent1"/>
-            </a:effectRef>
-            <a:fontRef idx="minor">
-              <a:schemeClr val="lt1"/>
-            </a:fontRef>
-          </p:style>
-          <p:txBody>
-            <a:bodyPr rtlCol="0" anchor="ctr"/>
-            <a:lstStyle/>
-            <a:p>
-              <a:pPr algn="ctr"/>
-              <a:endParaRPr lang="en-US"/>
-            </a:p>
-          </p:txBody>
-        </p:sp>
-        <p:sp>
-          <p:nvSpPr>
-            <p:cNvPr id="12" name="Oval 11"/>
-            <p:cNvSpPr/>
-            <p:nvPr/>
-          </p:nvSpPr>
-          <p:spPr>
-            <a:xfrm>
-              <a:off x="3238767" y="2881702"/>
-              <a:ext cx="304800" cy="304800"/>
-            </a:xfrm>
-            <a:prstGeom prst="ellipse">
-              <a:avLst/>
-            </a:prstGeom>
-            <a:solidFill>
-              <a:schemeClr val="bg1"/>
-            </a:solidFill>
-          </p:spPr>
-          <p:style>
-            <a:lnRef idx="1">
-              <a:schemeClr val="accent1"/>
-            </a:lnRef>
-            <a:fillRef idx="3">
-              <a:schemeClr val="accent1"/>
-            </a:fillRef>
-            <a:effectRef idx="2">
-              <a:schemeClr val="accent1"/>
-            </a:effectRef>
-            <a:fontRef idx="minor">
-              <a:schemeClr val="lt1"/>
-            </a:fontRef>
-          </p:style>
-          <p:txBody>
-            <a:bodyPr rtlCol="0" anchor="ctr"/>
-            <a:lstStyle/>
-            <a:p>
-              <a:pPr algn="ctr"/>
-              <a:endParaRPr lang="en-US"/>
-            </a:p>
-          </p:txBody>
-        </p:sp>
-        <p:sp>
-          <p:nvSpPr>
-            <p:cNvPr id="13" name="Oval 12"/>
-            <p:cNvSpPr/>
-            <p:nvPr/>
-          </p:nvSpPr>
-          <p:spPr>
-            <a:xfrm>
-              <a:off x="3780629" y="2881702"/>
-              <a:ext cx="304800" cy="304800"/>
-            </a:xfrm>
-            <a:prstGeom prst="ellipse">
-              <a:avLst/>
-            </a:prstGeom>
-            <a:solidFill>
-              <a:schemeClr val="bg1"/>
-            </a:solidFill>
-          </p:spPr>
-          <p:style>
-            <a:lnRef idx="1">
-              <a:schemeClr val="accent1"/>
-            </a:lnRef>
-            <a:fillRef idx="3">
-              <a:schemeClr val="accent1"/>
-            </a:fillRef>
-            <a:effectRef idx="2">
-              <a:schemeClr val="accent1"/>
-            </a:effectRef>
-            <a:fontRef idx="minor">
-              <a:schemeClr val="lt1"/>
-            </a:fontRef>
-          </p:style>
-          <p:txBody>
-            <a:bodyPr rtlCol="0" anchor="ctr"/>
-            <a:lstStyle/>
-            <a:p>
-              <a:pPr algn="ctr"/>
-              <a:endParaRPr lang="en-US"/>
-            </a:p>
-          </p:txBody>
-        </p:sp>
-        <p:cxnSp>
-          <p:nvCxnSpPr>
-            <p:cNvPr id="14" name="Straight Connector 13"/>
-            <p:cNvCxnSpPr>
-              <a:endCxn id="18" idx="1"/>
-            </p:cNvCxnSpPr>
-            <p:nvPr/>
-          </p:nvCxnSpPr>
-          <p:spPr>
-            <a:xfrm>
-              <a:off x="3657868" y="2636169"/>
-              <a:ext cx="167398" cy="290170"/>
-            </a:xfrm>
-            <a:prstGeom prst="line">
-              <a:avLst/>
-            </a:prstGeom>
-            <a:ln>
-              <a:solidFill>
-                <a:schemeClr val="accent2"/>
-              </a:solidFill>
-            </a:ln>
-          </p:spPr>
-          <p:style>
-            <a:lnRef idx="2">
-              <a:schemeClr val="accent1"/>
-            </a:lnRef>
-            <a:fillRef idx="0">
-              <a:schemeClr val="accent1"/>
-            </a:fillRef>
-            <a:effectRef idx="1">
-              <a:schemeClr val="accent1"/>
-            </a:effectRef>
-            <a:fontRef idx="minor">
-              <a:schemeClr val="tx1"/>
-            </a:fontRef>
-          </p:style>
-        </p:cxnSp>
-        <p:cxnSp>
-          <p:nvCxnSpPr>
-            <p:cNvPr id="15" name="Straight Connector 14"/>
-            <p:cNvCxnSpPr>
-              <a:endCxn id="17" idx="7"/>
-            </p:cNvCxnSpPr>
-            <p:nvPr/>
-          </p:nvCxnSpPr>
-          <p:spPr>
-            <a:xfrm flipH="1">
-              <a:off x="3498930" y="2636169"/>
-              <a:ext cx="158938" cy="290170"/>
-            </a:xfrm>
-            <a:prstGeom prst="line">
-              <a:avLst/>
-            </a:prstGeom>
-            <a:ln>
-              <a:solidFill>
-                <a:schemeClr val="accent2"/>
-              </a:solidFill>
-            </a:ln>
-          </p:spPr>
-          <p:style>
-            <a:lnRef idx="2">
-              <a:schemeClr val="accent1"/>
-            </a:lnRef>
-            <a:fillRef idx="0">
-              <a:schemeClr val="accent1"/>
-            </a:fillRef>
-            <a:effectRef idx="1">
-              <a:schemeClr val="accent1"/>
-            </a:effectRef>
-            <a:fontRef idx="minor">
-              <a:schemeClr val="tx1"/>
-            </a:fontRef>
-          </p:style>
-        </p:cxnSp>
-        <p:cxnSp>
-          <p:nvCxnSpPr>
-            <p:cNvPr id="16" name="Straight Connector 15"/>
-            <p:cNvCxnSpPr>
-              <a:endCxn id="16" idx="2"/>
-            </p:cNvCxnSpPr>
-            <p:nvPr/>
-          </p:nvCxnSpPr>
-          <p:spPr>
-            <a:xfrm flipV="1">
-              <a:off x="3657868" y="2483769"/>
-              <a:ext cx="275161" cy="152400"/>
-            </a:xfrm>
-            <a:prstGeom prst="line">
-              <a:avLst/>
-            </a:prstGeom>
-            <a:ln>
-              <a:solidFill>
-                <a:schemeClr val="accent2"/>
-              </a:solidFill>
-            </a:ln>
-          </p:spPr>
-          <p:style>
-            <a:lnRef idx="2">
-              <a:schemeClr val="accent1"/>
-            </a:lnRef>
-            <a:fillRef idx="0">
-              <a:schemeClr val="accent1"/>
-            </a:fillRef>
-            <a:effectRef idx="1">
-              <a:schemeClr val="accent1"/>
-            </a:effectRef>
-            <a:fontRef idx="minor">
-              <a:schemeClr val="tx1"/>
-            </a:fontRef>
-          </p:style>
-        </p:cxnSp>
-        <p:cxnSp>
-          <p:nvCxnSpPr>
-            <p:cNvPr id="17" name="Straight Connector 16"/>
-            <p:cNvCxnSpPr>
-              <a:endCxn id="14" idx="6"/>
-            </p:cNvCxnSpPr>
-            <p:nvPr/>
-          </p:nvCxnSpPr>
-          <p:spPr>
-            <a:xfrm flipH="1" flipV="1">
-              <a:off x="3391167" y="2483769"/>
-              <a:ext cx="266701" cy="152400"/>
-            </a:xfrm>
-            <a:prstGeom prst="line">
-              <a:avLst/>
-            </a:prstGeom>
-            <a:ln>
-              <a:solidFill>
-                <a:schemeClr val="accent2"/>
-              </a:solidFill>
-            </a:ln>
-          </p:spPr>
-          <p:style>
-            <a:lnRef idx="2">
-              <a:schemeClr val="accent1"/>
-            </a:lnRef>
-            <a:fillRef idx="0">
-              <a:schemeClr val="accent1"/>
-            </a:fillRef>
-            <a:effectRef idx="1">
-              <a:schemeClr val="accent1"/>
-            </a:effectRef>
-            <a:fontRef idx="minor">
-              <a:schemeClr val="tx1"/>
-            </a:fontRef>
-          </p:style>
-        </p:cxnSp>
-        <p:cxnSp>
-          <p:nvCxnSpPr>
-            <p:cNvPr id="18" name="Straight Connector 17"/>
-            <p:cNvCxnSpPr>
-              <a:endCxn id="5" idx="4"/>
-            </p:cNvCxnSpPr>
-            <p:nvPr/>
-          </p:nvCxnSpPr>
-          <p:spPr>
-            <a:xfrm flipV="1">
-              <a:off x="3645163" y="2255169"/>
-              <a:ext cx="12705" cy="381000"/>
-            </a:xfrm>
-            <a:prstGeom prst="line">
-              <a:avLst/>
-            </a:prstGeom>
-            <a:ln>
-              <a:solidFill>
-                <a:schemeClr val="accent2"/>
-              </a:solidFill>
-            </a:ln>
-          </p:spPr>
-          <p:style>
-            <a:lnRef idx="2">
-              <a:schemeClr val="accent1"/>
-            </a:lnRef>
-            <a:fillRef idx="0">
-              <a:schemeClr val="accent1"/>
-            </a:fillRef>
-            <a:effectRef idx="1">
-              <a:schemeClr val="accent1"/>
-            </a:effectRef>
-            <a:fontRef idx="minor">
-              <a:schemeClr val="tx1"/>
-            </a:fontRef>
-          </p:style>
-        </p:cxnSp>
-      </p:grpSp>
       <p:cxnSp>
         <p:nvCxnSpPr>
-          <p:cNvPr id="3" name="Straight Connector 2"/>
+          <p:cNvPr id="103" name="Straight Connector 102">
+            <a:extLst>
+              <a:ext uri="{FF2B5EF4-FFF2-40B4-BE49-F238E27FC236}">
+                <a16:creationId xmlns:a16="http://schemas.microsoft.com/office/drawing/2014/main" id="{5A55A454-9561-4303-8298-EB456F3AC12D}"/>
+              </a:ext>
+            </a:extLst>
+          </p:cNvPr>
           <p:cNvCxnSpPr/>
           <p:nvPr/>
         </p:nvCxnSpPr>
         <p:spPr>
           <a:xfrm flipH="1">
-            <a:off x="1905000" y="5257800"/>
+            <a:off x="1958187" y="5566914"/>
             <a:ext cx="1702051" cy="1371600"/>
           </a:xfrm>
           <a:prstGeom prst="line">
@@ -6217,13 +8186,19 @@
       </p:cxnSp>
       <p:cxnSp>
         <p:nvCxnSpPr>
-          <p:cNvPr id="20" name="Straight Connector 19"/>
+          <p:cNvPr id="104" name="Straight Connector 103">
+            <a:extLst>
+              <a:ext uri="{FF2B5EF4-FFF2-40B4-BE49-F238E27FC236}">
+                <a16:creationId xmlns:a16="http://schemas.microsoft.com/office/drawing/2014/main" id="{076714DD-54D6-42AE-89A5-BFAF72CF7BFC}"/>
+              </a:ext>
+            </a:extLst>
+          </p:cNvPr>
           <p:cNvCxnSpPr/>
           <p:nvPr/>
         </p:nvCxnSpPr>
         <p:spPr>
           <a:xfrm>
-            <a:off x="3648783" y="5257800"/>
+            <a:off x="3701970" y="5566914"/>
             <a:ext cx="1498349" cy="1371600"/>
           </a:xfrm>
           <a:prstGeom prst="line">
@@ -6252,13 +8227,19 @@
       </p:cxnSp>
       <p:cxnSp>
         <p:nvCxnSpPr>
-          <p:cNvPr id="23" name="Straight Connector 22"/>
+          <p:cNvPr id="105" name="Straight Connector 104">
+            <a:extLst>
+              <a:ext uri="{FF2B5EF4-FFF2-40B4-BE49-F238E27FC236}">
+                <a16:creationId xmlns:a16="http://schemas.microsoft.com/office/drawing/2014/main" id="{5E91BADB-56B7-4F17-9A38-81B5D0375976}"/>
+              </a:ext>
+            </a:extLst>
+          </p:cNvPr>
           <p:cNvCxnSpPr/>
           <p:nvPr/>
         </p:nvCxnSpPr>
         <p:spPr>
           <a:xfrm>
-            <a:off x="5147132" y="6629400"/>
+            <a:off x="5200319" y="6938514"/>
             <a:ext cx="0" cy="2133600"/>
           </a:xfrm>
           <a:prstGeom prst="line">
@@ -6287,13 +8268,19 @@
       </p:cxnSp>
       <p:cxnSp>
         <p:nvCxnSpPr>
-          <p:cNvPr id="26" name="Straight Connector 25"/>
+          <p:cNvPr id="106" name="Straight Connector 105">
+            <a:extLst>
+              <a:ext uri="{FF2B5EF4-FFF2-40B4-BE49-F238E27FC236}">
+                <a16:creationId xmlns:a16="http://schemas.microsoft.com/office/drawing/2014/main" id="{712F2661-179D-4319-BA80-F114C6473A6C}"/>
+              </a:ext>
+            </a:extLst>
+          </p:cNvPr>
           <p:cNvCxnSpPr/>
           <p:nvPr/>
         </p:nvCxnSpPr>
         <p:spPr>
           <a:xfrm>
-            <a:off x="1905000" y="6629400"/>
+            <a:off x="1958187" y="6938514"/>
             <a:ext cx="0" cy="2216936"/>
           </a:xfrm>
           <a:prstGeom prst="line">
@@ -6322,13 +8309,19 @@
       </p:cxnSp>
       <p:cxnSp>
         <p:nvCxnSpPr>
-          <p:cNvPr id="30" name="Straight Connector 29"/>
+          <p:cNvPr id="107" name="Straight Connector 106">
+            <a:extLst>
+              <a:ext uri="{FF2B5EF4-FFF2-40B4-BE49-F238E27FC236}">
+                <a16:creationId xmlns:a16="http://schemas.microsoft.com/office/drawing/2014/main" id="{81568054-C962-4465-9196-79A3F91C90D8}"/>
+              </a:ext>
+            </a:extLst>
+          </p:cNvPr>
           <p:cNvCxnSpPr/>
           <p:nvPr/>
         </p:nvCxnSpPr>
         <p:spPr>
           <a:xfrm flipH="1">
-            <a:off x="1905000" y="8763000"/>
+            <a:off x="1958187" y="9072114"/>
             <a:ext cx="3242132" cy="83336"/>
           </a:xfrm>
           <a:prstGeom prst="line">
@@ -6357,13 +8350,19 @@
       </p:cxnSp>
       <p:cxnSp>
         <p:nvCxnSpPr>
-          <p:cNvPr id="33" name="Straight Connector 32"/>
+          <p:cNvPr id="108" name="Straight Connector 107">
+            <a:extLst>
+              <a:ext uri="{FF2B5EF4-FFF2-40B4-BE49-F238E27FC236}">
+                <a16:creationId xmlns:a16="http://schemas.microsoft.com/office/drawing/2014/main" id="{997D9EC1-E255-426F-8152-1AA5C7F8DFDB}"/>
+              </a:ext>
+            </a:extLst>
+          </p:cNvPr>
           <p:cNvCxnSpPr/>
           <p:nvPr/>
         </p:nvCxnSpPr>
         <p:spPr>
           <a:xfrm>
-            <a:off x="2903466" y="6705600"/>
+            <a:off x="2956653" y="7014714"/>
             <a:ext cx="1371600" cy="0"/>
           </a:xfrm>
           <a:prstGeom prst="line">
@@ -6392,13 +8391,19 @@
       </p:cxnSp>
       <p:cxnSp>
         <p:nvCxnSpPr>
-          <p:cNvPr id="36" name="Straight Connector 35"/>
+          <p:cNvPr id="109" name="Straight Connector 108">
+            <a:extLst>
+              <a:ext uri="{FF2B5EF4-FFF2-40B4-BE49-F238E27FC236}">
+                <a16:creationId xmlns:a16="http://schemas.microsoft.com/office/drawing/2014/main" id="{A5B18DA0-ABEA-4180-A27B-60CE1840ACC6}"/>
+              </a:ext>
+            </a:extLst>
+          </p:cNvPr>
           <p:cNvCxnSpPr/>
           <p:nvPr/>
         </p:nvCxnSpPr>
         <p:spPr>
           <a:xfrm>
-            <a:off x="4267200" y="6705600"/>
+            <a:off x="4320387" y="7014714"/>
             <a:ext cx="7866" cy="1295400"/>
           </a:xfrm>
           <a:prstGeom prst="line">
@@ -6427,13 +8432,19 @@
       </p:cxnSp>
       <p:cxnSp>
         <p:nvCxnSpPr>
-          <p:cNvPr id="39" name="Straight Connector 38"/>
+          <p:cNvPr id="111" name="Straight Connector 110">
+            <a:extLst>
+              <a:ext uri="{FF2B5EF4-FFF2-40B4-BE49-F238E27FC236}">
+                <a16:creationId xmlns:a16="http://schemas.microsoft.com/office/drawing/2014/main" id="{F5C4CE37-9EB8-4F7E-BDCE-E7377C999B2D}"/>
+              </a:ext>
+            </a:extLst>
+          </p:cNvPr>
           <p:cNvCxnSpPr/>
           <p:nvPr/>
         </p:nvCxnSpPr>
         <p:spPr>
           <a:xfrm>
-            <a:off x="2903466" y="6705600"/>
+            <a:off x="2956653" y="7014714"/>
             <a:ext cx="0" cy="1295400"/>
           </a:xfrm>
           <a:prstGeom prst="line">
@@ -6462,13 +8473,19 @@
       </p:cxnSp>
       <p:cxnSp>
         <p:nvCxnSpPr>
-          <p:cNvPr id="42" name="Straight Connector 41"/>
+          <p:cNvPr id="112" name="Straight Connector 111">
+            <a:extLst>
+              <a:ext uri="{FF2B5EF4-FFF2-40B4-BE49-F238E27FC236}">
+                <a16:creationId xmlns:a16="http://schemas.microsoft.com/office/drawing/2014/main" id="{989FD646-9B1D-456E-888C-DA4BBEBB2F48}"/>
+              </a:ext>
+            </a:extLst>
+          </p:cNvPr>
           <p:cNvCxnSpPr/>
           <p:nvPr/>
         </p:nvCxnSpPr>
         <p:spPr>
           <a:xfrm flipH="1">
-            <a:off x="2903466" y="8001000"/>
+            <a:off x="2956653" y="8310114"/>
             <a:ext cx="1371600" cy="0"/>
           </a:xfrm>
           <a:prstGeom prst="line">
@@ -6497,13 +8514,19 @@
       </p:cxnSp>
       <p:cxnSp>
         <p:nvCxnSpPr>
-          <p:cNvPr id="45" name="Straight Connector 44"/>
+          <p:cNvPr id="113" name="Straight Connector 112">
+            <a:extLst>
+              <a:ext uri="{FF2B5EF4-FFF2-40B4-BE49-F238E27FC236}">
+                <a16:creationId xmlns:a16="http://schemas.microsoft.com/office/drawing/2014/main" id="{8CBD09A0-5BAD-44A9-8EB5-41D578EA4F1D}"/>
+              </a:ext>
+            </a:extLst>
+          </p:cNvPr>
           <p:cNvCxnSpPr/>
           <p:nvPr/>
         </p:nvCxnSpPr>
         <p:spPr>
           <a:xfrm flipV="1">
-            <a:off x="5312015" y="6819265"/>
+            <a:off x="5365202" y="7128379"/>
             <a:ext cx="1066800" cy="1295400"/>
           </a:xfrm>
           <a:prstGeom prst="line">
@@ -6532,13 +8555,19 @@
       </p:cxnSp>
       <p:cxnSp>
         <p:nvCxnSpPr>
-          <p:cNvPr id="48" name="Straight Connector 47"/>
+          <p:cNvPr id="114" name="Straight Connector 113">
+            <a:extLst>
+              <a:ext uri="{FF2B5EF4-FFF2-40B4-BE49-F238E27FC236}">
+                <a16:creationId xmlns:a16="http://schemas.microsoft.com/office/drawing/2014/main" id="{06AD4A4B-FC92-4148-8860-BD1D81A86ED3}"/>
+              </a:ext>
+            </a:extLst>
+          </p:cNvPr>
           <p:cNvCxnSpPr/>
           <p:nvPr/>
         </p:nvCxnSpPr>
         <p:spPr>
           <a:xfrm flipH="1" flipV="1">
-            <a:off x="584179" y="6740525"/>
+            <a:off x="637366" y="7049639"/>
             <a:ext cx="1168274" cy="1371600"/>
           </a:xfrm>
           <a:prstGeom prst="line">
@@ -6567,13 +8596,19 @@
       </p:cxnSp>
       <p:cxnSp>
         <p:nvCxnSpPr>
-          <p:cNvPr id="52" name="Straight Connector 51"/>
+          <p:cNvPr id="115" name="Straight Connector 114">
+            <a:extLst>
+              <a:ext uri="{FF2B5EF4-FFF2-40B4-BE49-F238E27FC236}">
+                <a16:creationId xmlns:a16="http://schemas.microsoft.com/office/drawing/2014/main" id="{E12AC47F-AB0C-4DB7-83D8-F3F95355B9F7}"/>
+              </a:ext>
+            </a:extLst>
+          </p:cNvPr>
           <p:cNvCxnSpPr/>
           <p:nvPr/>
         </p:nvCxnSpPr>
         <p:spPr>
           <a:xfrm flipV="1">
-            <a:off x="5223332" y="4561219"/>
+            <a:off x="5276519" y="4870333"/>
             <a:ext cx="315546" cy="1792228"/>
           </a:xfrm>
           <a:prstGeom prst="line">
@@ -6602,13 +8637,19 @@
       </p:cxnSp>
       <p:cxnSp>
         <p:nvCxnSpPr>
-          <p:cNvPr id="56" name="Straight Connector 55"/>
+          <p:cNvPr id="116" name="Straight Connector 115">
+            <a:extLst>
+              <a:ext uri="{FF2B5EF4-FFF2-40B4-BE49-F238E27FC236}">
+                <a16:creationId xmlns:a16="http://schemas.microsoft.com/office/drawing/2014/main" id="{11CE1252-B7C2-491C-82A9-5C76681AE392}"/>
+              </a:ext>
+            </a:extLst>
+          </p:cNvPr>
           <p:cNvCxnSpPr/>
           <p:nvPr/>
         </p:nvCxnSpPr>
         <p:spPr>
           <a:xfrm flipH="1" flipV="1">
-            <a:off x="1745201" y="4561219"/>
+            <a:off x="1798388" y="4870333"/>
             <a:ext cx="237586" cy="1792228"/>
           </a:xfrm>
           <a:prstGeom prst="line">
@@ -6637,7 +8678,13 @@
       </p:cxnSp>
       <p:grpSp>
         <p:nvGrpSpPr>
-          <p:cNvPr id="60" name="Group 387"/>
+          <p:cNvPr id="117" name="Group 387">
+            <a:extLst>
+              <a:ext uri="{FF2B5EF4-FFF2-40B4-BE49-F238E27FC236}">
+                <a16:creationId xmlns:a16="http://schemas.microsoft.com/office/drawing/2014/main" id="{33C22429-3127-42C0-B4F4-C5F217A200A6}"/>
+              </a:ext>
+            </a:extLst>
+          </p:cNvPr>
           <p:cNvGrpSpPr>
             <a:grpSpLocks/>
           </p:cNvGrpSpPr>
@@ -6645,7 +8692,7 @@
         </p:nvGrpSpPr>
         <p:grpSpPr bwMode="auto">
           <a:xfrm flipH="1">
-            <a:off x="6370314" y="4480324"/>
+            <a:off x="6423501" y="4789438"/>
             <a:ext cx="228600" cy="862013"/>
             <a:chOff x="1680" y="768"/>
             <a:chExt cx="144" cy="543"/>
@@ -6653,7 +8700,13 @@
         </p:grpSpPr>
         <p:sp>
           <p:nvSpPr>
-            <p:cNvPr id="61" name="Line 388"/>
+            <p:cNvPr id="118" name="Line 388">
+              <a:extLst>
+                <a:ext uri="{FF2B5EF4-FFF2-40B4-BE49-F238E27FC236}">
+                  <a16:creationId xmlns:a16="http://schemas.microsoft.com/office/drawing/2014/main" id="{94A67F4E-8901-4683-822F-79E90DF13D12}"/>
+                </a:ext>
+              </a:extLst>
+            </p:cNvPr>
             <p:cNvSpPr>
               <a:spLocks noChangeShapeType="1"/>
             </p:cNvSpPr>
@@ -6694,7 +8747,13 @@
         </p:sp>
         <p:sp>
           <p:nvSpPr>
-            <p:cNvPr id="62" name="Line 389"/>
+            <p:cNvPr id="119" name="Line 389">
+              <a:extLst>
+                <a:ext uri="{FF2B5EF4-FFF2-40B4-BE49-F238E27FC236}">
+                  <a16:creationId xmlns:a16="http://schemas.microsoft.com/office/drawing/2014/main" id="{0E090BE5-1FA0-43A0-9377-37B4650C0EFD}"/>
+                </a:ext>
+              </a:extLst>
+            </p:cNvPr>
             <p:cNvSpPr>
               <a:spLocks noChangeShapeType="1"/>
             </p:cNvSpPr>
@@ -6735,7 +8794,13 @@
         </p:sp>
         <p:grpSp>
           <p:nvGrpSpPr>
-            <p:cNvPr id="63" name="Group 390"/>
+            <p:cNvPr id="120" name="Group 390">
+              <a:extLst>
+                <a:ext uri="{FF2B5EF4-FFF2-40B4-BE49-F238E27FC236}">
+                  <a16:creationId xmlns:a16="http://schemas.microsoft.com/office/drawing/2014/main" id="{F3956BD0-A378-43E1-8AD8-8C343208DCD3}"/>
+                </a:ext>
+              </a:extLst>
+            </p:cNvPr>
             <p:cNvGrpSpPr>
               <a:grpSpLocks/>
             </p:cNvGrpSpPr>
@@ -6751,7 +8816,13 @@
           </p:grpSpPr>
           <p:sp>
             <p:nvSpPr>
-              <p:cNvPr id="64" name="Freeform 391"/>
+              <p:cNvPr id="121" name="Freeform 391">
+                <a:extLst>
+                  <a:ext uri="{FF2B5EF4-FFF2-40B4-BE49-F238E27FC236}">
+                    <a16:creationId xmlns:a16="http://schemas.microsoft.com/office/drawing/2014/main" id="{589ED079-83CA-43DE-B9C2-37936DED6876}"/>
+                  </a:ext>
+                </a:extLst>
+              </p:cNvPr>
               <p:cNvSpPr>
                 <a:spLocks/>
               </p:cNvSpPr>
@@ -6918,7 +8989,13 @@
           </p:sp>
           <p:sp>
             <p:nvSpPr>
-              <p:cNvPr id="65" name="Freeform 392"/>
+              <p:cNvPr id="122" name="Freeform 392">
+                <a:extLst>
+                  <a:ext uri="{FF2B5EF4-FFF2-40B4-BE49-F238E27FC236}">
+                    <a16:creationId xmlns:a16="http://schemas.microsoft.com/office/drawing/2014/main" id="{767596C8-DBE3-4114-B903-F2F005EE05CD}"/>
+                  </a:ext>
+                </a:extLst>
+              </p:cNvPr>
               <p:cNvSpPr>
                 <a:spLocks/>
               </p:cNvSpPr>
@@ -7032,7 +9109,13 @@
           </p:sp>
           <p:sp>
             <p:nvSpPr>
-              <p:cNvPr id="66" name="Freeform 393"/>
+              <p:cNvPr id="123" name="Freeform 393">
+                <a:extLst>
+                  <a:ext uri="{FF2B5EF4-FFF2-40B4-BE49-F238E27FC236}">
+                    <a16:creationId xmlns:a16="http://schemas.microsoft.com/office/drawing/2014/main" id="{C3B29983-5F52-401B-BA6B-226C295986A8}"/>
+                  </a:ext>
+                </a:extLst>
+              </p:cNvPr>
               <p:cNvSpPr>
                 <a:spLocks/>
               </p:cNvSpPr>
@@ -7148,7 +9231,13 @@
       </p:grpSp>
       <p:grpSp>
         <p:nvGrpSpPr>
-          <p:cNvPr id="67" name="Group 387"/>
+          <p:cNvPr id="124" name="Group 387">
+            <a:extLst>
+              <a:ext uri="{FF2B5EF4-FFF2-40B4-BE49-F238E27FC236}">
+                <a16:creationId xmlns:a16="http://schemas.microsoft.com/office/drawing/2014/main" id="{DF35FD0C-32F3-4719-B0EA-7E05190BCFA6}"/>
+              </a:ext>
+            </a:extLst>
+          </p:cNvPr>
           <p:cNvGrpSpPr>
             <a:grpSpLocks/>
           </p:cNvGrpSpPr>
@@ -7156,7 +9245,7 @@
         </p:nvGrpSpPr>
         <p:grpSpPr bwMode="auto">
           <a:xfrm flipH="1">
-            <a:off x="6611739" y="7343140"/>
+            <a:off x="6664926" y="7652254"/>
             <a:ext cx="228600" cy="862013"/>
             <a:chOff x="1680" y="768"/>
             <a:chExt cx="144" cy="543"/>
@@ -7164,7 +9253,13 @@
         </p:grpSpPr>
         <p:sp>
           <p:nvSpPr>
-            <p:cNvPr id="68" name="Line 388"/>
+            <p:cNvPr id="125" name="Line 388">
+              <a:extLst>
+                <a:ext uri="{FF2B5EF4-FFF2-40B4-BE49-F238E27FC236}">
+                  <a16:creationId xmlns:a16="http://schemas.microsoft.com/office/drawing/2014/main" id="{F538FC4C-EDA0-4AA5-A6CD-40EC561645AE}"/>
+                </a:ext>
+              </a:extLst>
+            </p:cNvPr>
             <p:cNvSpPr>
               <a:spLocks noChangeShapeType="1"/>
             </p:cNvSpPr>
@@ -7205,7 +9300,13 @@
         </p:sp>
         <p:sp>
           <p:nvSpPr>
-            <p:cNvPr id="69" name="Line 389"/>
+            <p:cNvPr id="126" name="Line 389">
+              <a:extLst>
+                <a:ext uri="{FF2B5EF4-FFF2-40B4-BE49-F238E27FC236}">
+                  <a16:creationId xmlns:a16="http://schemas.microsoft.com/office/drawing/2014/main" id="{4A4454C0-A5CA-4B62-982A-9226650F4AC4}"/>
+                </a:ext>
+              </a:extLst>
+            </p:cNvPr>
             <p:cNvSpPr>
               <a:spLocks noChangeShapeType="1"/>
             </p:cNvSpPr>
@@ -7246,7 +9347,13 @@
         </p:sp>
         <p:grpSp>
           <p:nvGrpSpPr>
-            <p:cNvPr id="70" name="Group 390"/>
+            <p:cNvPr id="127" name="Group 390">
+              <a:extLst>
+                <a:ext uri="{FF2B5EF4-FFF2-40B4-BE49-F238E27FC236}">
+                  <a16:creationId xmlns:a16="http://schemas.microsoft.com/office/drawing/2014/main" id="{95EF0413-05CB-46D0-B9F3-FA481C11C691}"/>
+                </a:ext>
+              </a:extLst>
+            </p:cNvPr>
             <p:cNvGrpSpPr>
               <a:grpSpLocks/>
             </p:cNvGrpSpPr>
@@ -7262,7 +9369,13 @@
           </p:grpSpPr>
           <p:sp>
             <p:nvSpPr>
-              <p:cNvPr id="71" name="Freeform 391"/>
+              <p:cNvPr id="128" name="Freeform 391">
+                <a:extLst>
+                  <a:ext uri="{FF2B5EF4-FFF2-40B4-BE49-F238E27FC236}">
+                    <a16:creationId xmlns:a16="http://schemas.microsoft.com/office/drawing/2014/main" id="{9AD5FDE2-2F43-4034-9E7E-4862CA57307D}"/>
+                  </a:ext>
+                </a:extLst>
+              </p:cNvPr>
               <p:cNvSpPr>
                 <a:spLocks/>
               </p:cNvSpPr>
@@ -7429,7 +9542,13 @@
           </p:sp>
           <p:sp>
             <p:nvSpPr>
-              <p:cNvPr id="72" name="Freeform 392"/>
+              <p:cNvPr id="129" name="Freeform 392">
+                <a:extLst>
+                  <a:ext uri="{FF2B5EF4-FFF2-40B4-BE49-F238E27FC236}">
+                    <a16:creationId xmlns:a16="http://schemas.microsoft.com/office/drawing/2014/main" id="{37A168FF-BBB4-4438-9AF1-B26024B02861}"/>
+                  </a:ext>
+                </a:extLst>
+              </p:cNvPr>
               <p:cNvSpPr>
                 <a:spLocks/>
               </p:cNvSpPr>
@@ -7543,7 +9662,13 @@
           </p:sp>
           <p:sp>
             <p:nvSpPr>
-              <p:cNvPr id="73" name="Freeform 393"/>
+              <p:cNvPr id="130" name="Freeform 393">
+                <a:extLst>
+                  <a:ext uri="{FF2B5EF4-FFF2-40B4-BE49-F238E27FC236}">
+                    <a16:creationId xmlns:a16="http://schemas.microsoft.com/office/drawing/2014/main" id="{827F7AD2-2585-4896-B396-3B3AFB45CD84}"/>
+                  </a:ext>
+                </a:extLst>
+              </p:cNvPr>
               <p:cNvSpPr>
                 <a:spLocks/>
               </p:cNvSpPr>
@@ -7659,7 +9784,13 @@
       </p:grpSp>
       <p:grpSp>
         <p:nvGrpSpPr>
-          <p:cNvPr id="74" name="Group 288"/>
+          <p:cNvPr id="131" name="Group 288">
+            <a:extLst>
+              <a:ext uri="{FF2B5EF4-FFF2-40B4-BE49-F238E27FC236}">
+                <a16:creationId xmlns:a16="http://schemas.microsoft.com/office/drawing/2014/main" id="{0A94942F-E4F5-4C36-BD9D-9E0CFD1773A7}"/>
+              </a:ext>
+            </a:extLst>
+          </p:cNvPr>
           <p:cNvGrpSpPr>
             <a:grpSpLocks/>
           </p:cNvGrpSpPr>
@@ -7667,7 +9798,7 @@
         </p:nvGrpSpPr>
         <p:grpSpPr bwMode="auto">
           <a:xfrm>
-            <a:off x="6786240" y="5288280"/>
+            <a:off x="6839427" y="5597394"/>
             <a:ext cx="222250" cy="858838"/>
             <a:chOff x="384" y="816"/>
             <a:chExt cx="140" cy="541"/>
@@ -7675,7 +9806,13 @@
         </p:grpSpPr>
         <p:sp>
           <p:nvSpPr>
-            <p:cNvPr id="75" name="Line 289"/>
+            <p:cNvPr id="132" name="Line 289">
+              <a:extLst>
+                <a:ext uri="{FF2B5EF4-FFF2-40B4-BE49-F238E27FC236}">
+                  <a16:creationId xmlns:a16="http://schemas.microsoft.com/office/drawing/2014/main" id="{D790084A-CA4E-481D-8E4A-AA1E45CA8C80}"/>
+                </a:ext>
+              </a:extLst>
+            </p:cNvPr>
             <p:cNvSpPr>
               <a:spLocks noChangeShapeType="1"/>
             </p:cNvSpPr>
@@ -7716,7 +9853,13 @@
         </p:sp>
         <p:sp>
           <p:nvSpPr>
-            <p:cNvPr id="76" name="Line 290"/>
+            <p:cNvPr id="133" name="Line 290">
+              <a:extLst>
+                <a:ext uri="{FF2B5EF4-FFF2-40B4-BE49-F238E27FC236}">
+                  <a16:creationId xmlns:a16="http://schemas.microsoft.com/office/drawing/2014/main" id="{608CE1A0-173B-4759-A43E-296F6FEAFC7D}"/>
+                </a:ext>
+              </a:extLst>
+            </p:cNvPr>
             <p:cNvSpPr>
               <a:spLocks noChangeShapeType="1"/>
             </p:cNvSpPr>
@@ -7757,7 +9900,13 @@
         </p:sp>
         <p:sp>
           <p:nvSpPr>
-            <p:cNvPr id="77" name="Freeform 291"/>
+            <p:cNvPr id="134" name="Freeform 291">
+              <a:extLst>
+                <a:ext uri="{FF2B5EF4-FFF2-40B4-BE49-F238E27FC236}">
+                  <a16:creationId xmlns:a16="http://schemas.microsoft.com/office/drawing/2014/main" id="{B4F8FFDE-7652-4D0E-8B0D-3C7F66C02D31}"/>
+                </a:ext>
+              </a:extLst>
+            </p:cNvPr>
             <p:cNvSpPr>
               <a:spLocks/>
             </p:cNvSpPr>
@@ -7925,7 +10074,13 @@
       </p:grpSp>
       <p:grpSp>
         <p:nvGrpSpPr>
-          <p:cNvPr id="78" name="Group 288"/>
+          <p:cNvPr id="135" name="Group 288">
+            <a:extLst>
+              <a:ext uri="{FF2B5EF4-FFF2-40B4-BE49-F238E27FC236}">
+                <a16:creationId xmlns:a16="http://schemas.microsoft.com/office/drawing/2014/main" id="{59471640-942D-46DA-966D-8459AC0B21DC}"/>
+              </a:ext>
+            </a:extLst>
+          </p:cNvPr>
           <p:cNvGrpSpPr>
             <a:grpSpLocks/>
           </p:cNvGrpSpPr>
@@ -7933,7 +10088,7 @@
         </p:nvGrpSpPr>
         <p:grpSpPr bwMode="auto">
           <a:xfrm>
-            <a:off x="5779764" y="3735716"/>
+            <a:off x="5832951" y="4044830"/>
             <a:ext cx="222250" cy="858838"/>
             <a:chOff x="384" y="816"/>
             <a:chExt cx="140" cy="541"/>
@@ -7941,7 +10096,13 @@
         </p:grpSpPr>
         <p:sp>
           <p:nvSpPr>
-            <p:cNvPr id="79" name="Line 289"/>
+            <p:cNvPr id="137" name="Line 289">
+              <a:extLst>
+                <a:ext uri="{FF2B5EF4-FFF2-40B4-BE49-F238E27FC236}">
+                  <a16:creationId xmlns:a16="http://schemas.microsoft.com/office/drawing/2014/main" id="{5B884B9B-F6A8-4E4F-A8D3-06E65BA4985E}"/>
+                </a:ext>
+              </a:extLst>
+            </p:cNvPr>
             <p:cNvSpPr>
               <a:spLocks noChangeShapeType="1"/>
             </p:cNvSpPr>
@@ -7982,7 +10143,13 @@
         </p:sp>
         <p:sp>
           <p:nvSpPr>
-            <p:cNvPr id="80" name="Line 290"/>
+            <p:cNvPr id="138" name="Line 290">
+              <a:extLst>
+                <a:ext uri="{FF2B5EF4-FFF2-40B4-BE49-F238E27FC236}">
+                  <a16:creationId xmlns:a16="http://schemas.microsoft.com/office/drawing/2014/main" id="{0DF28586-97FB-4A2A-B091-4E337B18ACE5}"/>
+                </a:ext>
+              </a:extLst>
+            </p:cNvPr>
             <p:cNvSpPr>
               <a:spLocks noChangeShapeType="1"/>
             </p:cNvSpPr>
@@ -8023,7 +10190,13 @@
         </p:sp>
         <p:sp>
           <p:nvSpPr>
-            <p:cNvPr id="81" name="Freeform 291"/>
+            <p:cNvPr id="139" name="Freeform 291">
+              <a:extLst>
+                <a:ext uri="{FF2B5EF4-FFF2-40B4-BE49-F238E27FC236}">
+                  <a16:creationId xmlns:a16="http://schemas.microsoft.com/office/drawing/2014/main" id="{DE13AB38-3D6E-404F-9FBE-9E0BCD02B369}"/>
+                </a:ext>
+              </a:extLst>
+            </p:cNvPr>
             <p:cNvSpPr>
               <a:spLocks/>
             </p:cNvSpPr>
@@ -8191,7 +10364,13 @@
       </p:grpSp>
       <p:grpSp>
         <p:nvGrpSpPr>
-          <p:cNvPr id="82" name="Group 288"/>
+          <p:cNvPr id="140" name="Group 288">
+            <a:extLst>
+              <a:ext uri="{FF2B5EF4-FFF2-40B4-BE49-F238E27FC236}">
+                <a16:creationId xmlns:a16="http://schemas.microsoft.com/office/drawing/2014/main" id="{251D13EA-0EB0-4B9E-9DEF-D5EBAD312B68}"/>
+              </a:ext>
+            </a:extLst>
+          </p:cNvPr>
           <p:cNvGrpSpPr>
             <a:grpSpLocks/>
           </p:cNvGrpSpPr>
@@ -8199,7 +10378,7 @@
         </p:nvGrpSpPr>
         <p:grpSpPr bwMode="auto">
           <a:xfrm>
-            <a:off x="6916539" y="7808278"/>
+            <a:off x="6969726" y="8117392"/>
             <a:ext cx="222250" cy="858838"/>
             <a:chOff x="384" y="816"/>
             <a:chExt cx="140" cy="541"/>
@@ -8207,7 +10386,13 @@
         </p:grpSpPr>
         <p:sp>
           <p:nvSpPr>
-            <p:cNvPr id="83" name="Line 289"/>
+            <p:cNvPr id="141" name="Line 289">
+              <a:extLst>
+                <a:ext uri="{FF2B5EF4-FFF2-40B4-BE49-F238E27FC236}">
+                  <a16:creationId xmlns:a16="http://schemas.microsoft.com/office/drawing/2014/main" id="{CCC8E934-3B3A-46E7-B2D2-91B8DAA3E7B1}"/>
+                </a:ext>
+              </a:extLst>
+            </p:cNvPr>
             <p:cNvSpPr>
               <a:spLocks noChangeShapeType="1"/>
             </p:cNvSpPr>
@@ -8248,7 +10433,13 @@
         </p:sp>
         <p:sp>
           <p:nvSpPr>
-            <p:cNvPr id="84" name="Line 290"/>
+            <p:cNvPr id="142" name="Line 290">
+              <a:extLst>
+                <a:ext uri="{FF2B5EF4-FFF2-40B4-BE49-F238E27FC236}">
+                  <a16:creationId xmlns:a16="http://schemas.microsoft.com/office/drawing/2014/main" id="{19C64C6F-9FCC-4611-8491-531232297F88}"/>
+                </a:ext>
+              </a:extLst>
+            </p:cNvPr>
             <p:cNvSpPr>
               <a:spLocks noChangeShapeType="1"/>
             </p:cNvSpPr>
@@ -8289,7 +10480,13 @@
         </p:sp>
         <p:sp>
           <p:nvSpPr>
-            <p:cNvPr id="85" name="Freeform 291"/>
+            <p:cNvPr id="143" name="Freeform 291">
+              <a:extLst>
+                <a:ext uri="{FF2B5EF4-FFF2-40B4-BE49-F238E27FC236}">
+                  <a16:creationId xmlns:a16="http://schemas.microsoft.com/office/drawing/2014/main" id="{1C757439-C434-4683-98E8-F2C9F65E8F0A}"/>
+                </a:ext>
+              </a:extLst>
+            </p:cNvPr>
             <p:cNvSpPr>
               <a:spLocks/>
             </p:cNvSpPr>
@@ -8457,7 +10654,13 @@
       </p:grpSp>
       <p:grpSp>
         <p:nvGrpSpPr>
-          <p:cNvPr id="86" name="Group 288"/>
+          <p:cNvPr id="144" name="Group 288">
+            <a:extLst>
+              <a:ext uri="{FF2B5EF4-FFF2-40B4-BE49-F238E27FC236}">
+                <a16:creationId xmlns:a16="http://schemas.microsoft.com/office/drawing/2014/main" id="{0D348927-8810-42E7-80A8-659519B8193C}"/>
+              </a:ext>
+            </a:extLst>
+          </p:cNvPr>
           <p:cNvGrpSpPr>
             <a:grpSpLocks/>
           </p:cNvGrpSpPr>
@@ -8465,7 +10668,7 @@
         </p:nvGrpSpPr>
         <p:grpSpPr bwMode="auto">
           <a:xfrm>
-            <a:off x="6421239" y="6577965"/>
+            <a:off x="6474426" y="6887079"/>
             <a:ext cx="222250" cy="858838"/>
             <a:chOff x="384" y="816"/>
             <a:chExt cx="140" cy="541"/>
@@ -8473,7 +10676,13 @@
         </p:grpSpPr>
         <p:sp>
           <p:nvSpPr>
-            <p:cNvPr id="87" name="Line 289"/>
+            <p:cNvPr id="145" name="Line 289">
+              <a:extLst>
+                <a:ext uri="{FF2B5EF4-FFF2-40B4-BE49-F238E27FC236}">
+                  <a16:creationId xmlns:a16="http://schemas.microsoft.com/office/drawing/2014/main" id="{1D09804A-4FC0-46B6-8FC4-BE3418661479}"/>
+                </a:ext>
+              </a:extLst>
+            </p:cNvPr>
             <p:cNvSpPr>
               <a:spLocks noChangeShapeType="1"/>
             </p:cNvSpPr>
@@ -8514,7 +10723,13 @@
         </p:sp>
         <p:sp>
           <p:nvSpPr>
-            <p:cNvPr id="88" name="Line 290"/>
+            <p:cNvPr id="146" name="Line 290">
+              <a:extLst>
+                <a:ext uri="{FF2B5EF4-FFF2-40B4-BE49-F238E27FC236}">
+                  <a16:creationId xmlns:a16="http://schemas.microsoft.com/office/drawing/2014/main" id="{22A3C975-F11D-4A4F-BE66-896F950F1E81}"/>
+                </a:ext>
+              </a:extLst>
+            </p:cNvPr>
             <p:cNvSpPr>
               <a:spLocks noChangeShapeType="1"/>
             </p:cNvSpPr>
@@ -8555,7 +10770,13 @@
         </p:sp>
         <p:sp>
           <p:nvSpPr>
-            <p:cNvPr id="89" name="Freeform 291"/>
+            <p:cNvPr id="147" name="Freeform 291">
+              <a:extLst>
+                <a:ext uri="{FF2B5EF4-FFF2-40B4-BE49-F238E27FC236}">
+                  <a16:creationId xmlns:a16="http://schemas.microsoft.com/office/drawing/2014/main" id="{1C3728AC-4B73-48B4-9F23-86CA65C0F8D3}"/>
+                </a:ext>
+              </a:extLst>
+            </p:cNvPr>
             <p:cNvSpPr>
               <a:spLocks/>
             </p:cNvSpPr>
@@ -8723,7 +10944,13 @@
       </p:grpSp>
       <p:grpSp>
         <p:nvGrpSpPr>
-          <p:cNvPr id="90" name="Group 400"/>
+          <p:cNvPr id="148" name="Group 400">
+            <a:extLst>
+              <a:ext uri="{FF2B5EF4-FFF2-40B4-BE49-F238E27FC236}">
+                <a16:creationId xmlns:a16="http://schemas.microsoft.com/office/drawing/2014/main" id="{52008B68-FA61-4E60-88E4-2451BB7D49BD}"/>
+              </a:ext>
+            </a:extLst>
+          </p:cNvPr>
           <p:cNvGrpSpPr>
             <a:grpSpLocks/>
           </p:cNvGrpSpPr>
@@ -8731,7 +10958,7 @@
         </p:nvGrpSpPr>
         <p:grpSpPr bwMode="auto">
           <a:xfrm>
-            <a:off x="5337101" y="3086700"/>
+            <a:off x="5390288" y="3395814"/>
             <a:ext cx="227013" cy="858838"/>
             <a:chOff x="2064" y="1440"/>
             <a:chExt cx="143" cy="541"/>
@@ -8739,7 +10966,13 @@
         </p:grpSpPr>
         <p:sp>
           <p:nvSpPr>
-            <p:cNvPr id="91" name="Line 401"/>
+            <p:cNvPr id="149" name="Line 401">
+              <a:extLst>
+                <a:ext uri="{FF2B5EF4-FFF2-40B4-BE49-F238E27FC236}">
+                  <a16:creationId xmlns:a16="http://schemas.microsoft.com/office/drawing/2014/main" id="{002DCD99-7187-4C1C-9109-F8679EF1DC60}"/>
+                </a:ext>
+              </a:extLst>
+            </p:cNvPr>
             <p:cNvSpPr>
               <a:spLocks noChangeShapeType="1"/>
             </p:cNvSpPr>
@@ -8780,7 +11013,13 @@
         </p:sp>
         <p:sp>
           <p:nvSpPr>
-            <p:cNvPr id="92" name="Line 402"/>
+            <p:cNvPr id="150" name="Line 402">
+              <a:extLst>
+                <a:ext uri="{FF2B5EF4-FFF2-40B4-BE49-F238E27FC236}">
+                  <a16:creationId xmlns:a16="http://schemas.microsoft.com/office/drawing/2014/main" id="{51A0A837-D3CE-409D-95E7-320C2B25AA21}"/>
+                </a:ext>
+              </a:extLst>
+            </p:cNvPr>
             <p:cNvSpPr>
               <a:spLocks noChangeShapeType="1"/>
             </p:cNvSpPr>
@@ -8821,7 +11060,13 @@
         </p:sp>
         <p:grpSp>
           <p:nvGrpSpPr>
-            <p:cNvPr id="93" name="Group 403"/>
+            <p:cNvPr id="151" name="Group 403">
+              <a:extLst>
+                <a:ext uri="{FF2B5EF4-FFF2-40B4-BE49-F238E27FC236}">
+                  <a16:creationId xmlns:a16="http://schemas.microsoft.com/office/drawing/2014/main" id="{FFF2FE29-BC94-4549-9C55-0DF0231665AA}"/>
+                </a:ext>
+              </a:extLst>
+            </p:cNvPr>
             <p:cNvGrpSpPr>
               <a:grpSpLocks/>
             </p:cNvGrpSpPr>
@@ -8837,7 +11082,13 @@
           </p:grpSpPr>
           <p:sp>
             <p:nvSpPr>
-              <p:cNvPr id="94" name="Freeform 404"/>
+              <p:cNvPr id="152" name="Freeform 404">
+                <a:extLst>
+                  <a:ext uri="{FF2B5EF4-FFF2-40B4-BE49-F238E27FC236}">
+                    <a16:creationId xmlns:a16="http://schemas.microsoft.com/office/drawing/2014/main" id="{40332E2F-CC87-4FF9-9B75-B84DA3472905}"/>
+                  </a:ext>
+                </a:extLst>
+              </p:cNvPr>
               <p:cNvSpPr>
                 <a:spLocks/>
               </p:cNvSpPr>
@@ -9004,7 +11255,13 @@
           </p:sp>
           <p:sp>
             <p:nvSpPr>
-              <p:cNvPr id="95" name="Freeform 405"/>
+              <p:cNvPr id="153" name="Freeform 405">
+                <a:extLst>
+                  <a:ext uri="{FF2B5EF4-FFF2-40B4-BE49-F238E27FC236}">
+                    <a16:creationId xmlns:a16="http://schemas.microsoft.com/office/drawing/2014/main" id="{D191DD72-38FE-4A0D-BEFC-945375F54029}"/>
+                  </a:ext>
+                </a:extLst>
+              </p:cNvPr>
               <p:cNvSpPr>
                 <a:spLocks/>
               </p:cNvSpPr>
@@ -9102,7 +11359,13 @@
       </p:grpSp>
       <p:grpSp>
         <p:nvGrpSpPr>
-          <p:cNvPr id="96" name="Group 380"/>
+          <p:cNvPr id="154" name="Group 380">
+            <a:extLst>
+              <a:ext uri="{FF2B5EF4-FFF2-40B4-BE49-F238E27FC236}">
+                <a16:creationId xmlns:a16="http://schemas.microsoft.com/office/drawing/2014/main" id="{7B3819D8-7B7A-478A-B004-918F7C4B93AB}"/>
+              </a:ext>
+            </a:extLst>
+          </p:cNvPr>
           <p:cNvGrpSpPr>
             <a:grpSpLocks/>
           </p:cNvGrpSpPr>
@@ -9110,7 +11373,7 @@
         </p:nvGrpSpPr>
         <p:grpSpPr bwMode="auto">
           <a:xfrm>
-            <a:off x="670877" y="4570494"/>
+            <a:off x="724064" y="4879608"/>
             <a:ext cx="228600" cy="862013"/>
             <a:chOff x="1680" y="768"/>
             <a:chExt cx="144" cy="543"/>
@@ -9118,7 +11381,13 @@
         </p:grpSpPr>
         <p:sp>
           <p:nvSpPr>
-            <p:cNvPr id="97" name="Line 381"/>
+            <p:cNvPr id="155" name="Line 381">
+              <a:extLst>
+                <a:ext uri="{FF2B5EF4-FFF2-40B4-BE49-F238E27FC236}">
+                  <a16:creationId xmlns:a16="http://schemas.microsoft.com/office/drawing/2014/main" id="{702644D5-5292-48E8-A0D0-8CD48CDCF949}"/>
+                </a:ext>
+              </a:extLst>
+            </p:cNvPr>
             <p:cNvSpPr>
               <a:spLocks noChangeShapeType="1"/>
             </p:cNvSpPr>
@@ -9159,7 +11428,13 @@
         </p:sp>
         <p:sp>
           <p:nvSpPr>
-            <p:cNvPr id="98" name="Line 382"/>
+            <p:cNvPr id="156" name="Line 382">
+              <a:extLst>
+                <a:ext uri="{FF2B5EF4-FFF2-40B4-BE49-F238E27FC236}">
+                  <a16:creationId xmlns:a16="http://schemas.microsoft.com/office/drawing/2014/main" id="{F6ABFACF-D717-4B3C-B8C2-95FD821A3701}"/>
+                </a:ext>
+              </a:extLst>
+            </p:cNvPr>
             <p:cNvSpPr>
               <a:spLocks noChangeShapeType="1"/>
             </p:cNvSpPr>
@@ -9200,7 +11475,13 @@
         </p:sp>
         <p:grpSp>
           <p:nvGrpSpPr>
-            <p:cNvPr id="99" name="Group 383"/>
+            <p:cNvPr id="157" name="Group 383">
+              <a:extLst>
+                <a:ext uri="{FF2B5EF4-FFF2-40B4-BE49-F238E27FC236}">
+                  <a16:creationId xmlns:a16="http://schemas.microsoft.com/office/drawing/2014/main" id="{5B9FFBE4-028A-442B-A4F2-36BBDE5C11F7}"/>
+                </a:ext>
+              </a:extLst>
+            </p:cNvPr>
             <p:cNvGrpSpPr>
               <a:grpSpLocks/>
             </p:cNvGrpSpPr>
@@ -9216,7 +11497,13 @@
           </p:grpSpPr>
           <p:sp>
             <p:nvSpPr>
-              <p:cNvPr id="100" name="Freeform 384"/>
+              <p:cNvPr id="158" name="Freeform 384">
+                <a:extLst>
+                  <a:ext uri="{FF2B5EF4-FFF2-40B4-BE49-F238E27FC236}">
+                    <a16:creationId xmlns:a16="http://schemas.microsoft.com/office/drawing/2014/main" id="{4A5F3BD2-C7F1-4ED2-9DB5-6B74C4F27323}"/>
+                  </a:ext>
+                </a:extLst>
+              </p:cNvPr>
               <p:cNvSpPr>
                 <a:spLocks/>
               </p:cNvSpPr>
@@ -9383,7 +11670,13 @@
           </p:sp>
           <p:sp>
             <p:nvSpPr>
-              <p:cNvPr id="101" name="Freeform 385"/>
+              <p:cNvPr id="159" name="Freeform 385">
+                <a:extLst>
+                  <a:ext uri="{FF2B5EF4-FFF2-40B4-BE49-F238E27FC236}">
+                    <a16:creationId xmlns:a16="http://schemas.microsoft.com/office/drawing/2014/main" id="{AC455F7F-BDA1-4B3B-AF6F-65E1B068BB5B}"/>
+                  </a:ext>
+                </a:extLst>
+              </p:cNvPr>
               <p:cNvSpPr>
                 <a:spLocks/>
               </p:cNvSpPr>
@@ -9497,7 +11790,13 @@
           </p:sp>
           <p:sp>
             <p:nvSpPr>
-              <p:cNvPr id="102" name="Freeform 386"/>
+              <p:cNvPr id="160" name="Freeform 386">
+                <a:extLst>
+                  <a:ext uri="{FF2B5EF4-FFF2-40B4-BE49-F238E27FC236}">
+                    <a16:creationId xmlns:a16="http://schemas.microsoft.com/office/drawing/2014/main" id="{99409540-59F7-4AC4-AF06-E555AA33540A}"/>
+                  </a:ext>
+                </a:extLst>
+              </p:cNvPr>
               <p:cNvSpPr>
                 <a:spLocks/>
               </p:cNvSpPr>
@@ -9613,7 +11912,13 @@
       </p:grpSp>
       <p:grpSp>
         <p:nvGrpSpPr>
-          <p:cNvPr id="103" name="Group 380"/>
+          <p:cNvPr id="161" name="Group 380">
+            <a:extLst>
+              <a:ext uri="{FF2B5EF4-FFF2-40B4-BE49-F238E27FC236}">
+                <a16:creationId xmlns:a16="http://schemas.microsoft.com/office/drawing/2014/main" id="{A5D3762A-5845-459F-AD6E-25B43888BEE5}"/>
+              </a:ext>
+            </a:extLst>
+          </p:cNvPr>
           <p:cNvGrpSpPr>
             <a:grpSpLocks/>
           </p:cNvGrpSpPr>
@@ -9621,7 +11926,7 @@
         </p:nvGrpSpPr>
         <p:grpSpPr bwMode="auto">
           <a:xfrm>
-            <a:off x="254323" y="7509827"/>
+            <a:off x="307510" y="7818941"/>
             <a:ext cx="228600" cy="862013"/>
             <a:chOff x="1680" y="768"/>
             <a:chExt cx="144" cy="543"/>
@@ -9629,7 +11934,13 @@
         </p:grpSpPr>
         <p:sp>
           <p:nvSpPr>
-            <p:cNvPr id="104" name="Line 381"/>
+            <p:cNvPr id="162" name="Line 381">
+              <a:extLst>
+                <a:ext uri="{FF2B5EF4-FFF2-40B4-BE49-F238E27FC236}">
+                  <a16:creationId xmlns:a16="http://schemas.microsoft.com/office/drawing/2014/main" id="{E3CCDAD6-A90B-4DB6-9550-E35B692D8774}"/>
+                </a:ext>
+              </a:extLst>
+            </p:cNvPr>
             <p:cNvSpPr>
               <a:spLocks noChangeShapeType="1"/>
             </p:cNvSpPr>
@@ -9670,7 +11981,13 @@
         </p:sp>
         <p:sp>
           <p:nvSpPr>
-            <p:cNvPr id="105" name="Line 382"/>
+            <p:cNvPr id="163" name="Line 382">
+              <a:extLst>
+                <a:ext uri="{FF2B5EF4-FFF2-40B4-BE49-F238E27FC236}">
+                  <a16:creationId xmlns:a16="http://schemas.microsoft.com/office/drawing/2014/main" id="{682B7745-DE8A-4BE2-85F7-2B97B7B887CA}"/>
+                </a:ext>
+              </a:extLst>
+            </p:cNvPr>
             <p:cNvSpPr>
               <a:spLocks noChangeShapeType="1"/>
             </p:cNvSpPr>
@@ -9711,7 +12028,13 @@
         </p:sp>
         <p:grpSp>
           <p:nvGrpSpPr>
-            <p:cNvPr id="106" name="Group 383"/>
+            <p:cNvPr id="164" name="Group 383">
+              <a:extLst>
+                <a:ext uri="{FF2B5EF4-FFF2-40B4-BE49-F238E27FC236}">
+                  <a16:creationId xmlns:a16="http://schemas.microsoft.com/office/drawing/2014/main" id="{26AADCA9-455D-4E8E-A4E3-19BB9E39C607}"/>
+                </a:ext>
+              </a:extLst>
+            </p:cNvPr>
             <p:cNvGrpSpPr>
               <a:grpSpLocks/>
             </p:cNvGrpSpPr>
@@ -9727,7 +12050,13 @@
           </p:grpSpPr>
           <p:sp>
             <p:nvSpPr>
-              <p:cNvPr id="107" name="Freeform 384"/>
+              <p:cNvPr id="165" name="Freeform 384">
+                <a:extLst>
+                  <a:ext uri="{FF2B5EF4-FFF2-40B4-BE49-F238E27FC236}">
+                    <a16:creationId xmlns:a16="http://schemas.microsoft.com/office/drawing/2014/main" id="{E8EB625B-9149-49CE-B250-81112CBCF2BD}"/>
+                  </a:ext>
+                </a:extLst>
+              </p:cNvPr>
               <p:cNvSpPr>
                 <a:spLocks/>
               </p:cNvSpPr>
@@ -9894,7 +12223,13 @@
           </p:sp>
           <p:sp>
             <p:nvSpPr>
-              <p:cNvPr id="108" name="Freeform 385"/>
+              <p:cNvPr id="166" name="Freeform 385">
+                <a:extLst>
+                  <a:ext uri="{FF2B5EF4-FFF2-40B4-BE49-F238E27FC236}">
+                    <a16:creationId xmlns:a16="http://schemas.microsoft.com/office/drawing/2014/main" id="{7E3679BA-F155-441F-800B-BCBA95A8327B}"/>
+                  </a:ext>
+                </a:extLst>
+              </p:cNvPr>
               <p:cNvSpPr>
                 <a:spLocks/>
               </p:cNvSpPr>
@@ -10008,7 +12343,13 @@
           </p:sp>
           <p:sp>
             <p:nvSpPr>
-              <p:cNvPr id="109" name="Freeform 386"/>
+              <p:cNvPr id="167" name="Freeform 386">
+                <a:extLst>
+                  <a:ext uri="{FF2B5EF4-FFF2-40B4-BE49-F238E27FC236}">
+                    <a16:creationId xmlns:a16="http://schemas.microsoft.com/office/drawing/2014/main" id="{506D0831-FCDC-4A31-AABB-1085DB0273EA}"/>
+                  </a:ext>
+                </a:extLst>
+              </p:cNvPr>
               <p:cNvSpPr>
                 <a:spLocks/>
               </p:cNvSpPr>
@@ -10124,7 +12465,13 @@
       </p:grpSp>
       <p:grpSp>
         <p:nvGrpSpPr>
-          <p:cNvPr id="110" name="Group 394"/>
+          <p:cNvPr id="168" name="Group 394">
+            <a:extLst>
+              <a:ext uri="{FF2B5EF4-FFF2-40B4-BE49-F238E27FC236}">
+                <a16:creationId xmlns:a16="http://schemas.microsoft.com/office/drawing/2014/main" id="{B66AD5C8-F39B-48EA-8120-AB4A8A7EAC0B}"/>
+              </a:ext>
+            </a:extLst>
+          </p:cNvPr>
           <p:cNvGrpSpPr>
             <a:grpSpLocks/>
           </p:cNvGrpSpPr>
@@ -10132,7 +12479,7 @@
         </p:nvGrpSpPr>
         <p:grpSpPr bwMode="auto">
           <a:xfrm>
-            <a:off x="1589212" y="3078964"/>
+            <a:off x="1642399" y="3388078"/>
             <a:ext cx="227013" cy="858838"/>
             <a:chOff x="1872" y="768"/>
             <a:chExt cx="143" cy="541"/>
@@ -10140,7 +12487,13 @@
         </p:grpSpPr>
         <p:sp>
           <p:nvSpPr>
-            <p:cNvPr id="111" name="Line 395"/>
+            <p:cNvPr id="169" name="Line 395">
+              <a:extLst>
+                <a:ext uri="{FF2B5EF4-FFF2-40B4-BE49-F238E27FC236}">
+                  <a16:creationId xmlns:a16="http://schemas.microsoft.com/office/drawing/2014/main" id="{67F6C250-7216-4D9E-BEE6-D04BF807CD63}"/>
+                </a:ext>
+              </a:extLst>
+            </p:cNvPr>
             <p:cNvSpPr>
               <a:spLocks noChangeShapeType="1"/>
             </p:cNvSpPr>
@@ -10181,7 +12534,13 @@
         </p:sp>
         <p:sp>
           <p:nvSpPr>
-            <p:cNvPr id="112" name="Line 396"/>
+            <p:cNvPr id="170" name="Line 396">
+              <a:extLst>
+                <a:ext uri="{FF2B5EF4-FFF2-40B4-BE49-F238E27FC236}">
+                  <a16:creationId xmlns:a16="http://schemas.microsoft.com/office/drawing/2014/main" id="{25D70A38-F3A9-41B8-AC7A-5D7DABEB2D9A}"/>
+                </a:ext>
+              </a:extLst>
+            </p:cNvPr>
             <p:cNvSpPr>
               <a:spLocks noChangeShapeType="1"/>
             </p:cNvSpPr>
@@ -10222,7 +12581,13 @@
         </p:sp>
         <p:grpSp>
           <p:nvGrpSpPr>
-            <p:cNvPr id="113" name="Group 397"/>
+            <p:cNvPr id="171" name="Group 397">
+              <a:extLst>
+                <a:ext uri="{FF2B5EF4-FFF2-40B4-BE49-F238E27FC236}">
+                  <a16:creationId xmlns:a16="http://schemas.microsoft.com/office/drawing/2014/main" id="{7C24B499-79A9-4FF2-B629-34037C9D774C}"/>
+                </a:ext>
+              </a:extLst>
+            </p:cNvPr>
             <p:cNvGrpSpPr>
               <a:grpSpLocks/>
             </p:cNvGrpSpPr>
@@ -10238,7 +12603,13 @@
           </p:grpSpPr>
           <p:sp>
             <p:nvSpPr>
-              <p:cNvPr id="114" name="Freeform 398"/>
+              <p:cNvPr id="172" name="Freeform 398">
+                <a:extLst>
+                  <a:ext uri="{FF2B5EF4-FFF2-40B4-BE49-F238E27FC236}">
+                    <a16:creationId xmlns:a16="http://schemas.microsoft.com/office/drawing/2014/main" id="{6E401514-1F68-469C-9819-0B997CEAB50F}"/>
+                  </a:ext>
+                </a:extLst>
+              </p:cNvPr>
               <p:cNvSpPr>
                 <a:spLocks/>
               </p:cNvSpPr>
@@ -10405,7 +12776,13 @@
           </p:sp>
           <p:sp>
             <p:nvSpPr>
-              <p:cNvPr id="115" name="Freeform 399"/>
+              <p:cNvPr id="173" name="Freeform 399">
+                <a:extLst>
+                  <a:ext uri="{FF2B5EF4-FFF2-40B4-BE49-F238E27FC236}">
+                    <a16:creationId xmlns:a16="http://schemas.microsoft.com/office/drawing/2014/main" id="{AC85D56D-FDC6-4DE9-93B6-8F89B7ECDA9F}"/>
+                  </a:ext>
+                </a:extLst>
+              </p:cNvPr>
               <p:cNvSpPr>
                 <a:spLocks/>
               </p:cNvSpPr>
@@ -10503,7 +12880,13 @@
       </p:grpSp>
       <p:grpSp>
         <p:nvGrpSpPr>
-          <p:cNvPr id="121" name="Group 292"/>
+          <p:cNvPr id="174" name="Group 292">
+            <a:extLst>
+              <a:ext uri="{FF2B5EF4-FFF2-40B4-BE49-F238E27FC236}">
+                <a16:creationId xmlns:a16="http://schemas.microsoft.com/office/drawing/2014/main" id="{438E316E-27AC-44F2-AE8B-4E2C28828C5D}"/>
+              </a:ext>
+            </a:extLst>
+          </p:cNvPr>
           <p:cNvGrpSpPr>
             <a:grpSpLocks/>
           </p:cNvGrpSpPr>
@@ -10511,7 +12894,7 @@
         </p:nvGrpSpPr>
         <p:grpSpPr bwMode="auto">
           <a:xfrm flipH="1">
-            <a:off x="1074863" y="3774490"/>
+            <a:off x="1128050" y="4083604"/>
             <a:ext cx="222250" cy="858838"/>
             <a:chOff x="384" y="816"/>
             <a:chExt cx="140" cy="541"/>
@@ -10519,7 +12902,13 @@
         </p:grpSpPr>
         <p:sp>
           <p:nvSpPr>
-            <p:cNvPr id="122" name="Line 293"/>
+            <p:cNvPr id="175" name="Line 293">
+              <a:extLst>
+                <a:ext uri="{FF2B5EF4-FFF2-40B4-BE49-F238E27FC236}">
+                  <a16:creationId xmlns:a16="http://schemas.microsoft.com/office/drawing/2014/main" id="{7BF6D708-5A66-4E1A-A924-D72620F72610}"/>
+                </a:ext>
+              </a:extLst>
+            </p:cNvPr>
             <p:cNvSpPr>
               <a:spLocks noChangeShapeType="1"/>
             </p:cNvSpPr>
@@ -10560,7 +12949,13 @@
         </p:sp>
         <p:sp>
           <p:nvSpPr>
-            <p:cNvPr id="123" name="Line 294"/>
+            <p:cNvPr id="176" name="Line 294">
+              <a:extLst>
+                <a:ext uri="{FF2B5EF4-FFF2-40B4-BE49-F238E27FC236}">
+                  <a16:creationId xmlns:a16="http://schemas.microsoft.com/office/drawing/2014/main" id="{25811462-F6D4-4790-BEB3-852FB6EA4BCF}"/>
+                </a:ext>
+              </a:extLst>
+            </p:cNvPr>
             <p:cNvSpPr>
               <a:spLocks noChangeShapeType="1"/>
             </p:cNvSpPr>
@@ -10601,7 +12996,13 @@
         </p:sp>
         <p:sp>
           <p:nvSpPr>
-            <p:cNvPr id="124" name="Freeform 295"/>
+            <p:cNvPr id="177" name="Freeform 295">
+              <a:extLst>
+                <a:ext uri="{FF2B5EF4-FFF2-40B4-BE49-F238E27FC236}">
+                  <a16:creationId xmlns:a16="http://schemas.microsoft.com/office/drawing/2014/main" id="{C3EE3813-35B4-4FA4-B870-4586777CE1DC}"/>
+                </a:ext>
+              </a:extLst>
+            </p:cNvPr>
             <p:cNvSpPr>
               <a:spLocks/>
             </p:cNvSpPr>
@@ -10769,7 +13170,13 @@
       </p:grpSp>
       <p:grpSp>
         <p:nvGrpSpPr>
-          <p:cNvPr id="125" name="Group 292"/>
+          <p:cNvPr id="178" name="Group 292">
+            <a:extLst>
+              <a:ext uri="{FF2B5EF4-FFF2-40B4-BE49-F238E27FC236}">
+                <a16:creationId xmlns:a16="http://schemas.microsoft.com/office/drawing/2014/main" id="{7D58B598-AA1C-4E3B-805C-31355EC267AF}"/>
+              </a:ext>
+            </a:extLst>
+          </p:cNvPr>
           <p:cNvGrpSpPr>
             <a:grpSpLocks/>
           </p:cNvGrpSpPr>
@@ -10777,7 +13184,7 @@
         </p:nvGrpSpPr>
         <p:grpSpPr bwMode="auto">
           <a:xfrm flipH="1">
-            <a:off x="349574" y="5309559"/>
+            <a:off x="402761" y="5618673"/>
             <a:ext cx="222250" cy="858838"/>
             <a:chOff x="384" y="816"/>
             <a:chExt cx="140" cy="541"/>
@@ -10785,7 +13192,13 @@
         </p:grpSpPr>
         <p:sp>
           <p:nvSpPr>
-            <p:cNvPr id="126" name="Line 293"/>
+            <p:cNvPr id="179" name="Line 293">
+              <a:extLst>
+                <a:ext uri="{FF2B5EF4-FFF2-40B4-BE49-F238E27FC236}">
+                  <a16:creationId xmlns:a16="http://schemas.microsoft.com/office/drawing/2014/main" id="{4C443A2A-E2BC-4292-9887-E49C29F6E1B4}"/>
+                </a:ext>
+              </a:extLst>
+            </p:cNvPr>
             <p:cNvSpPr>
               <a:spLocks noChangeShapeType="1"/>
             </p:cNvSpPr>
@@ -10826,7 +13239,13 @@
         </p:sp>
         <p:sp>
           <p:nvSpPr>
-            <p:cNvPr id="127" name="Line 294"/>
+            <p:cNvPr id="180" name="Line 294">
+              <a:extLst>
+                <a:ext uri="{FF2B5EF4-FFF2-40B4-BE49-F238E27FC236}">
+                  <a16:creationId xmlns:a16="http://schemas.microsoft.com/office/drawing/2014/main" id="{BC5394AA-5EA5-4B29-A27F-F1DEFF4B578B}"/>
+                </a:ext>
+              </a:extLst>
+            </p:cNvPr>
             <p:cNvSpPr>
               <a:spLocks noChangeShapeType="1"/>
             </p:cNvSpPr>
@@ -10867,7 +13286,13 @@
         </p:sp>
         <p:sp>
           <p:nvSpPr>
-            <p:cNvPr id="128" name="Freeform 295"/>
+            <p:cNvPr id="181" name="Freeform 295">
+              <a:extLst>
+                <a:ext uri="{FF2B5EF4-FFF2-40B4-BE49-F238E27FC236}">
+                  <a16:creationId xmlns:a16="http://schemas.microsoft.com/office/drawing/2014/main" id="{ACF72192-8CC1-44FE-BCE5-3703A510A0D5}"/>
+                </a:ext>
+              </a:extLst>
+            </p:cNvPr>
             <p:cNvSpPr>
               <a:spLocks/>
             </p:cNvSpPr>
@@ -11035,7 +13460,13 @@
       </p:grpSp>
       <p:grpSp>
         <p:nvGrpSpPr>
-          <p:cNvPr id="129" name="Group 292"/>
+          <p:cNvPr id="182" name="Group 292">
+            <a:extLst>
+              <a:ext uri="{FF2B5EF4-FFF2-40B4-BE49-F238E27FC236}">
+                <a16:creationId xmlns:a16="http://schemas.microsoft.com/office/drawing/2014/main" id="{96A946F1-AEB7-41F2-B3A8-1294790DC1BA}"/>
+              </a:ext>
+            </a:extLst>
+          </p:cNvPr>
           <p:cNvGrpSpPr>
             <a:grpSpLocks/>
           </p:cNvGrpSpPr>
@@ -11043,7 +13474,7 @@
         </p:nvGrpSpPr>
         <p:grpSpPr bwMode="auto">
           <a:xfrm flipH="1">
-            <a:off x="76523" y="7946791"/>
+            <a:off x="129710" y="8255905"/>
             <a:ext cx="222250" cy="858838"/>
             <a:chOff x="384" y="816"/>
             <a:chExt cx="140" cy="541"/>
@@ -11051,7 +13482,13 @@
         </p:grpSpPr>
         <p:sp>
           <p:nvSpPr>
-            <p:cNvPr id="130" name="Line 293"/>
+            <p:cNvPr id="183" name="Line 293">
+              <a:extLst>
+                <a:ext uri="{FF2B5EF4-FFF2-40B4-BE49-F238E27FC236}">
+                  <a16:creationId xmlns:a16="http://schemas.microsoft.com/office/drawing/2014/main" id="{A860C24B-BD89-49CA-ABF5-266CC145EB9B}"/>
+                </a:ext>
+              </a:extLst>
+            </p:cNvPr>
             <p:cNvSpPr>
               <a:spLocks noChangeShapeType="1"/>
             </p:cNvSpPr>
@@ -11092,7 +13529,13 @@
         </p:sp>
         <p:sp>
           <p:nvSpPr>
-            <p:cNvPr id="131" name="Line 294"/>
+            <p:cNvPr id="184" name="Line 294">
+              <a:extLst>
+                <a:ext uri="{FF2B5EF4-FFF2-40B4-BE49-F238E27FC236}">
+                  <a16:creationId xmlns:a16="http://schemas.microsoft.com/office/drawing/2014/main" id="{6E51856F-8F93-4E90-BBD3-A74E4FB714C7}"/>
+                </a:ext>
+              </a:extLst>
+            </p:cNvPr>
             <p:cNvSpPr>
               <a:spLocks noChangeShapeType="1"/>
             </p:cNvSpPr>
@@ -11133,7 +13576,13 @@
         </p:sp>
         <p:sp>
           <p:nvSpPr>
-            <p:cNvPr id="132" name="Freeform 295"/>
+            <p:cNvPr id="185" name="Freeform 295">
+              <a:extLst>
+                <a:ext uri="{FF2B5EF4-FFF2-40B4-BE49-F238E27FC236}">
+                  <a16:creationId xmlns:a16="http://schemas.microsoft.com/office/drawing/2014/main" id="{73743032-7486-434A-9516-52FFD1995368}"/>
+                </a:ext>
+              </a:extLst>
+            </p:cNvPr>
             <p:cNvSpPr>
               <a:spLocks/>
             </p:cNvSpPr>
@@ -11301,7 +13750,13 @@
       </p:grpSp>
       <p:grpSp>
         <p:nvGrpSpPr>
-          <p:cNvPr id="133" name="Group 292"/>
+          <p:cNvPr id="186" name="Group 292">
+            <a:extLst>
+              <a:ext uri="{FF2B5EF4-FFF2-40B4-BE49-F238E27FC236}">
+                <a16:creationId xmlns:a16="http://schemas.microsoft.com/office/drawing/2014/main" id="{1EB63B40-1B82-4E8C-948B-1581BAE305F1}"/>
+              </a:ext>
+            </a:extLst>
+          </p:cNvPr>
           <p:cNvGrpSpPr>
             <a:grpSpLocks/>
           </p:cNvGrpSpPr>
@@ -11309,7 +13764,7 @@
         </p:nvGrpSpPr>
         <p:grpSpPr bwMode="auto">
           <a:xfrm flipH="1">
-            <a:off x="249767" y="6740290"/>
+            <a:off x="302954" y="7049404"/>
             <a:ext cx="222250" cy="858838"/>
             <a:chOff x="384" y="816"/>
             <a:chExt cx="140" cy="541"/>
@@ -11317,7 +13772,13 @@
         </p:grpSpPr>
         <p:sp>
           <p:nvSpPr>
-            <p:cNvPr id="134" name="Line 293"/>
+            <p:cNvPr id="187" name="Line 293">
+              <a:extLst>
+                <a:ext uri="{FF2B5EF4-FFF2-40B4-BE49-F238E27FC236}">
+                  <a16:creationId xmlns:a16="http://schemas.microsoft.com/office/drawing/2014/main" id="{91D389BA-5DD3-404C-98F3-7E954C809407}"/>
+                </a:ext>
+              </a:extLst>
+            </p:cNvPr>
             <p:cNvSpPr>
               <a:spLocks noChangeShapeType="1"/>
             </p:cNvSpPr>
@@ -11358,7 +13819,13 @@
         </p:sp>
         <p:sp>
           <p:nvSpPr>
-            <p:cNvPr id="135" name="Line 294"/>
+            <p:cNvPr id="189" name="Line 294">
+              <a:extLst>
+                <a:ext uri="{FF2B5EF4-FFF2-40B4-BE49-F238E27FC236}">
+                  <a16:creationId xmlns:a16="http://schemas.microsoft.com/office/drawing/2014/main" id="{F39A16F7-7E9D-4A5E-AF41-A25F07419170}"/>
+                </a:ext>
+              </a:extLst>
+            </p:cNvPr>
             <p:cNvSpPr>
               <a:spLocks noChangeShapeType="1"/>
             </p:cNvSpPr>
@@ -11399,7 +13866,13 @@
         </p:sp>
         <p:sp>
           <p:nvSpPr>
-            <p:cNvPr id="136" name="Freeform 295"/>
+            <p:cNvPr id="190" name="Freeform 295">
+              <a:extLst>
+                <a:ext uri="{FF2B5EF4-FFF2-40B4-BE49-F238E27FC236}">
+                  <a16:creationId xmlns:a16="http://schemas.microsoft.com/office/drawing/2014/main" id="{13B92650-3543-46B2-8164-4E9C6556EED8}"/>
+                </a:ext>
+              </a:extLst>
+            </p:cNvPr>
             <p:cNvSpPr>
               <a:spLocks/>
             </p:cNvSpPr>
@@ -11567,10 +14040,10 @@
       </p:grpSp>
       <p:grpSp>
         <p:nvGrpSpPr>
-          <p:cNvPr id="137" name="Group 13">
+          <p:cNvPr id="191" name="Group 13">
             <a:extLst>
               <a:ext uri="{FF2B5EF4-FFF2-40B4-BE49-F238E27FC236}">
-                <a16:creationId xmlns:a16="http://schemas.microsoft.com/office/drawing/2014/main" id="{7906B237-9A7A-4B2F-A4AB-D9CB29C5B9CF}"/>
+                <a16:creationId xmlns:a16="http://schemas.microsoft.com/office/drawing/2014/main" id="{C0EC7706-B495-47DD-BA31-1E970A53087F}"/>
               </a:ext>
             </a:extLst>
           </p:cNvPr>
@@ -11581,7 +14054,7 @@
         </p:nvGrpSpPr>
         <p:grpSpPr bwMode="auto">
           <a:xfrm>
-            <a:off x="4356374" y="4510728"/>
+            <a:off x="4409561" y="4819842"/>
             <a:ext cx="393700" cy="1271588"/>
             <a:chOff x="2496" y="4380"/>
             <a:chExt cx="236" cy="690"/>
@@ -11589,10 +14062,10 @@
         </p:grpSpPr>
         <p:sp>
           <p:nvSpPr>
-            <p:cNvPr id="138" name="AutoShape 14">
+            <p:cNvPr id="192" name="AutoShape 14">
               <a:extLst>
                 <a:ext uri="{FF2B5EF4-FFF2-40B4-BE49-F238E27FC236}">
-                  <a16:creationId xmlns:a16="http://schemas.microsoft.com/office/drawing/2014/main" id="{BAB19C8F-D35E-4630-9161-14AAEA8FA5E0}"/>
+                  <a16:creationId xmlns:a16="http://schemas.microsoft.com/office/drawing/2014/main" id="{275DB05F-B0D9-4D9D-95A7-0D7A8531D581}"/>
                 </a:ext>
               </a:extLst>
             </p:cNvPr>
@@ -11772,10 +14245,10 @@
         </p:sp>
         <p:sp>
           <p:nvSpPr>
-            <p:cNvPr id="139" name="AutoShape 15">
+            <p:cNvPr id="193" name="AutoShape 15">
               <a:extLst>
                 <a:ext uri="{FF2B5EF4-FFF2-40B4-BE49-F238E27FC236}">
-                  <a16:creationId xmlns:a16="http://schemas.microsoft.com/office/drawing/2014/main" id="{E498F844-27AF-4BBE-9EED-9F3BCF8C531A}"/>
+                  <a16:creationId xmlns:a16="http://schemas.microsoft.com/office/drawing/2014/main" id="{51FD01FC-0BC2-41EF-8D57-7B438EF05763}"/>
                 </a:ext>
               </a:extLst>
             </p:cNvPr>
@@ -11956,10 +14429,10 @@
       </p:grpSp>
       <p:grpSp>
         <p:nvGrpSpPr>
-          <p:cNvPr id="140" name="Group 13">
+          <p:cNvPr id="194" name="Group 13">
             <a:extLst>
               <a:ext uri="{FF2B5EF4-FFF2-40B4-BE49-F238E27FC236}">
-                <a16:creationId xmlns:a16="http://schemas.microsoft.com/office/drawing/2014/main" id="{7906B237-9A7A-4B2F-A4AB-D9CB29C5B9CF}"/>
+                <a16:creationId xmlns:a16="http://schemas.microsoft.com/office/drawing/2014/main" id="{5C1A1E94-AE5E-42AB-8595-69927BB29A94}"/>
               </a:ext>
             </a:extLst>
           </p:cNvPr>
@@ -11970,7 +14443,7 @@
         </p:nvGrpSpPr>
         <p:grpSpPr bwMode="auto">
           <a:xfrm>
-            <a:off x="2531592" y="4507788"/>
+            <a:off x="2584779" y="4816902"/>
             <a:ext cx="393700" cy="1271588"/>
             <a:chOff x="2496" y="4380"/>
             <a:chExt cx="236" cy="690"/>
@@ -11978,10 +14451,10 @@
         </p:grpSpPr>
         <p:sp>
           <p:nvSpPr>
-            <p:cNvPr id="141" name="AutoShape 14">
+            <p:cNvPr id="195" name="AutoShape 14">
               <a:extLst>
                 <a:ext uri="{FF2B5EF4-FFF2-40B4-BE49-F238E27FC236}">
-                  <a16:creationId xmlns:a16="http://schemas.microsoft.com/office/drawing/2014/main" id="{BAB19C8F-D35E-4630-9161-14AAEA8FA5E0}"/>
+                  <a16:creationId xmlns:a16="http://schemas.microsoft.com/office/drawing/2014/main" id="{83DE580E-9C5A-4C0E-BE57-1CF29BBB579D}"/>
                 </a:ext>
               </a:extLst>
             </p:cNvPr>
@@ -12161,10 +14634,10 @@
         </p:sp>
         <p:sp>
           <p:nvSpPr>
-            <p:cNvPr id="142" name="AutoShape 15">
+            <p:cNvPr id="196" name="AutoShape 15">
               <a:extLst>
                 <a:ext uri="{FF2B5EF4-FFF2-40B4-BE49-F238E27FC236}">
-                  <a16:creationId xmlns:a16="http://schemas.microsoft.com/office/drawing/2014/main" id="{E498F844-27AF-4BBE-9EED-9F3BCF8C531A}"/>
+                  <a16:creationId xmlns:a16="http://schemas.microsoft.com/office/drawing/2014/main" id="{E5E96071-6C86-4657-84B4-63A6B21A2E2F}"/>
                 </a:ext>
               </a:extLst>
             </p:cNvPr>
@@ -12345,13 +14818,19 @@
       </p:grpSp>
       <p:sp>
         <p:nvSpPr>
-          <p:cNvPr id="143" name="TextBox 142"/>
+          <p:cNvPr id="197" name="TextBox 196">
+            <a:extLst>
+              <a:ext uri="{FF2B5EF4-FFF2-40B4-BE49-F238E27FC236}">
+                <a16:creationId xmlns:a16="http://schemas.microsoft.com/office/drawing/2014/main" id="{09B9F5C4-8665-4DF8-AF8A-E6671AAF84C1}"/>
+              </a:ext>
+            </a:extLst>
+          </p:cNvPr>
           <p:cNvSpPr txBox="1"/>
           <p:nvPr/>
         </p:nvSpPr>
         <p:spPr>
           <a:xfrm>
-            <a:off x="3346127" y="8804668"/>
+            <a:off x="3399314" y="9113782"/>
             <a:ext cx="536085" cy="369332"/>
           </a:xfrm>
           <a:prstGeom prst="rect">
@@ -12372,12 +14851,460 @@
           </a:p>
         </p:txBody>
       </p:sp>
+      <p:grpSp>
+        <p:nvGrpSpPr>
+          <p:cNvPr id="391" name="Group 390">
+            <a:extLst>
+              <a:ext uri="{FF2B5EF4-FFF2-40B4-BE49-F238E27FC236}">
+                <a16:creationId xmlns:a16="http://schemas.microsoft.com/office/drawing/2014/main" id="{5E13CBEC-4E5F-4257-8A75-B7C8552C92C5}"/>
+              </a:ext>
+            </a:extLst>
+          </p:cNvPr>
+          <p:cNvGrpSpPr/>
+          <p:nvPr/>
+        </p:nvGrpSpPr>
+        <p:grpSpPr>
+          <a:xfrm>
+            <a:off x="3027006" y="3444928"/>
+            <a:ext cx="1151462" cy="1236133"/>
+            <a:chOff x="3060961" y="3567195"/>
+            <a:chExt cx="1151462" cy="1236133"/>
+          </a:xfrm>
+        </p:grpSpPr>
+        <p:sp>
+          <p:nvSpPr>
+            <p:cNvPr id="392" name="Oval 391">
+              <a:extLst>
+                <a:ext uri="{FF2B5EF4-FFF2-40B4-BE49-F238E27FC236}">
+                  <a16:creationId xmlns:a16="http://schemas.microsoft.com/office/drawing/2014/main" id="{0AB388A3-8CB2-419B-8F99-31AE389C36DB}"/>
+                </a:ext>
+              </a:extLst>
+            </p:cNvPr>
+            <p:cNvSpPr/>
+            <p:nvPr/>
+          </p:nvSpPr>
+          <p:spPr>
+            <a:xfrm>
+              <a:off x="3480062" y="3567195"/>
+              <a:ext cx="304800" cy="304800"/>
+            </a:xfrm>
+            <a:prstGeom prst="ellipse">
+              <a:avLst/>
+            </a:prstGeom>
+            <a:solidFill>
+              <a:schemeClr val="accent3"/>
+            </a:solidFill>
+          </p:spPr>
+          <p:style>
+            <a:lnRef idx="1">
+              <a:schemeClr val="accent1"/>
+            </a:lnRef>
+            <a:fillRef idx="3">
+              <a:schemeClr val="accent1"/>
+            </a:fillRef>
+            <a:effectRef idx="2">
+              <a:schemeClr val="accent1"/>
+            </a:effectRef>
+            <a:fontRef idx="minor">
+              <a:schemeClr val="lt1"/>
+            </a:fontRef>
+          </p:style>
+          <p:txBody>
+            <a:bodyPr rtlCol="0" anchor="ctr"/>
+            <a:lstStyle/>
+            <a:p>
+              <a:pPr algn="ctr"/>
+              <a:endParaRPr lang="en-US"/>
+            </a:p>
+          </p:txBody>
+        </p:sp>
+        <p:sp>
+          <p:nvSpPr>
+            <p:cNvPr id="393" name="Oval 392">
+              <a:extLst>
+                <a:ext uri="{FF2B5EF4-FFF2-40B4-BE49-F238E27FC236}">
+                  <a16:creationId xmlns:a16="http://schemas.microsoft.com/office/drawing/2014/main" id="{EA157CC8-BC60-4D8A-998C-2BBBEA04B6E8}"/>
+                </a:ext>
+              </a:extLst>
+            </p:cNvPr>
+            <p:cNvSpPr/>
+            <p:nvPr/>
+          </p:nvSpPr>
+          <p:spPr>
+            <a:xfrm>
+              <a:off x="3060961" y="3948195"/>
+              <a:ext cx="304800" cy="304800"/>
+            </a:xfrm>
+            <a:prstGeom prst="ellipse">
+              <a:avLst/>
+            </a:prstGeom>
+            <a:solidFill>
+              <a:schemeClr val="accent3"/>
+            </a:solidFill>
+          </p:spPr>
+          <p:style>
+            <a:lnRef idx="1">
+              <a:schemeClr val="accent1"/>
+            </a:lnRef>
+            <a:fillRef idx="3">
+              <a:schemeClr val="accent1"/>
+            </a:fillRef>
+            <a:effectRef idx="2">
+              <a:schemeClr val="accent1"/>
+            </a:effectRef>
+            <a:fontRef idx="minor">
+              <a:schemeClr val="lt1"/>
+            </a:fontRef>
+          </p:style>
+          <p:txBody>
+            <a:bodyPr rtlCol="0" anchor="ctr"/>
+            <a:lstStyle/>
+            <a:p>
+              <a:pPr algn="ctr"/>
+              <a:endParaRPr lang="en-US"/>
+            </a:p>
+          </p:txBody>
+        </p:sp>
+        <p:sp>
+          <p:nvSpPr>
+            <p:cNvPr id="394" name="Oval 393">
+              <a:extLst>
+                <a:ext uri="{FF2B5EF4-FFF2-40B4-BE49-F238E27FC236}">
+                  <a16:creationId xmlns:a16="http://schemas.microsoft.com/office/drawing/2014/main" id="{75824F9E-49EF-4BEB-822D-7544E1BE8A7D}"/>
+                </a:ext>
+              </a:extLst>
+            </p:cNvPr>
+            <p:cNvSpPr/>
+            <p:nvPr/>
+          </p:nvSpPr>
+          <p:spPr>
+            <a:xfrm>
+              <a:off x="3907623" y="3948195"/>
+              <a:ext cx="304800" cy="304800"/>
+            </a:xfrm>
+            <a:prstGeom prst="ellipse">
+              <a:avLst/>
+            </a:prstGeom>
+            <a:solidFill>
+              <a:schemeClr val="accent3"/>
+            </a:solidFill>
+          </p:spPr>
+          <p:style>
+            <a:lnRef idx="1">
+              <a:schemeClr val="accent1"/>
+            </a:lnRef>
+            <a:fillRef idx="3">
+              <a:schemeClr val="accent1"/>
+            </a:fillRef>
+            <a:effectRef idx="2">
+              <a:schemeClr val="accent1"/>
+            </a:effectRef>
+            <a:fontRef idx="minor">
+              <a:schemeClr val="lt1"/>
+            </a:fontRef>
+          </p:style>
+          <p:txBody>
+            <a:bodyPr rtlCol="0" anchor="ctr"/>
+            <a:lstStyle/>
+            <a:p>
+              <a:pPr algn="ctr"/>
+              <a:endParaRPr lang="en-US"/>
+            </a:p>
+          </p:txBody>
+        </p:sp>
+        <p:sp>
+          <p:nvSpPr>
+            <p:cNvPr id="395" name="Oval 394">
+              <a:extLst>
+                <a:ext uri="{FF2B5EF4-FFF2-40B4-BE49-F238E27FC236}">
+                  <a16:creationId xmlns:a16="http://schemas.microsoft.com/office/drawing/2014/main" id="{A63D2443-3CA4-4A70-818B-D781CEFB7368}"/>
+                </a:ext>
+              </a:extLst>
+            </p:cNvPr>
+            <p:cNvSpPr/>
+            <p:nvPr/>
+          </p:nvSpPr>
+          <p:spPr>
+            <a:xfrm>
+              <a:off x="3213361" y="4498528"/>
+              <a:ext cx="304800" cy="304800"/>
+            </a:xfrm>
+            <a:prstGeom prst="ellipse">
+              <a:avLst/>
+            </a:prstGeom>
+            <a:solidFill>
+              <a:schemeClr val="accent3"/>
+            </a:solidFill>
+          </p:spPr>
+          <p:style>
+            <a:lnRef idx="1">
+              <a:schemeClr val="accent1"/>
+            </a:lnRef>
+            <a:fillRef idx="3">
+              <a:schemeClr val="accent1"/>
+            </a:fillRef>
+            <a:effectRef idx="2">
+              <a:schemeClr val="accent1"/>
+            </a:effectRef>
+            <a:fontRef idx="minor">
+              <a:schemeClr val="lt1"/>
+            </a:fontRef>
+          </p:style>
+          <p:txBody>
+            <a:bodyPr rtlCol="0" anchor="ctr"/>
+            <a:lstStyle/>
+            <a:p>
+              <a:pPr algn="ctr"/>
+              <a:endParaRPr lang="en-US"/>
+            </a:p>
+          </p:txBody>
+        </p:sp>
+        <p:sp>
+          <p:nvSpPr>
+            <p:cNvPr id="396" name="Oval 395">
+              <a:extLst>
+                <a:ext uri="{FF2B5EF4-FFF2-40B4-BE49-F238E27FC236}">
+                  <a16:creationId xmlns:a16="http://schemas.microsoft.com/office/drawing/2014/main" id="{480A859B-8FC7-412D-8E1F-F0BAB18E7949}"/>
+                </a:ext>
+              </a:extLst>
+            </p:cNvPr>
+            <p:cNvSpPr/>
+            <p:nvPr/>
+          </p:nvSpPr>
+          <p:spPr>
+            <a:xfrm>
+              <a:off x="3755223" y="4498528"/>
+              <a:ext cx="304800" cy="304800"/>
+            </a:xfrm>
+            <a:prstGeom prst="ellipse">
+              <a:avLst/>
+            </a:prstGeom>
+            <a:solidFill>
+              <a:schemeClr val="accent3"/>
+            </a:solidFill>
+          </p:spPr>
+          <p:style>
+            <a:lnRef idx="1">
+              <a:schemeClr val="accent1"/>
+            </a:lnRef>
+            <a:fillRef idx="3">
+              <a:schemeClr val="accent1"/>
+            </a:fillRef>
+            <a:effectRef idx="2">
+              <a:schemeClr val="accent1"/>
+            </a:effectRef>
+            <a:fontRef idx="minor">
+              <a:schemeClr val="lt1"/>
+            </a:fontRef>
+          </p:style>
+          <p:txBody>
+            <a:bodyPr rtlCol="0" anchor="ctr"/>
+            <a:lstStyle/>
+            <a:p>
+              <a:pPr algn="ctr"/>
+              <a:endParaRPr lang="en-US"/>
+            </a:p>
+          </p:txBody>
+        </p:sp>
+        <p:cxnSp>
+          <p:nvCxnSpPr>
+            <p:cNvPr id="397" name="Straight Connector 396">
+              <a:extLst>
+                <a:ext uri="{FF2B5EF4-FFF2-40B4-BE49-F238E27FC236}">
+                  <a16:creationId xmlns:a16="http://schemas.microsoft.com/office/drawing/2014/main" id="{8ADE970C-6834-489F-A701-56B30D65649D}"/>
+                </a:ext>
+              </a:extLst>
+            </p:cNvPr>
+            <p:cNvCxnSpPr>
+              <a:cxnSpLocks/>
+              <a:endCxn id="396" idx="1"/>
+            </p:cNvCxnSpPr>
+            <p:nvPr/>
+          </p:nvCxnSpPr>
+          <p:spPr>
+            <a:xfrm>
+              <a:off x="3631660" y="4233730"/>
+              <a:ext cx="168200" cy="309435"/>
+            </a:xfrm>
+            <a:prstGeom prst="line">
+              <a:avLst/>
+            </a:prstGeom>
+            <a:ln w="19050"/>
+          </p:spPr>
+          <p:style>
+            <a:lnRef idx="1">
+              <a:schemeClr val="dk1"/>
+            </a:lnRef>
+            <a:fillRef idx="0">
+              <a:schemeClr val="dk1"/>
+            </a:fillRef>
+            <a:effectRef idx="0">
+              <a:schemeClr val="dk1"/>
+            </a:effectRef>
+            <a:fontRef idx="minor">
+              <a:schemeClr val="tx1"/>
+            </a:fontRef>
+          </p:style>
+        </p:cxnSp>
+        <p:cxnSp>
+          <p:nvCxnSpPr>
+            <p:cNvPr id="398" name="Straight Connector 397">
+              <a:extLst>
+                <a:ext uri="{FF2B5EF4-FFF2-40B4-BE49-F238E27FC236}">
+                  <a16:creationId xmlns:a16="http://schemas.microsoft.com/office/drawing/2014/main" id="{9ED9BF3C-B4D0-4EC0-AAE4-5D5F8B405D1C}"/>
+                </a:ext>
+              </a:extLst>
+            </p:cNvPr>
+            <p:cNvCxnSpPr>
+              <a:cxnSpLocks/>
+              <a:endCxn id="395" idx="7"/>
+            </p:cNvCxnSpPr>
+            <p:nvPr/>
+          </p:nvCxnSpPr>
+          <p:spPr>
+            <a:xfrm flipH="1">
+              <a:off x="3473524" y="4233091"/>
+              <a:ext cx="161393" cy="310074"/>
+            </a:xfrm>
+            <a:prstGeom prst="line">
+              <a:avLst/>
+            </a:prstGeom>
+            <a:ln w="19050"/>
+          </p:spPr>
+          <p:style>
+            <a:lnRef idx="1">
+              <a:schemeClr val="dk1"/>
+            </a:lnRef>
+            <a:fillRef idx="0">
+              <a:schemeClr val="dk1"/>
+            </a:fillRef>
+            <a:effectRef idx="0">
+              <a:schemeClr val="dk1"/>
+            </a:effectRef>
+            <a:fontRef idx="minor">
+              <a:schemeClr val="tx1"/>
+            </a:fontRef>
+          </p:style>
+        </p:cxnSp>
+        <p:cxnSp>
+          <p:nvCxnSpPr>
+            <p:cNvPr id="399" name="Straight Connector 398">
+              <a:extLst>
+                <a:ext uri="{FF2B5EF4-FFF2-40B4-BE49-F238E27FC236}">
+                  <a16:creationId xmlns:a16="http://schemas.microsoft.com/office/drawing/2014/main" id="{A72199D2-7C65-44A9-AD3F-DD3C9E84332D}"/>
+                </a:ext>
+              </a:extLst>
+            </p:cNvPr>
+            <p:cNvCxnSpPr>
+              <a:cxnSpLocks/>
+            </p:cNvCxnSpPr>
+            <p:nvPr/>
+          </p:nvCxnSpPr>
+          <p:spPr>
+            <a:xfrm flipH="1" flipV="1">
+              <a:off x="3355851" y="4156891"/>
+              <a:ext cx="282616" cy="83399"/>
+            </a:xfrm>
+            <a:prstGeom prst="line">
+              <a:avLst/>
+            </a:prstGeom>
+            <a:ln w="19050"/>
+          </p:spPr>
+          <p:style>
+            <a:lnRef idx="1">
+              <a:schemeClr val="dk1"/>
+            </a:lnRef>
+            <a:fillRef idx="0">
+              <a:schemeClr val="dk1"/>
+            </a:fillRef>
+            <a:effectRef idx="0">
+              <a:schemeClr val="dk1"/>
+            </a:effectRef>
+            <a:fontRef idx="minor">
+              <a:schemeClr val="tx1"/>
+            </a:fontRef>
+          </p:style>
+        </p:cxnSp>
+        <p:cxnSp>
+          <p:nvCxnSpPr>
+            <p:cNvPr id="400" name="Straight Connector 399">
+              <a:extLst>
+                <a:ext uri="{FF2B5EF4-FFF2-40B4-BE49-F238E27FC236}">
+                  <a16:creationId xmlns:a16="http://schemas.microsoft.com/office/drawing/2014/main" id="{6AFD2C22-4876-48B6-AAF5-79800AD84083}"/>
+                </a:ext>
+              </a:extLst>
+            </p:cNvPr>
+            <p:cNvCxnSpPr>
+              <a:cxnSpLocks/>
+            </p:cNvCxnSpPr>
+            <p:nvPr/>
+          </p:nvCxnSpPr>
+          <p:spPr>
+            <a:xfrm flipH="1">
+              <a:off x="3638467" y="4138222"/>
+              <a:ext cx="272547" cy="94869"/>
+            </a:xfrm>
+            <a:prstGeom prst="line">
+              <a:avLst/>
+            </a:prstGeom>
+            <a:ln w="19050"/>
+          </p:spPr>
+          <p:style>
+            <a:lnRef idx="1">
+              <a:schemeClr val="dk1"/>
+            </a:lnRef>
+            <a:fillRef idx="0">
+              <a:schemeClr val="dk1"/>
+            </a:fillRef>
+            <a:effectRef idx="0">
+              <a:schemeClr val="dk1"/>
+            </a:effectRef>
+            <a:fontRef idx="minor">
+              <a:schemeClr val="tx1"/>
+            </a:fontRef>
+          </p:style>
+        </p:cxnSp>
+        <p:cxnSp>
+          <p:nvCxnSpPr>
+            <p:cNvPr id="401" name="Straight Connector 400">
+              <a:extLst>
+                <a:ext uri="{FF2B5EF4-FFF2-40B4-BE49-F238E27FC236}">
+                  <a16:creationId xmlns:a16="http://schemas.microsoft.com/office/drawing/2014/main" id="{1DC4F1BF-7356-497E-AC5B-61943BA3CC07}"/>
+                </a:ext>
+              </a:extLst>
+            </p:cNvPr>
+            <p:cNvCxnSpPr>
+              <a:cxnSpLocks/>
+            </p:cNvCxnSpPr>
+            <p:nvPr/>
+          </p:nvCxnSpPr>
+          <p:spPr>
+            <a:xfrm flipH="1" flipV="1">
+              <a:off x="3631661" y="3873424"/>
+              <a:ext cx="6806" cy="359667"/>
+            </a:xfrm>
+            <a:prstGeom prst="line">
+              <a:avLst/>
+            </a:prstGeom>
+            <a:ln w="19050"/>
+          </p:spPr>
+          <p:style>
+            <a:lnRef idx="1">
+              <a:schemeClr val="dk1"/>
+            </a:lnRef>
+            <a:fillRef idx="0">
+              <a:schemeClr val="dk1"/>
+            </a:fillRef>
+            <a:effectRef idx="0">
+              <a:schemeClr val="dk1"/>
+            </a:effectRef>
+            <a:fontRef idx="minor">
+              <a:schemeClr val="tx1"/>
+            </a:fontRef>
+          </p:style>
+        </p:cxnSp>
+      </p:grpSp>
     </p:spTree>
-    <p:extLst>
-      <p:ext uri="{BB962C8B-B14F-4D97-AF65-F5344CB8AC3E}">
-        <p14:creationId xmlns:p14="http://schemas.microsoft.com/office/powerpoint/2010/main" val="225433497"/>
-      </p:ext>
-    </p:extLst>
   </p:cSld>
   <p:clrMapOvr>
     <a:masterClrMapping/>
